--- a/Phase 2 Documentation/Team_2_Presentation_2.pptx
+++ b/Phase 2 Documentation/Team_2_Presentation_2.pptx
@@ -6200,7 +6200,7 @@
           <a:p>
             <a:fld id="{40BFA2F5-D8EE-4C13-8817-1BE250F639AB}" type="datetimeFigureOut">
               <a:rPr lang="en-US" smtClean="0"/>
-              <a:t>3/4/2025</a:t>
+              <a:t>3/9/2025</a:t>
             </a:fld>
             <a:endParaRPr lang="en-US"/>
           </a:p>
@@ -6614,7 +6614,7 @@
           <a:p>
             <a:fld id="{40BFA2F5-D8EE-4C13-8817-1BE250F639AB}" type="datetimeFigureOut">
               <a:rPr lang="en-US" smtClean="0"/>
-              <a:t>3/4/2025</a:t>
+              <a:t>3/9/2025</a:t>
             </a:fld>
             <a:endParaRPr lang="en-US"/>
           </a:p>
@@ -6950,7 +6950,7 @@
           <a:p>
             <a:fld id="{40BFA2F5-D8EE-4C13-8817-1BE250F639AB}" type="datetimeFigureOut">
               <a:rPr lang="en-US" smtClean="0"/>
-              <a:t>3/4/2025</a:t>
+              <a:t>3/9/2025</a:t>
             </a:fld>
             <a:endParaRPr lang="en-US"/>
           </a:p>
@@ -7355,7 +7355,7 @@
           <a:p>
             <a:fld id="{40BFA2F5-D8EE-4C13-8817-1BE250F639AB}" type="datetimeFigureOut">
               <a:rPr lang="en-US" smtClean="0"/>
-              <a:t>3/4/2025</a:t>
+              <a:t>3/9/2025</a:t>
             </a:fld>
             <a:endParaRPr lang="en-US"/>
           </a:p>
@@ -7923,7 +7923,7 @@
           <a:p>
             <a:fld id="{40BFA2F5-D8EE-4C13-8817-1BE250F639AB}" type="datetimeFigureOut">
               <a:rPr lang="en-US" smtClean="0"/>
-              <a:t>3/4/2025</a:t>
+              <a:t>3/9/2025</a:t>
             </a:fld>
             <a:endParaRPr lang="en-US"/>
           </a:p>
@@ -8604,7 +8604,7 @@
           <a:p>
             <a:fld id="{40BFA2F5-D8EE-4C13-8817-1BE250F639AB}" type="datetimeFigureOut">
               <a:rPr lang="en-US" smtClean="0"/>
-              <a:t>3/4/2025</a:t>
+              <a:t>3/9/2025</a:t>
             </a:fld>
             <a:endParaRPr lang="en-US"/>
           </a:p>
@@ -9517,7 +9517,7 @@
           <a:p>
             <a:fld id="{40BFA2F5-D8EE-4C13-8817-1BE250F639AB}" type="datetimeFigureOut">
               <a:rPr lang="en-US" smtClean="0"/>
-              <a:t>3/4/2025</a:t>
+              <a:t>3/9/2025</a:t>
             </a:fld>
             <a:endParaRPr lang="en-US"/>
           </a:p>
@@ -9830,7 +9830,7 @@
           <a:p>
             <a:fld id="{40BFA2F5-D8EE-4C13-8817-1BE250F639AB}" type="datetimeFigureOut">
               <a:rPr lang="en-US" smtClean="0"/>
-              <a:t>3/4/2025</a:t>
+              <a:t>3/9/2025</a:t>
             </a:fld>
             <a:endParaRPr lang="en-US"/>
           </a:p>
@@ -10094,7 +10094,7 @@
           <a:p>
             <a:fld id="{40BFA2F5-D8EE-4C13-8817-1BE250F639AB}" type="datetimeFigureOut">
               <a:rPr lang="en-US" smtClean="0"/>
-              <a:t>3/4/2025</a:t>
+              <a:t>3/9/2025</a:t>
             </a:fld>
             <a:endParaRPr lang="en-US"/>
           </a:p>
@@ -10417,7 +10417,7 @@
           <a:p>
             <a:fld id="{40BFA2F5-D8EE-4C13-8817-1BE250F639AB}" type="datetimeFigureOut">
               <a:rPr lang="en-US" smtClean="0"/>
-              <a:t>3/4/2025</a:t>
+              <a:t>3/9/2025</a:t>
             </a:fld>
             <a:endParaRPr lang="en-US"/>
           </a:p>
@@ -10806,7 +10806,7 @@
           <a:p>
             <a:fld id="{40BFA2F5-D8EE-4C13-8817-1BE250F639AB}" type="datetimeFigureOut">
               <a:rPr lang="en-US" smtClean="0"/>
-              <a:t>3/4/2025</a:t>
+              <a:t>3/9/2025</a:t>
             </a:fld>
             <a:endParaRPr lang="en-US"/>
           </a:p>
@@ -11182,7 +11182,7 @@
           <a:p>
             <a:fld id="{40BFA2F5-D8EE-4C13-8817-1BE250F639AB}" type="datetimeFigureOut">
               <a:rPr lang="en-US" smtClean="0"/>
-              <a:t>3/4/2025</a:t>
+              <a:t>3/9/2025</a:t>
             </a:fld>
             <a:endParaRPr lang="en-US"/>
           </a:p>
@@ -11688,7 +11688,7 @@
           <a:p>
             <a:fld id="{40BFA2F5-D8EE-4C13-8817-1BE250F639AB}" type="datetimeFigureOut">
               <a:rPr lang="en-US" smtClean="0"/>
-              <a:t>3/4/2025</a:t>
+              <a:t>3/9/2025</a:t>
             </a:fld>
             <a:endParaRPr lang="en-US"/>
           </a:p>
@@ -11945,7 +11945,7 @@
           <a:p>
             <a:fld id="{40BFA2F5-D8EE-4C13-8817-1BE250F639AB}" type="datetimeFigureOut">
               <a:rPr lang="en-US" smtClean="0"/>
-              <a:t>3/4/2025</a:t>
+              <a:t>3/9/2025</a:t>
             </a:fld>
             <a:endParaRPr lang="en-US"/>
           </a:p>
@@ -12108,7 +12108,7 @@
           <a:p>
             <a:fld id="{40BFA2F5-D8EE-4C13-8817-1BE250F639AB}" type="datetimeFigureOut">
               <a:rPr lang="en-US" smtClean="0"/>
-              <a:t>3/4/2025</a:t>
+              <a:t>3/9/2025</a:t>
             </a:fld>
             <a:endParaRPr lang="en-US"/>
           </a:p>
@@ -12498,7 +12498,7 @@
           <a:p>
             <a:fld id="{40BFA2F5-D8EE-4C13-8817-1BE250F639AB}" type="datetimeFigureOut">
               <a:rPr lang="en-US" smtClean="0"/>
-              <a:t>3/4/2025</a:t>
+              <a:t>3/9/2025</a:t>
             </a:fld>
             <a:endParaRPr lang="en-US"/>
           </a:p>
@@ -12907,7 +12907,7 @@
           <a:p>
             <a:fld id="{40BFA2F5-D8EE-4C13-8817-1BE250F639AB}" type="datetimeFigureOut">
               <a:rPr lang="en-US" smtClean="0"/>
-              <a:t>3/4/2025</a:t>
+              <a:t>3/9/2025</a:t>
             </a:fld>
             <a:endParaRPr lang="en-US"/>
           </a:p>
@@ -13151,7 +13151,7 @@
           <a:p>
             <a:fld id="{40BFA2F5-D8EE-4C13-8817-1BE250F639AB}" type="datetimeFigureOut">
               <a:rPr lang="en-US" smtClean="0"/>
-              <a:t>3/4/2025</a:t>
+              <a:t>3/9/2025</a:t>
             </a:fld>
             <a:endParaRPr lang="en-US"/>
           </a:p>
@@ -15575,7 +15575,10 @@
           <a:bodyPr/>
           <a:lstStyle/>
           <a:p>
-            <a:endParaRPr lang="en-US"/>
+            <a:r>
+              <a:rPr lang="en-US" dirty="0"/>
+              <a:t>Front-end architecture diagram</a:t>
+            </a:r>
           </a:p>
         </p:txBody>
       </p:sp>
@@ -15661,7 +15664,15 @@
           <a:bodyPr/>
           <a:lstStyle/>
           <a:p>
-            <a:endParaRPr lang="en-US"/>
+            <a:r>
+              <a:rPr lang="en-US" dirty="0"/>
+              <a:t>APIs</a:t>
+            </a:r>
+            <a:r>
+              <a:rPr lang="en-US"/>
+              <a:t>/technology used </a:t>
+            </a:r>
+            <a:endParaRPr lang="en-US" dirty="0"/>
           </a:p>
         </p:txBody>
       </p:sp>

--- a/Phase 2 Documentation/Team_2_Presentation_2.pptx
+++ b/Phase 2 Documentation/Team_2_Presentation_2.pptx
@@ -15576,37 +15576,51 @@
           <a:lstStyle/>
           <a:p>
             <a:r>
+              <a:rPr lang="en-US"/>
+              <a:t>Architecture </a:t>
+            </a:r>
+            <a:r>
               <a:rPr lang="en-US" dirty="0"/>
-              <a:t>Front-end architecture diagram</a:t>
+              <a:t>diagram</a:t>
             </a:r>
           </a:p>
         </p:txBody>
       </p:sp>
-      <p:sp>
-        <p:nvSpPr>
-          <p:cNvPr id="3" name="Content Placeholder 2">
+      <p:pic>
+        <p:nvPicPr>
+          <p:cNvPr id="7" name="Content Placeholder 6" descr="A diagram of a computer&#10;&#10;Description automatically generated">
             <a:extLst>
               <a:ext uri="{FF2B5EF4-FFF2-40B4-BE49-F238E27FC236}">
-                <a16:creationId xmlns:a16="http://schemas.microsoft.com/office/drawing/2014/main" id="{6B007754-9A68-5F9B-CF3C-54E3BB06F781}"/>
+                <a16:creationId xmlns:a16="http://schemas.microsoft.com/office/drawing/2014/main" id="{7DE6F67B-2143-D923-9C43-635DA1686158}"/>
               </a:ext>
             </a:extLst>
           </p:cNvPr>
-          <p:cNvSpPr>
-            <a:spLocks noGrp="1"/>
-          </p:cNvSpPr>
+          <p:cNvPicPr>
+            <a:picLocks noGrp="1" noChangeAspect="1"/>
+          </p:cNvPicPr>
           <p:nvPr>
             <p:ph idx="1"/>
           </p:nvPr>
-        </p:nvSpPr>
-        <p:spPr/>
-        <p:txBody>
-          <a:bodyPr/>
-          <a:lstStyle/>
-          <a:p>
-            <a:endParaRPr lang="en-US"/>
-          </a:p>
-        </p:txBody>
-      </p:sp>
+        </p:nvPicPr>
+        <p:blipFill>
+          <a:blip r:embed="rId2">
+            <a:extLst>
+              <a:ext uri="{28A0092B-C50C-407E-A947-70E740481C1C}">
+                <a14:useLocalDpi xmlns:a14="http://schemas.microsoft.com/office/drawing/2010/main" val="0"/>
+              </a:ext>
+            </a:extLst>
+          </a:blip>
+          <a:stretch>
+            <a:fillRect/>
+          </a:stretch>
+        </p:blipFill>
+        <p:spPr>
+          <a:xfrm>
+            <a:off x="2630184" y="1979760"/>
+            <a:ext cx="6554913" cy="4878240"/>
+          </a:xfrm>
+        </p:spPr>
+      </p:pic>
     </p:spTree>
     <p:extLst>
       <p:ext uri="{BB962C8B-B14F-4D97-AF65-F5344CB8AC3E}">

--- a/Phase 2 Documentation/Team_2_Presentation_2.pptx
+++ b/Phase 2 Documentation/Team_2_Presentation_2.pptx
@@ -8,15 +8,15 @@
     <p:sldId id="256" r:id="rId2"/>
     <p:sldId id="257" r:id="rId3"/>
     <p:sldId id="259" r:id="rId4"/>
-    <p:sldId id="260" r:id="rId5"/>
-    <p:sldId id="261" r:id="rId6"/>
-    <p:sldId id="262" r:id="rId7"/>
-    <p:sldId id="263" r:id="rId8"/>
+    <p:sldId id="263" r:id="rId5"/>
+    <p:sldId id="260" r:id="rId6"/>
+    <p:sldId id="261" r:id="rId7"/>
+    <p:sldId id="262" r:id="rId8"/>
     <p:sldId id="264" r:id="rId9"/>
     <p:sldId id="265" r:id="rId10"/>
     <p:sldId id="266" r:id="rId11"/>
     <p:sldId id="267" r:id="rId12"/>
-    <p:sldId id="258" r:id="rId13"/>
+    <p:sldId id="268" r:id="rId13"/>
   </p:sldIdLst>
   <p:sldSz cx="12192000" cy="6858000"/>
   <p:notesSz cx="6858000" cy="9144000"/>
@@ -123,6 +123,14 @@
 </p:presentation>
 </file>
 
+<file path=ppt/revisionInfo.xml><?xml version="1.0" encoding="utf-8"?>
+<p1510:revInfo xmlns:a="http://schemas.openxmlformats.org/drawingml/2006/main" xmlns:r="http://schemas.openxmlformats.org/officeDocument/2006/relationships" xmlns:p1510="http://schemas.microsoft.com/office/powerpoint/2015/10/main">
+  <p1510:revLst>
+    <p1510:client id="{D50F4C2D-8F48-A9C6-76E5-92CC1112D8FA}" v="129" dt="2025-03-10T02:15:21.067"/>
+  </p1510:revLst>
+</p1510:revInfo>
+</file>
+
 <file path=ppt/diagrams/colors1.xml><?xml version="1.0" encoding="utf-8"?>
 <dgm:colorsDef xmlns:dgm="http://schemas.openxmlformats.org/drawingml/2006/diagram" xmlns:a="http://schemas.openxmlformats.org/drawingml/2006/main" uniqueId="urn:microsoft.com/office/officeart/2005/8/colors/colorful2">
   <dgm:title val=""/>
@@ -1687,11 +1695,793 @@
 </dgm:colorsDef>
 </file>
 
+<file path=ppt/diagrams/colors3.xml><?xml version="1.0" encoding="utf-8"?>
+<dgm:colorsDef xmlns:dgm="http://schemas.openxmlformats.org/drawingml/2006/diagram" xmlns:a="http://schemas.openxmlformats.org/drawingml/2006/main" uniqueId="urn:microsoft.com/office/officeart/2005/8/colors/colorful2">
+  <dgm:title val=""/>
+  <dgm:desc val=""/>
+  <dgm:catLst>
+    <dgm:cat type="colorful" pri="10200"/>
+  </dgm:catLst>
+  <dgm:styleLbl name="node0">
+    <dgm:fillClrLst meth="repeat">
+      <a:schemeClr val="accent1"/>
+    </dgm:fillClrLst>
+    <dgm:linClrLst meth="repeat">
+      <a:schemeClr val="lt1"/>
+    </dgm:linClrLst>
+    <dgm:effectClrLst/>
+    <dgm:txLinClrLst/>
+    <dgm:txFillClrLst/>
+    <dgm:txEffectClrLst/>
+  </dgm:styleLbl>
+  <dgm:styleLbl name="node1">
+    <dgm:fillClrLst>
+      <a:schemeClr val="accent2"/>
+      <a:schemeClr val="accent3"/>
+    </dgm:fillClrLst>
+    <dgm:linClrLst meth="repeat">
+      <a:schemeClr val="lt1"/>
+    </dgm:linClrLst>
+    <dgm:effectClrLst/>
+    <dgm:txLinClrLst/>
+    <dgm:txFillClrLst/>
+    <dgm:txEffectClrLst/>
+  </dgm:styleLbl>
+  <dgm:styleLbl name="alignNode1">
+    <dgm:fillClrLst>
+      <a:schemeClr val="accent2"/>
+      <a:schemeClr val="accent3"/>
+    </dgm:fillClrLst>
+    <dgm:linClrLst>
+      <a:schemeClr val="accent2"/>
+      <a:schemeClr val="accent3"/>
+    </dgm:linClrLst>
+    <dgm:effectClrLst/>
+    <dgm:txLinClrLst/>
+    <dgm:txFillClrLst/>
+    <dgm:txEffectClrLst/>
+  </dgm:styleLbl>
+  <dgm:styleLbl name="lnNode1">
+    <dgm:fillClrLst>
+      <a:schemeClr val="accent2"/>
+      <a:schemeClr val="accent3"/>
+    </dgm:fillClrLst>
+    <dgm:linClrLst meth="repeat">
+      <a:schemeClr val="lt1"/>
+    </dgm:linClrLst>
+    <dgm:effectClrLst/>
+    <dgm:txLinClrLst/>
+    <dgm:txFillClrLst/>
+    <dgm:txEffectClrLst/>
+  </dgm:styleLbl>
+  <dgm:styleLbl name="vennNode1">
+    <dgm:fillClrLst>
+      <a:schemeClr val="accent2">
+        <a:alpha val="50000"/>
+      </a:schemeClr>
+      <a:schemeClr val="accent3">
+        <a:alpha val="50000"/>
+      </a:schemeClr>
+    </dgm:fillClrLst>
+    <dgm:linClrLst meth="repeat">
+      <a:schemeClr val="lt1"/>
+    </dgm:linClrLst>
+    <dgm:effectClrLst/>
+    <dgm:txLinClrLst/>
+    <dgm:txFillClrLst/>
+    <dgm:txEffectClrLst/>
+  </dgm:styleLbl>
+  <dgm:styleLbl name="node2">
+    <dgm:fillClrLst>
+      <a:schemeClr val="accent3"/>
+    </dgm:fillClrLst>
+    <dgm:linClrLst meth="repeat">
+      <a:schemeClr val="lt1"/>
+    </dgm:linClrLst>
+    <dgm:effectClrLst/>
+    <dgm:txLinClrLst/>
+    <dgm:txFillClrLst/>
+    <dgm:txEffectClrLst/>
+  </dgm:styleLbl>
+  <dgm:styleLbl name="node3">
+    <dgm:fillClrLst>
+      <a:schemeClr val="accent4"/>
+    </dgm:fillClrLst>
+    <dgm:linClrLst meth="repeat">
+      <a:schemeClr val="lt1"/>
+    </dgm:linClrLst>
+    <dgm:effectClrLst/>
+    <dgm:txLinClrLst/>
+    <dgm:txFillClrLst/>
+    <dgm:txEffectClrLst/>
+  </dgm:styleLbl>
+  <dgm:styleLbl name="node4">
+    <dgm:fillClrLst>
+      <a:schemeClr val="accent5"/>
+    </dgm:fillClrLst>
+    <dgm:linClrLst meth="repeat">
+      <a:schemeClr val="lt1"/>
+    </dgm:linClrLst>
+    <dgm:effectClrLst/>
+    <dgm:txLinClrLst/>
+    <dgm:txFillClrLst/>
+    <dgm:txEffectClrLst/>
+  </dgm:styleLbl>
+  <dgm:styleLbl name="fgImgPlace1">
+    <dgm:fillClrLst>
+      <a:schemeClr val="accent2">
+        <a:tint val="50000"/>
+      </a:schemeClr>
+      <a:schemeClr val="accent3">
+        <a:tint val="50000"/>
+      </a:schemeClr>
+    </dgm:fillClrLst>
+    <dgm:linClrLst meth="repeat">
+      <a:schemeClr val="lt1"/>
+    </dgm:linClrLst>
+    <dgm:effectClrLst/>
+    <dgm:txLinClrLst/>
+    <dgm:txFillClrLst meth="repeat">
+      <a:schemeClr val="lt1"/>
+    </dgm:txFillClrLst>
+    <dgm:txEffectClrLst/>
+  </dgm:styleLbl>
+  <dgm:styleLbl name="alignImgPlace1">
+    <dgm:fillClrLst>
+      <a:schemeClr val="accent2">
+        <a:tint val="50000"/>
+      </a:schemeClr>
+      <a:schemeClr val="accent3">
+        <a:tint val="20000"/>
+      </a:schemeClr>
+    </dgm:fillClrLst>
+    <dgm:linClrLst meth="repeat">
+      <a:schemeClr val="lt1"/>
+    </dgm:linClrLst>
+    <dgm:effectClrLst/>
+    <dgm:txLinClrLst/>
+    <dgm:txFillClrLst meth="repeat">
+      <a:schemeClr val="lt1"/>
+    </dgm:txFillClrLst>
+    <dgm:txEffectClrLst/>
+  </dgm:styleLbl>
+  <dgm:styleLbl name="bgImgPlace1">
+    <dgm:fillClrLst>
+      <a:schemeClr val="accent2">
+        <a:tint val="50000"/>
+      </a:schemeClr>
+      <a:schemeClr val="accent3">
+        <a:tint val="20000"/>
+      </a:schemeClr>
+    </dgm:fillClrLst>
+    <dgm:linClrLst meth="repeat">
+      <a:schemeClr val="lt1"/>
+    </dgm:linClrLst>
+    <dgm:effectClrLst/>
+    <dgm:txLinClrLst/>
+    <dgm:txFillClrLst meth="repeat">
+      <a:schemeClr val="lt1"/>
+    </dgm:txFillClrLst>
+    <dgm:txEffectClrLst/>
+  </dgm:styleLbl>
+  <dgm:styleLbl name="sibTrans2D1">
+    <dgm:fillClrLst>
+      <a:schemeClr val="accent2"/>
+      <a:schemeClr val="accent3"/>
+    </dgm:fillClrLst>
+    <dgm:linClrLst meth="repeat">
+      <a:schemeClr val="lt1"/>
+    </dgm:linClrLst>
+    <dgm:effectClrLst/>
+    <dgm:txLinClrLst/>
+    <dgm:txFillClrLst/>
+    <dgm:txEffectClrLst/>
+  </dgm:styleLbl>
+  <dgm:styleLbl name="fgSibTrans2D1">
+    <dgm:fillClrLst>
+      <a:schemeClr val="accent2"/>
+      <a:schemeClr val="accent3"/>
+    </dgm:fillClrLst>
+    <dgm:linClrLst meth="repeat">
+      <a:schemeClr val="lt1"/>
+    </dgm:linClrLst>
+    <dgm:effectClrLst/>
+    <dgm:txLinClrLst/>
+    <dgm:txFillClrLst meth="repeat">
+      <a:schemeClr val="lt1"/>
+    </dgm:txFillClrLst>
+    <dgm:txEffectClrLst/>
+  </dgm:styleLbl>
+  <dgm:styleLbl name="bgSibTrans2D1">
+    <dgm:fillClrLst>
+      <a:schemeClr val="accent2"/>
+      <a:schemeClr val="accent3"/>
+    </dgm:fillClrLst>
+    <dgm:linClrLst meth="repeat">
+      <a:schemeClr val="lt1"/>
+    </dgm:linClrLst>
+    <dgm:effectClrLst/>
+    <dgm:txLinClrLst/>
+    <dgm:txFillClrLst meth="repeat">
+      <a:schemeClr val="lt1"/>
+    </dgm:txFillClrLst>
+    <dgm:txEffectClrLst/>
+  </dgm:styleLbl>
+  <dgm:styleLbl name="sibTrans1D1">
+    <dgm:fillClrLst/>
+    <dgm:linClrLst>
+      <a:schemeClr val="accent2"/>
+      <a:schemeClr val="accent3"/>
+    </dgm:linClrLst>
+    <dgm:effectClrLst/>
+    <dgm:txLinClrLst/>
+    <dgm:txFillClrLst meth="repeat">
+      <a:schemeClr val="tx1"/>
+    </dgm:txFillClrLst>
+    <dgm:txEffectClrLst/>
+  </dgm:styleLbl>
+  <dgm:styleLbl name="callout">
+    <dgm:fillClrLst meth="repeat">
+      <a:schemeClr val="accent2"/>
+    </dgm:fillClrLst>
+    <dgm:linClrLst meth="repeat">
+      <a:schemeClr val="accent2">
+        <a:tint val="50000"/>
+      </a:schemeClr>
+    </dgm:linClrLst>
+    <dgm:effectClrLst/>
+    <dgm:txLinClrLst/>
+    <dgm:txFillClrLst meth="repeat">
+      <a:schemeClr val="tx1"/>
+    </dgm:txFillClrLst>
+    <dgm:txEffectClrLst/>
+  </dgm:styleLbl>
+  <dgm:styleLbl name="asst0">
+    <dgm:fillClrLst meth="repeat">
+      <a:schemeClr val="accent2"/>
+    </dgm:fillClrLst>
+    <dgm:linClrLst meth="repeat">
+      <a:schemeClr val="lt1">
+        <a:shade val="80000"/>
+      </a:schemeClr>
+    </dgm:linClrLst>
+    <dgm:effectClrLst/>
+    <dgm:txLinClrLst/>
+    <dgm:txFillClrLst/>
+    <dgm:txEffectClrLst/>
+  </dgm:styleLbl>
+  <dgm:styleLbl name="asst1">
+    <dgm:fillClrLst meth="repeat">
+      <a:schemeClr val="accent3"/>
+    </dgm:fillClrLst>
+    <dgm:linClrLst meth="repeat">
+      <a:schemeClr val="lt1">
+        <a:shade val="80000"/>
+      </a:schemeClr>
+    </dgm:linClrLst>
+    <dgm:effectClrLst/>
+    <dgm:txLinClrLst/>
+    <dgm:txFillClrLst/>
+    <dgm:txEffectClrLst/>
+  </dgm:styleLbl>
+  <dgm:styleLbl name="asst2">
+    <dgm:fillClrLst>
+      <a:schemeClr val="accent4"/>
+    </dgm:fillClrLst>
+    <dgm:linClrLst meth="repeat">
+      <a:schemeClr val="lt1"/>
+    </dgm:linClrLst>
+    <dgm:effectClrLst/>
+    <dgm:txLinClrLst/>
+    <dgm:txFillClrLst/>
+    <dgm:txEffectClrLst/>
+  </dgm:styleLbl>
+  <dgm:styleLbl name="asst3">
+    <dgm:fillClrLst>
+      <a:schemeClr val="accent5"/>
+    </dgm:fillClrLst>
+    <dgm:linClrLst meth="repeat">
+      <a:schemeClr val="lt1"/>
+    </dgm:linClrLst>
+    <dgm:effectClrLst/>
+    <dgm:txLinClrLst/>
+    <dgm:txFillClrLst/>
+    <dgm:txEffectClrLst/>
+  </dgm:styleLbl>
+  <dgm:styleLbl name="asst4">
+    <dgm:fillClrLst>
+      <a:schemeClr val="accent6"/>
+    </dgm:fillClrLst>
+    <dgm:linClrLst meth="repeat">
+      <a:schemeClr val="lt1"/>
+    </dgm:linClrLst>
+    <dgm:effectClrLst/>
+    <dgm:txLinClrLst/>
+    <dgm:txFillClrLst/>
+    <dgm:txEffectClrLst/>
+  </dgm:styleLbl>
+  <dgm:styleLbl name="parChTrans2D1">
+    <dgm:fillClrLst meth="repeat">
+      <a:schemeClr val="accent2"/>
+    </dgm:fillClrLst>
+    <dgm:linClrLst meth="repeat">
+      <a:schemeClr val="lt1"/>
+    </dgm:linClrLst>
+    <dgm:effectClrLst/>
+    <dgm:txLinClrLst/>
+    <dgm:txFillClrLst meth="repeat">
+      <a:schemeClr val="lt1"/>
+    </dgm:txFillClrLst>
+    <dgm:txEffectClrLst/>
+  </dgm:styleLbl>
+  <dgm:styleLbl name="parChTrans2D2">
+    <dgm:fillClrLst meth="repeat">
+      <a:schemeClr val="accent3"/>
+    </dgm:fillClrLst>
+    <dgm:linClrLst meth="repeat">
+      <a:schemeClr val="lt1"/>
+    </dgm:linClrLst>
+    <dgm:effectClrLst/>
+    <dgm:txLinClrLst/>
+    <dgm:txFillClrLst/>
+    <dgm:txEffectClrLst/>
+  </dgm:styleLbl>
+  <dgm:styleLbl name="parChTrans2D3">
+    <dgm:fillClrLst meth="repeat">
+      <a:schemeClr val="accent4"/>
+    </dgm:fillClrLst>
+    <dgm:linClrLst meth="repeat">
+      <a:schemeClr val="lt1"/>
+    </dgm:linClrLst>
+    <dgm:effectClrLst/>
+    <dgm:txLinClrLst/>
+    <dgm:txFillClrLst/>
+    <dgm:txEffectClrLst/>
+  </dgm:styleLbl>
+  <dgm:styleLbl name="parChTrans2D4">
+    <dgm:fillClrLst meth="repeat">
+      <a:schemeClr val="accent5"/>
+    </dgm:fillClrLst>
+    <dgm:linClrLst meth="repeat">
+      <a:schemeClr val="lt1"/>
+    </dgm:linClrLst>
+    <dgm:effectClrLst/>
+    <dgm:txLinClrLst/>
+    <dgm:txFillClrLst meth="repeat">
+      <a:schemeClr val="lt1"/>
+    </dgm:txFillClrLst>
+    <dgm:txEffectClrLst/>
+  </dgm:styleLbl>
+  <dgm:styleLbl name="parChTrans1D1">
+    <dgm:fillClrLst meth="repeat">
+      <a:schemeClr val="accent2"/>
+    </dgm:fillClrLst>
+    <dgm:linClrLst meth="repeat">
+      <a:schemeClr val="accent2"/>
+    </dgm:linClrLst>
+    <dgm:effectClrLst/>
+    <dgm:txLinClrLst/>
+    <dgm:txFillClrLst meth="repeat">
+      <a:schemeClr val="tx1"/>
+    </dgm:txFillClrLst>
+    <dgm:txEffectClrLst/>
+  </dgm:styleLbl>
+  <dgm:styleLbl name="parChTrans1D2">
+    <dgm:fillClrLst meth="repeat">
+      <a:schemeClr val="accent2">
+        <a:tint val="90000"/>
+      </a:schemeClr>
+    </dgm:fillClrLst>
+    <dgm:linClrLst meth="repeat">
+      <a:schemeClr val="accent3"/>
+    </dgm:linClrLst>
+    <dgm:effectClrLst/>
+    <dgm:txLinClrLst/>
+    <dgm:txFillClrLst meth="repeat">
+      <a:schemeClr val="tx1"/>
+    </dgm:txFillClrLst>
+    <dgm:txEffectClrLst/>
+  </dgm:styleLbl>
+  <dgm:styleLbl name="parChTrans1D3">
+    <dgm:fillClrLst meth="repeat">
+      <a:schemeClr val="accent2">
+        <a:tint val="70000"/>
+      </a:schemeClr>
+    </dgm:fillClrLst>
+    <dgm:linClrLst meth="repeat">
+      <a:schemeClr val="accent4"/>
+    </dgm:linClrLst>
+    <dgm:effectClrLst/>
+    <dgm:txLinClrLst/>
+    <dgm:txFillClrLst meth="repeat">
+      <a:schemeClr val="tx1"/>
+    </dgm:txFillClrLst>
+    <dgm:txEffectClrLst/>
+  </dgm:styleLbl>
+  <dgm:styleLbl name="parChTrans1D4">
+    <dgm:fillClrLst meth="repeat">
+      <a:schemeClr val="accent2">
+        <a:tint val="50000"/>
+      </a:schemeClr>
+    </dgm:fillClrLst>
+    <dgm:linClrLst meth="repeat">
+      <a:schemeClr val="accent5"/>
+    </dgm:linClrLst>
+    <dgm:effectClrLst/>
+    <dgm:txLinClrLst/>
+    <dgm:txFillClrLst meth="repeat">
+      <a:schemeClr val="tx1"/>
+    </dgm:txFillClrLst>
+    <dgm:txEffectClrLst/>
+  </dgm:styleLbl>
+  <dgm:styleLbl name="fgAcc1">
+    <dgm:fillClrLst meth="repeat">
+      <a:schemeClr val="lt1">
+        <a:alpha val="90000"/>
+      </a:schemeClr>
+    </dgm:fillClrLst>
+    <dgm:linClrLst>
+      <a:schemeClr val="accent2"/>
+      <a:schemeClr val="accent3"/>
+    </dgm:linClrLst>
+    <dgm:effectClrLst/>
+    <dgm:txLinClrLst/>
+    <dgm:txFillClrLst meth="repeat">
+      <a:schemeClr val="dk1"/>
+    </dgm:txFillClrLst>
+    <dgm:txEffectClrLst/>
+  </dgm:styleLbl>
+  <dgm:styleLbl name="conFgAcc1">
+    <dgm:fillClrLst meth="repeat">
+      <a:schemeClr val="lt1">
+        <a:alpha val="90000"/>
+      </a:schemeClr>
+    </dgm:fillClrLst>
+    <dgm:linClrLst>
+      <a:schemeClr val="accent2"/>
+      <a:schemeClr val="accent3"/>
+    </dgm:linClrLst>
+    <dgm:effectClrLst/>
+    <dgm:txLinClrLst/>
+    <dgm:txFillClrLst meth="repeat">
+      <a:schemeClr val="dk1"/>
+    </dgm:txFillClrLst>
+    <dgm:txEffectClrLst/>
+  </dgm:styleLbl>
+  <dgm:styleLbl name="alignAcc1">
+    <dgm:fillClrLst meth="repeat">
+      <a:schemeClr val="lt1">
+        <a:alpha val="90000"/>
+      </a:schemeClr>
+    </dgm:fillClrLst>
+    <dgm:linClrLst>
+      <a:schemeClr val="accent2"/>
+      <a:schemeClr val="accent3"/>
+    </dgm:linClrLst>
+    <dgm:effectClrLst/>
+    <dgm:txLinClrLst/>
+    <dgm:txFillClrLst meth="repeat">
+      <a:schemeClr val="dk1"/>
+    </dgm:txFillClrLst>
+    <dgm:txEffectClrLst/>
+  </dgm:styleLbl>
+  <dgm:styleLbl name="trAlignAcc1">
+    <dgm:fillClrLst meth="repeat">
+      <a:schemeClr val="lt1">
+        <a:alpha val="40000"/>
+      </a:schemeClr>
+    </dgm:fillClrLst>
+    <dgm:linClrLst meth="repeat">
+      <a:schemeClr val="accent2"/>
+    </dgm:linClrLst>
+    <dgm:effectClrLst/>
+    <dgm:txLinClrLst/>
+    <dgm:txFillClrLst meth="repeat">
+      <a:schemeClr val="dk1"/>
+    </dgm:txFillClrLst>
+    <dgm:txEffectClrLst/>
+  </dgm:styleLbl>
+  <dgm:styleLbl name="bgAcc1">
+    <dgm:fillClrLst meth="repeat">
+      <a:schemeClr val="lt1">
+        <a:alpha val="90000"/>
+      </a:schemeClr>
+    </dgm:fillClrLst>
+    <dgm:linClrLst>
+      <a:schemeClr val="accent2"/>
+      <a:schemeClr val="accent3"/>
+    </dgm:linClrLst>
+    <dgm:effectClrLst/>
+    <dgm:txLinClrLst/>
+    <dgm:txFillClrLst meth="repeat">
+      <a:schemeClr val="dk1"/>
+    </dgm:txFillClrLst>
+    <dgm:txEffectClrLst/>
+  </dgm:styleLbl>
+  <dgm:styleLbl name="solidFgAcc1">
+    <dgm:fillClrLst meth="repeat">
+      <a:schemeClr val="lt1"/>
+    </dgm:fillClrLst>
+    <dgm:linClrLst>
+      <a:schemeClr val="accent2"/>
+      <a:schemeClr val="accent3"/>
+    </dgm:linClrLst>
+    <dgm:effectClrLst/>
+    <dgm:txLinClrLst/>
+    <dgm:txFillClrLst meth="repeat">
+      <a:schemeClr val="dk1"/>
+    </dgm:txFillClrLst>
+    <dgm:txEffectClrLst/>
+  </dgm:styleLbl>
+  <dgm:styleLbl name="solidAlignAcc1">
+    <dgm:fillClrLst meth="repeat">
+      <a:schemeClr val="lt1"/>
+    </dgm:fillClrLst>
+    <dgm:linClrLst>
+      <a:schemeClr val="accent2"/>
+      <a:schemeClr val="accent3"/>
+    </dgm:linClrLst>
+    <dgm:effectClrLst/>
+    <dgm:txLinClrLst/>
+    <dgm:txFillClrLst meth="repeat">
+      <a:schemeClr val="dk1"/>
+    </dgm:txFillClrLst>
+    <dgm:txEffectClrLst/>
+  </dgm:styleLbl>
+  <dgm:styleLbl name="solidBgAcc1">
+    <dgm:fillClrLst meth="repeat">
+      <a:schemeClr val="lt1"/>
+    </dgm:fillClrLst>
+    <dgm:linClrLst>
+      <a:schemeClr val="accent2"/>
+      <a:schemeClr val="accent3"/>
+    </dgm:linClrLst>
+    <dgm:effectClrLst/>
+    <dgm:txLinClrLst/>
+    <dgm:txFillClrLst meth="repeat">
+      <a:schemeClr val="dk1"/>
+    </dgm:txFillClrLst>
+    <dgm:txEffectClrLst/>
+  </dgm:styleLbl>
+  <dgm:styleLbl name="fgAccFollowNode1">
+    <dgm:fillClrLst>
+      <a:schemeClr val="accent2">
+        <a:tint val="40000"/>
+        <a:alpha val="90000"/>
+      </a:schemeClr>
+      <a:schemeClr val="accent3">
+        <a:tint val="40000"/>
+        <a:alpha val="90000"/>
+      </a:schemeClr>
+    </dgm:fillClrLst>
+    <dgm:linClrLst>
+      <a:schemeClr val="accent2">
+        <a:tint val="40000"/>
+        <a:alpha val="90000"/>
+      </a:schemeClr>
+      <a:schemeClr val="accent3">
+        <a:tint val="40000"/>
+        <a:alpha val="90000"/>
+      </a:schemeClr>
+    </dgm:linClrLst>
+    <dgm:effectClrLst/>
+    <dgm:txLinClrLst/>
+    <dgm:txFillClrLst meth="repeat">
+      <a:schemeClr val="dk1"/>
+    </dgm:txFillClrLst>
+    <dgm:txEffectClrLst/>
+  </dgm:styleLbl>
+  <dgm:styleLbl name="alignAccFollowNode1">
+    <dgm:fillClrLst>
+      <a:schemeClr val="accent2">
+        <a:tint val="40000"/>
+        <a:alpha val="90000"/>
+      </a:schemeClr>
+      <a:schemeClr val="accent3">
+        <a:tint val="40000"/>
+        <a:alpha val="90000"/>
+      </a:schemeClr>
+    </dgm:fillClrLst>
+    <dgm:linClrLst>
+      <a:schemeClr val="accent2">
+        <a:tint val="40000"/>
+        <a:alpha val="90000"/>
+      </a:schemeClr>
+      <a:schemeClr val="accent3">
+        <a:tint val="40000"/>
+        <a:alpha val="90000"/>
+      </a:schemeClr>
+    </dgm:linClrLst>
+    <dgm:effectClrLst/>
+    <dgm:txLinClrLst/>
+    <dgm:txFillClrLst meth="repeat">
+      <a:schemeClr val="dk1"/>
+    </dgm:txFillClrLst>
+    <dgm:txEffectClrLst/>
+  </dgm:styleLbl>
+  <dgm:styleLbl name="bgAccFollowNode1">
+    <dgm:fillClrLst>
+      <a:schemeClr val="accent2">
+        <a:tint val="40000"/>
+        <a:alpha val="90000"/>
+      </a:schemeClr>
+      <a:schemeClr val="accent3">
+        <a:tint val="40000"/>
+        <a:alpha val="90000"/>
+      </a:schemeClr>
+    </dgm:fillClrLst>
+    <dgm:linClrLst>
+      <a:schemeClr val="accent2">
+        <a:tint val="40000"/>
+        <a:alpha val="90000"/>
+      </a:schemeClr>
+      <a:schemeClr val="accent3">
+        <a:tint val="40000"/>
+        <a:alpha val="90000"/>
+      </a:schemeClr>
+    </dgm:linClrLst>
+    <dgm:effectClrLst/>
+    <dgm:txLinClrLst/>
+    <dgm:txFillClrLst meth="repeat">
+      <a:schemeClr val="dk1"/>
+    </dgm:txFillClrLst>
+    <dgm:txEffectClrLst/>
+  </dgm:styleLbl>
+  <dgm:styleLbl name="fgAcc0">
+    <dgm:fillClrLst meth="repeat">
+      <a:schemeClr val="lt1">
+        <a:alpha val="90000"/>
+      </a:schemeClr>
+    </dgm:fillClrLst>
+    <dgm:linClrLst>
+      <a:schemeClr val="accent1"/>
+    </dgm:linClrLst>
+    <dgm:effectClrLst/>
+    <dgm:txLinClrLst/>
+    <dgm:txFillClrLst meth="repeat">
+      <a:schemeClr val="dk1"/>
+    </dgm:txFillClrLst>
+    <dgm:txEffectClrLst/>
+  </dgm:styleLbl>
+  <dgm:styleLbl name="fgAcc2">
+    <dgm:fillClrLst meth="repeat">
+      <a:schemeClr val="lt1">
+        <a:alpha val="90000"/>
+      </a:schemeClr>
+    </dgm:fillClrLst>
+    <dgm:linClrLst>
+      <a:schemeClr val="accent3"/>
+    </dgm:linClrLst>
+    <dgm:effectClrLst/>
+    <dgm:txLinClrLst/>
+    <dgm:txFillClrLst meth="repeat">
+      <a:schemeClr val="dk1"/>
+    </dgm:txFillClrLst>
+    <dgm:txEffectClrLst/>
+  </dgm:styleLbl>
+  <dgm:styleLbl name="fgAcc3">
+    <dgm:fillClrLst meth="repeat">
+      <a:schemeClr val="lt1">
+        <a:alpha val="90000"/>
+      </a:schemeClr>
+    </dgm:fillClrLst>
+    <dgm:linClrLst>
+      <a:schemeClr val="accent4"/>
+    </dgm:linClrLst>
+    <dgm:effectClrLst/>
+    <dgm:txLinClrLst/>
+    <dgm:txFillClrLst meth="repeat">
+      <a:schemeClr val="dk1"/>
+    </dgm:txFillClrLst>
+    <dgm:txEffectClrLst/>
+  </dgm:styleLbl>
+  <dgm:styleLbl name="fgAcc4">
+    <dgm:fillClrLst meth="repeat">
+      <a:schemeClr val="lt1">
+        <a:alpha val="90000"/>
+      </a:schemeClr>
+    </dgm:fillClrLst>
+    <dgm:linClrLst>
+      <a:schemeClr val="accent5"/>
+    </dgm:linClrLst>
+    <dgm:effectClrLst/>
+    <dgm:txLinClrLst/>
+    <dgm:txFillClrLst meth="repeat">
+      <a:schemeClr val="dk1"/>
+    </dgm:txFillClrLst>
+    <dgm:txEffectClrLst/>
+  </dgm:styleLbl>
+  <dgm:styleLbl name="bgShp">
+    <dgm:fillClrLst meth="repeat">
+      <a:schemeClr val="accent2">
+        <a:tint val="40000"/>
+      </a:schemeClr>
+    </dgm:fillClrLst>
+    <dgm:linClrLst meth="repeat">
+      <a:schemeClr val="dk1"/>
+    </dgm:linClrLst>
+    <dgm:effectClrLst/>
+    <dgm:txLinClrLst/>
+    <dgm:txFillClrLst meth="repeat">
+      <a:schemeClr val="dk1"/>
+    </dgm:txFillClrLst>
+    <dgm:txEffectClrLst/>
+  </dgm:styleLbl>
+  <dgm:styleLbl name="dkBgShp">
+    <dgm:fillClrLst meth="repeat">
+      <a:schemeClr val="accent2">
+        <a:shade val="90000"/>
+      </a:schemeClr>
+    </dgm:fillClrLst>
+    <dgm:linClrLst meth="repeat">
+      <a:schemeClr val="dk1"/>
+    </dgm:linClrLst>
+    <dgm:effectClrLst/>
+    <dgm:txLinClrLst/>
+    <dgm:txFillClrLst meth="repeat">
+      <a:schemeClr val="lt1"/>
+    </dgm:txFillClrLst>
+    <dgm:txEffectClrLst/>
+  </dgm:styleLbl>
+  <dgm:styleLbl name="trBgShp">
+    <dgm:fillClrLst meth="repeat">
+      <a:schemeClr val="accent2">
+        <a:tint val="50000"/>
+        <a:alpha val="40000"/>
+      </a:schemeClr>
+    </dgm:fillClrLst>
+    <dgm:linClrLst meth="repeat">
+      <a:schemeClr val="accent2"/>
+    </dgm:linClrLst>
+    <dgm:effectClrLst/>
+    <dgm:txLinClrLst/>
+    <dgm:txFillClrLst meth="repeat">
+      <a:schemeClr val="lt1"/>
+    </dgm:txFillClrLst>
+    <dgm:txEffectClrLst/>
+  </dgm:styleLbl>
+  <dgm:styleLbl name="fgShp">
+    <dgm:fillClrLst meth="repeat">
+      <a:schemeClr val="accent2">
+        <a:tint val="40000"/>
+      </a:schemeClr>
+    </dgm:fillClrLst>
+    <dgm:linClrLst meth="repeat">
+      <a:schemeClr val="lt1"/>
+    </dgm:linClrLst>
+    <dgm:effectClrLst/>
+    <dgm:txLinClrLst/>
+    <dgm:txFillClrLst meth="repeat">
+      <a:schemeClr val="dk1"/>
+    </dgm:txFillClrLst>
+    <dgm:txEffectClrLst/>
+  </dgm:styleLbl>
+  <dgm:styleLbl name="revTx">
+    <dgm:fillClrLst meth="repeat">
+      <a:schemeClr val="lt1">
+        <a:alpha val="0"/>
+      </a:schemeClr>
+    </dgm:fillClrLst>
+    <dgm:linClrLst meth="repeat">
+      <a:schemeClr val="dk1">
+        <a:alpha val="0"/>
+      </a:schemeClr>
+    </dgm:linClrLst>
+    <dgm:effectClrLst/>
+    <dgm:txLinClrLst/>
+    <dgm:txFillClrLst meth="repeat">
+      <a:schemeClr val="tx1"/>
+    </dgm:txFillClrLst>
+    <dgm:txEffectClrLst/>
+  </dgm:styleLbl>
+</dgm:colorsDef>
+</file>
+
 <file path=ppt/diagrams/data1.xml><?xml version="1.0" encoding="utf-8"?>
 <dgm:dataModel xmlns:dgm="http://schemas.openxmlformats.org/drawingml/2006/diagram" xmlns:a="http://schemas.openxmlformats.org/drawingml/2006/main">
   <dgm:ptLst>
     <dgm:pt modelId="{4444DC5E-6331-4F49-B871-1590CCCE4E8B}" type="doc">
-      <dgm:prSet loTypeId="urn:microsoft.com/office/officeart/2005/8/layout/vList2" loCatId="list" qsTypeId="urn:microsoft.com/office/officeart/2005/8/quickstyle/simple5" qsCatId="simple" csTypeId="urn:microsoft.com/office/officeart/2005/8/colors/colorful2" csCatId="colorful"/>
+      <dgm:prSet loTypeId="urn:microsoft.com/office/officeart/2005/8/layout/vList2" loCatId="list" qsTypeId="urn:microsoft.com/office/officeart/2005/8/quickstyle/simple5" qsCatId="simple" csTypeId="urn:microsoft.com/office/officeart/2005/8/colors/colorful2" csCatId="colorful" phldr="1"/>
       <dgm:spPr/>
       <dgm:t>
         <a:bodyPr/>
@@ -1708,10 +2498,18 @@
         <a:bodyPr/>
         <a:lstStyle/>
         <a:p>
+          <a:pPr rtl="0"/>
           <a:r>
-            <a:rPr lang="en-US"/>
-            <a:t>We started by creating it, then began some testing on the database</a:t>
+            <a:rPr lang="en-US" dirty="0"/>
+            <a:t>We started by creating </a:t>
           </a:r>
+          <a:r>
+            <a:rPr lang="en-US" dirty="0">
+              <a:latin typeface="Trebuchet MS" panose="020B0603020202020204"/>
+            </a:rPr>
+            <a:t>a basic model and ran some tests to make sure it properly connects to the front-end</a:t>
+          </a:r>
+          <a:endParaRPr lang="en-US" dirty="0"/>
         </a:p>
       </dgm:t>
     </dgm:pt>
@@ -1745,9 +2543,16 @@
         <a:lstStyle/>
         <a:p>
           <a:r>
-            <a:rPr lang="en-US"/>
-            <a:t>From there we had work out (At least to somewhat working)</a:t>
+            <a:rPr lang="en-US" dirty="0"/>
+            <a:t>From there we had work out (At least to somewhat working</a:t>
           </a:r>
+          <a:r>
+            <a:rPr lang="en-US" dirty="0">
+              <a:latin typeface="Trebuchet MS" panose="020B0603020202020204"/>
+            </a:rPr>
+            <a:t>)</a:t>
+          </a:r>
+          <a:endParaRPr lang="en-US" dirty="0"/>
         </a:p>
       </dgm:t>
     </dgm:pt>
@@ -1773,78 +2578,6 @@
         </a:p>
       </dgm:t>
     </dgm:pt>
-    <dgm:pt modelId="{8C31EBA5-E2D9-4311-9879-293D50A8316E}">
-      <dgm:prSet/>
-      <dgm:spPr/>
-      <dgm:t>
-        <a:bodyPr/>
-        <a:lstStyle/>
-        <a:p>
-          <a:r>
-            <a:rPr lang="en-US"/>
-            <a:t>We for this phase have it at least store user data</a:t>
-          </a:r>
-        </a:p>
-      </dgm:t>
-    </dgm:pt>
-    <dgm:pt modelId="{D0706CAF-73DE-45A1-B474-28EA654C642D}" type="parTrans" cxnId="{1FED977D-B259-474B-8EA5-1CA8ECD0C924}">
-      <dgm:prSet/>
-      <dgm:spPr/>
-      <dgm:t>
-        <a:bodyPr/>
-        <a:lstStyle/>
-        <a:p>
-          <a:endParaRPr lang="en-US"/>
-        </a:p>
-      </dgm:t>
-    </dgm:pt>
-    <dgm:pt modelId="{350A4C1E-561C-4373-B451-CF98C03E6826}" type="sibTrans" cxnId="{1FED977D-B259-474B-8EA5-1CA8ECD0C924}">
-      <dgm:prSet/>
-      <dgm:spPr/>
-      <dgm:t>
-        <a:bodyPr/>
-        <a:lstStyle/>
-        <a:p>
-          <a:endParaRPr lang="en-US"/>
-        </a:p>
-      </dgm:t>
-    </dgm:pt>
-    <dgm:pt modelId="{B3EAABDA-41B2-4335-A247-43E3601477EF}">
-      <dgm:prSet/>
-      <dgm:spPr/>
-      <dgm:t>
-        <a:bodyPr/>
-        <a:lstStyle/>
-        <a:p>
-          <a:r>
-            <a:rPr lang="en-US"/>
-            <a:t>Mainly usernames and passwords, allowing user to store and access saved Notes</a:t>
-          </a:r>
-        </a:p>
-      </dgm:t>
-    </dgm:pt>
-    <dgm:pt modelId="{0065DEA1-4910-4DAA-BB44-9097CD7E8A2C}" type="parTrans" cxnId="{B7F78065-7DFB-4E76-A446-63D1A9520735}">
-      <dgm:prSet/>
-      <dgm:spPr/>
-      <dgm:t>
-        <a:bodyPr/>
-        <a:lstStyle/>
-        <a:p>
-          <a:endParaRPr lang="en-US"/>
-        </a:p>
-      </dgm:t>
-    </dgm:pt>
-    <dgm:pt modelId="{DB4B1AB6-01BC-4AB2-B3FE-9EF6DF307DB1}" type="sibTrans" cxnId="{B7F78065-7DFB-4E76-A446-63D1A9520735}">
-      <dgm:prSet/>
-      <dgm:spPr/>
-      <dgm:t>
-        <a:bodyPr/>
-        <a:lstStyle/>
-        <a:p>
-          <a:endParaRPr lang="en-US"/>
-        </a:p>
-      </dgm:t>
-    </dgm:pt>
     <dgm:pt modelId="{5506A477-7B56-4BAA-92AD-5A17CE7E956A}" type="pres">
       <dgm:prSet presAssocID="{4444DC5E-6331-4F49-B871-1590CCCE4E8B}" presName="linear" presStyleCnt="0">
         <dgm:presLayoutVars>
@@ -1855,7 +2588,7 @@
       <dgm:spPr/>
     </dgm:pt>
     <dgm:pt modelId="{14562387-CD70-4A0C-9683-9EA8BC8FD62F}" type="pres">
-      <dgm:prSet presAssocID="{19117D86-C907-44D4-A90F-3FF6E9960171}" presName="parentText" presStyleLbl="node1" presStyleIdx="0" presStyleCnt="4">
+      <dgm:prSet presAssocID="{19117D86-C907-44D4-A90F-3FF6E9960171}" presName="parentText" presStyleLbl="node1" presStyleIdx="0" presStyleCnt="2">
         <dgm:presLayoutVars>
           <dgm:chMax val="0"/>
           <dgm:bulletEnabled val="1"/>
@@ -1868,33 +2601,7 @@
       <dgm:spPr/>
     </dgm:pt>
     <dgm:pt modelId="{658FB4F8-3B70-42BC-8669-1D7F6C7223B2}" type="pres">
-      <dgm:prSet presAssocID="{234551DB-D038-48FC-9CE5-831F68AACAC9}" presName="parentText" presStyleLbl="node1" presStyleIdx="1" presStyleCnt="4">
-        <dgm:presLayoutVars>
-          <dgm:chMax val="0"/>
-          <dgm:bulletEnabled val="1"/>
-        </dgm:presLayoutVars>
-      </dgm:prSet>
-      <dgm:spPr/>
-    </dgm:pt>
-    <dgm:pt modelId="{73A3989A-1101-477B-9C0E-A749A8C49EB3}" type="pres">
-      <dgm:prSet presAssocID="{96B201AD-527F-432C-9E38-3922862E8E0A}" presName="spacer" presStyleCnt="0"/>
-      <dgm:spPr/>
-    </dgm:pt>
-    <dgm:pt modelId="{C6421E42-FC6A-425E-9171-907FEE7171DA}" type="pres">
-      <dgm:prSet presAssocID="{8C31EBA5-E2D9-4311-9879-293D50A8316E}" presName="parentText" presStyleLbl="node1" presStyleIdx="2" presStyleCnt="4">
-        <dgm:presLayoutVars>
-          <dgm:chMax val="0"/>
-          <dgm:bulletEnabled val="1"/>
-        </dgm:presLayoutVars>
-      </dgm:prSet>
-      <dgm:spPr/>
-    </dgm:pt>
-    <dgm:pt modelId="{537A7A8F-ADA4-4379-87BC-518D50C1B636}" type="pres">
-      <dgm:prSet presAssocID="{350A4C1E-561C-4373-B451-CF98C03E6826}" presName="spacer" presStyleCnt="0"/>
-      <dgm:spPr/>
-    </dgm:pt>
-    <dgm:pt modelId="{1865627D-3A99-4E82-B887-302F417B3F2F}" type="pres">
-      <dgm:prSet presAssocID="{B3EAABDA-41B2-4335-A247-43E3601477EF}" presName="parentText" presStyleLbl="node1" presStyleIdx="3" presStyleCnt="4">
+      <dgm:prSet presAssocID="{234551DB-D038-48FC-9CE5-831F68AACAC9}" presName="parentText" presStyleLbl="node1" presStyleIdx="1" presStyleCnt="2">
         <dgm:presLayoutVars>
           <dgm:chMax val="0"/>
           <dgm:bulletEnabled val="1"/>
@@ -1905,21 +2612,13 @@
   </dgm:ptLst>
   <dgm:cxnLst>
     <dgm:cxn modelId="{6A87ED10-6738-45B0-8DEA-4C0CC53E7C17}" type="presOf" srcId="{4444DC5E-6331-4F49-B871-1590CCCE4E8B}" destId="{5506A477-7B56-4BAA-92AD-5A17CE7E956A}" srcOrd="0" destOrd="0" presId="urn:microsoft.com/office/officeart/2005/8/layout/vList2"/>
-    <dgm:cxn modelId="{349E993F-194E-4F66-AF73-B6C007A6ACF5}" type="presOf" srcId="{B3EAABDA-41B2-4335-A247-43E3601477EF}" destId="{1865627D-3A99-4E82-B887-302F417B3F2F}" srcOrd="0" destOrd="0" presId="urn:microsoft.com/office/officeart/2005/8/layout/vList2"/>
     <dgm:cxn modelId="{969DDB40-F990-469D-98BE-53B4323BCDFC}" srcId="{4444DC5E-6331-4F49-B871-1590CCCE4E8B}" destId="{234551DB-D038-48FC-9CE5-831F68AACAC9}" srcOrd="1" destOrd="0" parTransId="{2E587C75-B952-4330-8882-CEF04B2552F6}" sibTransId="{96B201AD-527F-432C-9E38-3922862E8E0A}"/>
-    <dgm:cxn modelId="{B7F78065-7DFB-4E76-A446-63D1A9520735}" srcId="{4444DC5E-6331-4F49-B871-1590CCCE4E8B}" destId="{B3EAABDA-41B2-4335-A247-43E3601477EF}" srcOrd="3" destOrd="0" parTransId="{0065DEA1-4910-4DAA-BB44-9097CD7E8A2C}" sibTransId="{DB4B1AB6-01BC-4AB2-B3FE-9EF6DF307DB1}"/>
+    <dgm:cxn modelId="{69056644-CC96-41E9-B60B-43999BAD542C}" type="presOf" srcId="{234551DB-D038-48FC-9CE5-831F68AACAC9}" destId="{658FB4F8-3B70-42BC-8669-1D7F6C7223B2}" srcOrd="0" destOrd="0" presId="urn:microsoft.com/office/officeart/2005/8/layout/vList2"/>
     <dgm:cxn modelId="{C89E8079-0ACF-42E3-BBE4-D41080457F56}" srcId="{4444DC5E-6331-4F49-B871-1590CCCE4E8B}" destId="{19117D86-C907-44D4-A90F-3FF6E9960171}" srcOrd="0" destOrd="0" parTransId="{EDB8F89C-A2E3-4768-92A9-7A997E9D3908}" sibTransId="{83AD01D4-D207-4675-8B94-683CA41A1A8C}"/>
-    <dgm:cxn modelId="{1FED977D-B259-474B-8EA5-1CA8ECD0C924}" srcId="{4444DC5E-6331-4F49-B871-1590CCCE4E8B}" destId="{8C31EBA5-E2D9-4311-9879-293D50A8316E}" srcOrd="2" destOrd="0" parTransId="{D0706CAF-73DE-45A1-B474-28EA654C642D}" sibTransId="{350A4C1E-561C-4373-B451-CF98C03E6826}"/>
-    <dgm:cxn modelId="{F7936AA4-F560-4892-A5EC-7259572FB3EC}" type="presOf" srcId="{19117D86-C907-44D4-A90F-3FF6E9960171}" destId="{14562387-CD70-4A0C-9683-9EA8BC8FD62F}" srcOrd="0" destOrd="0" presId="urn:microsoft.com/office/officeart/2005/8/layout/vList2"/>
-    <dgm:cxn modelId="{BAAD5BAD-B48C-454A-95F5-04D604E6F227}" type="presOf" srcId="{234551DB-D038-48FC-9CE5-831F68AACAC9}" destId="{658FB4F8-3B70-42BC-8669-1D7F6C7223B2}" srcOrd="0" destOrd="0" presId="urn:microsoft.com/office/officeart/2005/8/layout/vList2"/>
-    <dgm:cxn modelId="{43732CED-286A-4B0D-8915-A89D8E643B82}" type="presOf" srcId="{8C31EBA5-E2D9-4311-9879-293D50A8316E}" destId="{C6421E42-FC6A-425E-9171-907FEE7171DA}" srcOrd="0" destOrd="0" presId="urn:microsoft.com/office/officeart/2005/8/layout/vList2"/>
-    <dgm:cxn modelId="{093AB253-AC01-43C5-B25C-7F5E469A6F71}" type="presParOf" srcId="{5506A477-7B56-4BAA-92AD-5A17CE7E956A}" destId="{14562387-CD70-4A0C-9683-9EA8BC8FD62F}" srcOrd="0" destOrd="0" presId="urn:microsoft.com/office/officeart/2005/8/layout/vList2"/>
-    <dgm:cxn modelId="{E0940D21-24C1-49AD-9E4E-0A08DDF6E44E}" type="presParOf" srcId="{5506A477-7B56-4BAA-92AD-5A17CE7E956A}" destId="{BFF9FE7E-84C6-4135-850F-6D96BD88400E}" srcOrd="1" destOrd="0" presId="urn:microsoft.com/office/officeart/2005/8/layout/vList2"/>
-    <dgm:cxn modelId="{F0E7ECCA-90C9-4B0D-A5BA-E858C9A6A6F2}" type="presParOf" srcId="{5506A477-7B56-4BAA-92AD-5A17CE7E956A}" destId="{658FB4F8-3B70-42BC-8669-1D7F6C7223B2}" srcOrd="2" destOrd="0" presId="urn:microsoft.com/office/officeart/2005/8/layout/vList2"/>
-    <dgm:cxn modelId="{ADAF9E2D-EAFB-4559-AEEA-226565615F05}" type="presParOf" srcId="{5506A477-7B56-4BAA-92AD-5A17CE7E956A}" destId="{73A3989A-1101-477B-9C0E-A749A8C49EB3}" srcOrd="3" destOrd="0" presId="urn:microsoft.com/office/officeart/2005/8/layout/vList2"/>
-    <dgm:cxn modelId="{49909AF4-4B29-457B-BDE1-E7A660B6740B}" type="presParOf" srcId="{5506A477-7B56-4BAA-92AD-5A17CE7E956A}" destId="{C6421E42-FC6A-425E-9171-907FEE7171DA}" srcOrd="4" destOrd="0" presId="urn:microsoft.com/office/officeart/2005/8/layout/vList2"/>
-    <dgm:cxn modelId="{A7B89B52-D9DC-4166-91D8-69B6A368D51F}" type="presParOf" srcId="{5506A477-7B56-4BAA-92AD-5A17CE7E956A}" destId="{537A7A8F-ADA4-4379-87BC-518D50C1B636}" srcOrd="5" destOrd="0" presId="urn:microsoft.com/office/officeart/2005/8/layout/vList2"/>
-    <dgm:cxn modelId="{78F8A98A-61DF-43B3-BB76-D600BBB35D03}" type="presParOf" srcId="{5506A477-7B56-4BAA-92AD-5A17CE7E956A}" destId="{1865627D-3A99-4E82-B887-302F417B3F2F}" srcOrd="6" destOrd="0" presId="urn:microsoft.com/office/officeart/2005/8/layout/vList2"/>
+    <dgm:cxn modelId="{CEF106A6-FCEB-4F1F-B919-285C7ACEF147}" type="presOf" srcId="{19117D86-C907-44D4-A90F-3FF6E9960171}" destId="{14562387-CD70-4A0C-9683-9EA8BC8FD62F}" srcOrd="0" destOrd="0" presId="urn:microsoft.com/office/officeart/2005/8/layout/vList2"/>
+    <dgm:cxn modelId="{17833787-7669-43B2-A297-C308DFD465D1}" type="presParOf" srcId="{5506A477-7B56-4BAA-92AD-5A17CE7E956A}" destId="{14562387-CD70-4A0C-9683-9EA8BC8FD62F}" srcOrd="0" destOrd="0" presId="urn:microsoft.com/office/officeart/2005/8/layout/vList2"/>
+    <dgm:cxn modelId="{D255C76B-ECC8-4AEC-B904-938B3CD56311}" type="presParOf" srcId="{5506A477-7B56-4BAA-92AD-5A17CE7E956A}" destId="{BFF9FE7E-84C6-4135-850F-6D96BD88400E}" srcOrd="1" destOrd="0" presId="urn:microsoft.com/office/officeart/2005/8/layout/vList2"/>
+    <dgm:cxn modelId="{EEB14F65-BC30-4BAF-8D9C-4C2A8A1009F8}" type="presParOf" srcId="{5506A477-7B56-4BAA-92AD-5A17CE7E956A}" destId="{658FB4F8-3B70-42BC-8669-1D7F6C7223B2}" srcOrd="2" destOrd="0" presId="urn:microsoft.com/office/officeart/2005/8/layout/vList2"/>
   </dgm:cxnLst>
   <dgm:bg/>
   <dgm:whole/>
@@ -1932,6 +2631,142 @@
 </file>
 
 <file path=ppt/diagrams/data2.xml><?xml version="1.0" encoding="utf-8"?>
+<dgm:dataModel xmlns:dgm="http://schemas.openxmlformats.org/drawingml/2006/diagram" xmlns:a="http://schemas.openxmlformats.org/drawingml/2006/main">
+  <dgm:ptLst>
+    <dgm:pt modelId="{4444DC5E-6331-4F49-B871-1590CCCE4E8B}" type="doc">
+      <dgm:prSet loTypeId="urn:microsoft.com/office/officeart/2005/8/layout/vList2" loCatId="list" qsTypeId="urn:microsoft.com/office/officeart/2005/8/quickstyle/simple5" qsCatId="simple" csTypeId="urn:microsoft.com/office/officeart/2005/8/colors/colorful2" csCatId="colorful" phldr="1"/>
+      <dgm:spPr/>
+      <dgm:t>
+        <a:bodyPr/>
+        <a:lstStyle/>
+        <a:p>
+          <a:endParaRPr lang="en-US"/>
+        </a:p>
+      </dgm:t>
+    </dgm:pt>
+    <dgm:pt modelId="{19117D86-C907-44D4-A90F-3FF6E9960171}">
+      <dgm:prSet/>
+      <dgm:spPr/>
+      <dgm:t>
+        <a:bodyPr/>
+        <a:lstStyle/>
+        <a:p>
+          <a:pPr rtl="0"/>
+          <a:r>
+            <a:rPr lang="en-US" dirty="0"/>
+            <a:t>We </a:t>
+          </a:r>
+          <a:r>
+            <a:rPr lang="en-US" dirty="0">
+              <a:latin typeface="Trebuchet MS" panose="020B0603020202020204"/>
+            </a:rPr>
+            <a:t>for this phase have it at least store user data (usernames, emails, etc.)</a:t>
+          </a:r>
+          <a:endParaRPr lang="en-US" dirty="0"/>
+        </a:p>
+      </dgm:t>
+    </dgm:pt>
+    <dgm:pt modelId="{EDB8F89C-A2E3-4768-92A9-7A997E9D3908}" type="parTrans" cxnId="{C89E8079-0ACF-42E3-BBE4-D41080457F56}">
+      <dgm:prSet/>
+      <dgm:spPr/>
+      <dgm:t>
+        <a:bodyPr/>
+        <a:lstStyle/>
+        <a:p>
+          <a:endParaRPr lang="en-US"/>
+        </a:p>
+      </dgm:t>
+    </dgm:pt>
+    <dgm:pt modelId="{83AD01D4-D207-4675-8B94-683CA41A1A8C}" type="sibTrans" cxnId="{C89E8079-0ACF-42E3-BBE4-D41080457F56}">
+      <dgm:prSet/>
+      <dgm:spPr/>
+      <dgm:t>
+        <a:bodyPr/>
+        <a:lstStyle/>
+        <a:p>
+          <a:endParaRPr lang="en-US"/>
+        </a:p>
+      </dgm:t>
+    </dgm:pt>
+    <dgm:pt modelId="{C92D4792-5057-474D-B289-F2E53704E790}">
+      <dgm:prSet phldr="0"/>
+      <dgm:spPr/>
+      <dgm:t>
+        <a:bodyPr/>
+        <a:lstStyle/>
+        <a:p>
+          <a:pPr rtl="0"/>
+          <a:r>
+            <a:rPr lang="en-US" dirty="0">
+              <a:latin typeface="Trebuchet MS" panose="020B0603020202020204"/>
+            </a:rPr>
+            <a:t>We also started looking over documents for implementing Python Cryptodome to encrypt the data</a:t>
+          </a:r>
+          <a:endParaRPr lang="en-US" dirty="0"/>
+        </a:p>
+      </dgm:t>
+    </dgm:pt>
+    <dgm:pt modelId="{7FE1ABA8-5AAB-438F-B709-97E81BCA662B}" type="parTrans" cxnId="{8E2BC1E3-8184-45A3-A3D4-AE8BB99DCEC8}">
+      <dgm:prSet/>
+      <dgm:spPr/>
+    </dgm:pt>
+    <dgm:pt modelId="{4EF5C8F9-F448-4614-B93C-648E2E75D162}" type="sibTrans" cxnId="{8E2BC1E3-8184-45A3-A3D4-AE8BB99DCEC8}">
+      <dgm:prSet/>
+      <dgm:spPr/>
+    </dgm:pt>
+    <dgm:pt modelId="{5506A477-7B56-4BAA-92AD-5A17CE7E956A}" type="pres">
+      <dgm:prSet presAssocID="{4444DC5E-6331-4F49-B871-1590CCCE4E8B}" presName="linear" presStyleCnt="0">
+        <dgm:presLayoutVars>
+          <dgm:animLvl val="lvl"/>
+          <dgm:resizeHandles val="exact"/>
+        </dgm:presLayoutVars>
+      </dgm:prSet>
+      <dgm:spPr/>
+    </dgm:pt>
+    <dgm:pt modelId="{14562387-CD70-4A0C-9683-9EA8BC8FD62F}" type="pres">
+      <dgm:prSet presAssocID="{19117D86-C907-44D4-A90F-3FF6E9960171}" presName="parentText" presStyleLbl="node1" presStyleIdx="0" presStyleCnt="2">
+        <dgm:presLayoutVars>
+          <dgm:chMax val="0"/>
+          <dgm:bulletEnabled val="1"/>
+        </dgm:presLayoutVars>
+      </dgm:prSet>
+      <dgm:spPr/>
+    </dgm:pt>
+    <dgm:pt modelId="{BFF9FE7E-84C6-4135-850F-6D96BD88400E}" type="pres">
+      <dgm:prSet presAssocID="{83AD01D4-D207-4675-8B94-683CA41A1A8C}" presName="spacer" presStyleCnt="0"/>
+      <dgm:spPr/>
+    </dgm:pt>
+    <dgm:pt modelId="{1C1CA9E1-A109-41A8-8687-6B32AF001D7B}" type="pres">
+      <dgm:prSet presAssocID="{C92D4792-5057-474D-B289-F2E53704E790}" presName="parentText" presStyleLbl="node1" presStyleIdx="1" presStyleCnt="2">
+        <dgm:presLayoutVars>
+          <dgm:chMax val="0"/>
+          <dgm:bulletEnabled val="1"/>
+        </dgm:presLayoutVars>
+      </dgm:prSet>
+      <dgm:spPr/>
+    </dgm:pt>
+  </dgm:ptLst>
+  <dgm:cxnLst>
+    <dgm:cxn modelId="{6A87ED10-6738-45B0-8DEA-4C0CC53E7C17}" type="presOf" srcId="{4444DC5E-6331-4F49-B871-1590CCCE4E8B}" destId="{5506A477-7B56-4BAA-92AD-5A17CE7E956A}" srcOrd="0" destOrd="0" presId="urn:microsoft.com/office/officeart/2005/8/layout/vList2"/>
+    <dgm:cxn modelId="{C89E8079-0ACF-42E3-BBE4-D41080457F56}" srcId="{4444DC5E-6331-4F49-B871-1590CCCE4E8B}" destId="{19117D86-C907-44D4-A90F-3FF6E9960171}" srcOrd="0" destOrd="0" parTransId="{EDB8F89C-A2E3-4768-92A9-7A997E9D3908}" sibTransId="{83AD01D4-D207-4675-8B94-683CA41A1A8C}"/>
+    <dgm:cxn modelId="{CEF106A6-FCEB-4F1F-B919-285C7ACEF147}" type="presOf" srcId="{19117D86-C907-44D4-A90F-3FF6E9960171}" destId="{14562387-CD70-4A0C-9683-9EA8BC8FD62F}" srcOrd="0" destOrd="0" presId="urn:microsoft.com/office/officeart/2005/8/layout/vList2"/>
+    <dgm:cxn modelId="{2344E6E2-1600-45FC-A73B-809D4BFCDF4C}" type="presOf" srcId="{C92D4792-5057-474D-B289-F2E53704E790}" destId="{1C1CA9E1-A109-41A8-8687-6B32AF001D7B}" srcOrd="0" destOrd="0" presId="urn:microsoft.com/office/officeart/2005/8/layout/vList2"/>
+    <dgm:cxn modelId="{8E2BC1E3-8184-45A3-A3D4-AE8BB99DCEC8}" srcId="{4444DC5E-6331-4F49-B871-1590CCCE4E8B}" destId="{C92D4792-5057-474D-B289-F2E53704E790}" srcOrd="1" destOrd="0" parTransId="{7FE1ABA8-5AAB-438F-B709-97E81BCA662B}" sibTransId="{4EF5C8F9-F448-4614-B93C-648E2E75D162}"/>
+    <dgm:cxn modelId="{17833787-7669-43B2-A297-C308DFD465D1}" type="presParOf" srcId="{5506A477-7B56-4BAA-92AD-5A17CE7E956A}" destId="{14562387-CD70-4A0C-9683-9EA8BC8FD62F}" srcOrd="0" destOrd="0" presId="urn:microsoft.com/office/officeart/2005/8/layout/vList2"/>
+    <dgm:cxn modelId="{D255C76B-ECC8-4AEC-B904-938B3CD56311}" type="presParOf" srcId="{5506A477-7B56-4BAA-92AD-5A17CE7E956A}" destId="{BFF9FE7E-84C6-4135-850F-6D96BD88400E}" srcOrd="1" destOrd="0" presId="urn:microsoft.com/office/officeart/2005/8/layout/vList2"/>
+    <dgm:cxn modelId="{9A04C481-8342-44E2-B037-19FE39681688}" type="presParOf" srcId="{5506A477-7B56-4BAA-92AD-5A17CE7E956A}" destId="{1C1CA9E1-A109-41A8-8687-6B32AF001D7B}" srcOrd="2" destOrd="0" presId="urn:microsoft.com/office/officeart/2005/8/layout/vList2"/>
+  </dgm:cxnLst>
+  <dgm:bg/>
+  <dgm:whole/>
+  <dgm:extLst>
+    <a:ext uri="http://schemas.microsoft.com/office/drawing/2008/diagram">
+      <dsp:dataModelExt xmlns:dsp="http://schemas.microsoft.com/office/drawing/2008/diagram" relId="rId7" minVer="http://schemas.openxmlformats.org/drawingml/2006/diagram"/>
+    </a:ext>
+  </dgm:extLst>
+</dgm:dataModel>
+</file>
+
+<file path=ppt/diagrams/data3.xml><?xml version="1.0" encoding="utf-8"?>
 <dgm:dataModel xmlns:dgm="http://schemas.openxmlformats.org/drawingml/2006/diagram" xmlns:a="http://schemas.openxmlformats.org/drawingml/2006/main">
   <dgm:ptLst>
     <dgm:pt modelId="{2A2534A5-79A8-469B-A0AE-5988A0A1F6D8}" type="doc">
@@ -1953,8 +2788,14 @@
         <a:lstStyle/>
         <a:p>
           <a:r>
-            <a:rPr lang="en-US"/>
-            <a:t>I added all documents templates to the GitHub</a:t>
+            <a:rPr lang="en-US" dirty="0">
+              <a:latin typeface="Trebuchet MS" panose="020B0603020202020204"/>
+            </a:rPr>
+            <a:t>We</a:t>
+          </a:r>
+          <a:r>
+            <a:rPr lang="en-US" dirty="0"/>
+            <a:t> added all documents templates to the GitHub</a:t>
           </a:r>
         </a:p>
       </dgm:t>
@@ -1989,7 +2830,7 @@
         <a:lstStyle/>
         <a:p>
           <a:r>
-            <a:rPr lang="en-US"/>
+            <a:rPr lang="en-US" dirty="0"/>
             <a:t>Then we all later started to add pieces what we did and completed parts of the documents</a:t>
           </a:r>
         </a:p>
@@ -2025,8 +2866,18 @@
         <a:lstStyle/>
         <a:p>
           <a:r>
-            <a:rPr lang="en-US"/>
-            <a:t>The Gant Chart, Duration Estimate, Milestone list, and System Design Documents</a:t>
+            <a:rPr lang="en-US" dirty="0"/>
+            <a:t>The </a:t>
+          </a:r>
+          <a:r>
+            <a:rPr lang="en-US" dirty="0">
+              <a:latin typeface="Trebuchet MS" panose="020B0603020202020204"/>
+            </a:rPr>
+            <a:t>Gantt</a:t>
+          </a:r>
+          <a:r>
+            <a:rPr lang="en-US" dirty="0"/>
+            <a:t> Chart, Duration Estimate, Milestone list, and System Design Documents</a:t>
           </a:r>
         </a:p>
       </dgm:t>
@@ -2061,7 +2912,7 @@
         <a:lstStyle/>
         <a:p>
           <a:r>
-            <a:rPr lang="en-US"/>
+            <a:rPr lang="en-US" dirty="0"/>
             <a:t>Adding dates for task dates, Milestones, and each separate category on the System Design Document</a:t>
           </a:r>
         </a:p>
@@ -2216,8 +3067,8 @@
       </dsp:nvSpPr>
       <dsp:spPr>
         <a:xfrm>
-          <a:off x="0" y="26799"/>
-          <a:ext cx="6261100" cy="1327218"/>
+          <a:off x="0" y="450158"/>
+          <a:ext cx="6051273" cy="2171520"/>
         </a:xfrm>
         <a:prstGeom prst="roundRect">
           <a:avLst/>
@@ -2286,12 +3137,12 @@
         </a:fontRef>
       </dsp:style>
       <dsp:txBody>
-        <a:bodyPr spcFirstLastPara="0" vert="horz" wrap="square" lIns="95250" tIns="95250" rIns="95250" bIns="95250" numCol="1" spcCol="1270" anchor="ctr" anchorCtr="0">
+        <a:bodyPr spcFirstLastPara="0" vert="horz" wrap="square" lIns="121920" tIns="121920" rIns="121920" bIns="121920" numCol="1" spcCol="1270" anchor="ctr" anchorCtr="0">
           <a:noAutofit/>
         </a:bodyPr>
         <a:lstStyle/>
         <a:p>
-          <a:pPr marL="0" lvl="0" indent="0" algn="l" defTabSz="1111250">
+          <a:pPr marL="0" lvl="0" indent="0" algn="l" defTabSz="1422400" rtl="0">
             <a:lnSpc>
               <a:spcPct val="90000"/>
             </a:lnSpc>
@@ -2304,14 +3155,21 @@
             <a:buNone/>
           </a:pPr>
           <a:r>
-            <a:rPr lang="en-US" sz="2500" kern="1200"/>
-            <a:t>We started by creating it, then began some testing on the database</a:t>
+            <a:rPr lang="en-US" sz="3200" kern="1200" dirty="0"/>
+            <a:t>We started by creating </a:t>
           </a:r>
+          <a:r>
+            <a:rPr lang="en-US" sz="3200" kern="1200" dirty="0">
+              <a:latin typeface="Trebuchet MS" panose="020B0603020202020204"/>
+            </a:rPr>
+            <a:t>a basic model and ran some tests to make sure it properly connects to the front-end</a:t>
+          </a:r>
+          <a:endParaRPr lang="en-US" sz="3200" kern="1200" dirty="0"/>
         </a:p>
       </dsp:txBody>
       <dsp:txXfrm>
-        <a:off x="64789" y="91588"/>
-        <a:ext cx="6131522" cy="1197640"/>
+        <a:off x="106005" y="556163"/>
+        <a:ext cx="5839263" cy="1959510"/>
       </dsp:txXfrm>
     </dsp:sp>
     <dsp:sp modelId="{658FB4F8-3B70-42BC-8669-1D7F6C7223B2}">
@@ -2321,218 +3179,8 @@
       </dsp:nvSpPr>
       <dsp:spPr>
         <a:xfrm>
-          <a:off x="0" y="1426018"/>
-          <a:ext cx="6261100" cy="1327218"/>
-        </a:xfrm>
-        <a:prstGeom prst="roundRect">
-          <a:avLst/>
-        </a:prstGeom>
-        <a:gradFill rotWithShape="0">
-          <a:gsLst>
-            <a:gs pos="0">
-              <a:schemeClr val="accent2">
-                <a:hueOff val="1847440"/>
-                <a:satOff val="-318"/>
-                <a:lumOff val="-3268"/>
-                <a:alphaOff val="0"/>
-                <a:tint val="94000"/>
-                <a:satMod val="103000"/>
-                <a:lumMod val="102000"/>
-              </a:schemeClr>
-            </a:gs>
-            <a:gs pos="50000">
-              <a:schemeClr val="accent2">
-                <a:hueOff val="1847440"/>
-                <a:satOff val="-318"/>
-                <a:lumOff val="-3268"/>
-                <a:alphaOff val="0"/>
-                <a:shade val="100000"/>
-                <a:satMod val="110000"/>
-                <a:lumMod val="100000"/>
-              </a:schemeClr>
-            </a:gs>
-            <a:gs pos="100000">
-              <a:schemeClr val="accent2">
-                <a:hueOff val="1847440"/>
-                <a:satOff val="-318"/>
-                <a:lumOff val="-3268"/>
-                <a:alphaOff val="0"/>
-                <a:shade val="78000"/>
-                <a:satMod val="120000"/>
-                <a:lumMod val="99000"/>
-              </a:schemeClr>
-            </a:gs>
-          </a:gsLst>
-          <a:lin ang="5400000" scaled="0"/>
-        </a:gradFill>
-        <a:ln>
-          <a:noFill/>
-        </a:ln>
-        <a:effectLst>
-          <a:outerShdw blurRad="57150" dist="19050" dir="5400000" algn="ctr" rotWithShape="0">
-            <a:srgbClr val="000000">
-              <a:alpha val="63000"/>
-            </a:srgbClr>
-          </a:outerShdw>
-        </a:effectLst>
-      </dsp:spPr>
-      <dsp:style>
-        <a:lnRef idx="0">
-          <a:scrgbClr r="0" g="0" b="0"/>
-        </a:lnRef>
-        <a:fillRef idx="3">
-          <a:scrgbClr r="0" g="0" b="0"/>
-        </a:fillRef>
-        <a:effectRef idx="3">
-          <a:scrgbClr r="0" g="0" b="0"/>
-        </a:effectRef>
-        <a:fontRef idx="minor">
-          <a:schemeClr val="lt1"/>
-        </a:fontRef>
-      </dsp:style>
-      <dsp:txBody>
-        <a:bodyPr spcFirstLastPara="0" vert="horz" wrap="square" lIns="95250" tIns="95250" rIns="95250" bIns="95250" numCol="1" spcCol="1270" anchor="ctr" anchorCtr="0">
-          <a:noAutofit/>
-        </a:bodyPr>
-        <a:lstStyle/>
-        <a:p>
-          <a:pPr marL="0" lvl="0" indent="0" algn="l" defTabSz="1111250">
-            <a:lnSpc>
-              <a:spcPct val="90000"/>
-            </a:lnSpc>
-            <a:spcBef>
-              <a:spcPct val="0"/>
-            </a:spcBef>
-            <a:spcAft>
-              <a:spcPct val="35000"/>
-            </a:spcAft>
-            <a:buNone/>
-          </a:pPr>
-          <a:r>
-            <a:rPr lang="en-US" sz="2500" kern="1200"/>
-            <a:t>From there we had work out (At least to somewhat working)</a:t>
-          </a:r>
-        </a:p>
-      </dsp:txBody>
-      <dsp:txXfrm>
-        <a:off x="64789" y="1490807"/>
-        <a:ext cx="6131522" cy="1197640"/>
-      </dsp:txXfrm>
-    </dsp:sp>
-    <dsp:sp modelId="{C6421E42-FC6A-425E-9171-907FEE7171DA}">
-      <dsp:nvSpPr>
-        <dsp:cNvPr id="0" name=""/>
-        <dsp:cNvSpPr/>
-      </dsp:nvSpPr>
-      <dsp:spPr>
-        <a:xfrm>
-          <a:off x="0" y="2825237"/>
-          <a:ext cx="6261100" cy="1327218"/>
-        </a:xfrm>
-        <a:prstGeom prst="roundRect">
-          <a:avLst/>
-        </a:prstGeom>
-        <a:gradFill rotWithShape="0">
-          <a:gsLst>
-            <a:gs pos="0">
-              <a:schemeClr val="accent2">
-                <a:hueOff val="3694879"/>
-                <a:satOff val="-635"/>
-                <a:lumOff val="-6536"/>
-                <a:alphaOff val="0"/>
-                <a:tint val="94000"/>
-                <a:satMod val="103000"/>
-                <a:lumMod val="102000"/>
-              </a:schemeClr>
-            </a:gs>
-            <a:gs pos="50000">
-              <a:schemeClr val="accent2">
-                <a:hueOff val="3694879"/>
-                <a:satOff val="-635"/>
-                <a:lumOff val="-6536"/>
-                <a:alphaOff val="0"/>
-                <a:shade val="100000"/>
-                <a:satMod val="110000"/>
-                <a:lumMod val="100000"/>
-              </a:schemeClr>
-            </a:gs>
-            <a:gs pos="100000">
-              <a:schemeClr val="accent2">
-                <a:hueOff val="3694879"/>
-                <a:satOff val="-635"/>
-                <a:lumOff val="-6536"/>
-                <a:alphaOff val="0"/>
-                <a:shade val="78000"/>
-                <a:satMod val="120000"/>
-                <a:lumMod val="99000"/>
-              </a:schemeClr>
-            </a:gs>
-          </a:gsLst>
-          <a:lin ang="5400000" scaled="0"/>
-        </a:gradFill>
-        <a:ln>
-          <a:noFill/>
-        </a:ln>
-        <a:effectLst>
-          <a:outerShdw blurRad="57150" dist="19050" dir="5400000" algn="ctr" rotWithShape="0">
-            <a:srgbClr val="000000">
-              <a:alpha val="63000"/>
-            </a:srgbClr>
-          </a:outerShdw>
-        </a:effectLst>
-      </dsp:spPr>
-      <dsp:style>
-        <a:lnRef idx="0">
-          <a:scrgbClr r="0" g="0" b="0"/>
-        </a:lnRef>
-        <a:fillRef idx="3">
-          <a:scrgbClr r="0" g="0" b="0"/>
-        </a:fillRef>
-        <a:effectRef idx="3">
-          <a:scrgbClr r="0" g="0" b="0"/>
-        </a:effectRef>
-        <a:fontRef idx="minor">
-          <a:schemeClr val="lt1"/>
-        </a:fontRef>
-      </dsp:style>
-      <dsp:txBody>
-        <a:bodyPr spcFirstLastPara="0" vert="horz" wrap="square" lIns="95250" tIns="95250" rIns="95250" bIns="95250" numCol="1" spcCol="1270" anchor="ctr" anchorCtr="0">
-          <a:noAutofit/>
-        </a:bodyPr>
-        <a:lstStyle/>
-        <a:p>
-          <a:pPr marL="0" lvl="0" indent="0" algn="l" defTabSz="1111250">
-            <a:lnSpc>
-              <a:spcPct val="90000"/>
-            </a:lnSpc>
-            <a:spcBef>
-              <a:spcPct val="0"/>
-            </a:spcBef>
-            <a:spcAft>
-              <a:spcPct val="35000"/>
-            </a:spcAft>
-            <a:buNone/>
-          </a:pPr>
-          <a:r>
-            <a:rPr lang="en-US" sz="2500" kern="1200"/>
-            <a:t>We for this phase have it at least store user data</a:t>
-          </a:r>
-        </a:p>
-      </dsp:txBody>
-      <dsp:txXfrm>
-        <a:off x="64789" y="2890026"/>
-        <a:ext cx="6131522" cy="1197640"/>
-      </dsp:txXfrm>
-    </dsp:sp>
-    <dsp:sp modelId="{1865627D-3A99-4E82-B887-302F417B3F2F}">
-      <dsp:nvSpPr>
-        <dsp:cNvPr id="0" name=""/>
-        <dsp:cNvSpPr/>
-      </dsp:nvSpPr>
-      <dsp:spPr>
-        <a:xfrm>
-          <a:off x="0" y="4224456"/>
-          <a:ext cx="6261100" cy="1327218"/>
+          <a:off x="0" y="2713839"/>
+          <a:ext cx="6051273" cy="2171520"/>
         </a:xfrm>
         <a:prstGeom prst="roundRect">
           <a:avLst/>
@@ -2601,12 +3249,12 @@
         </a:fontRef>
       </dsp:style>
       <dsp:txBody>
-        <a:bodyPr spcFirstLastPara="0" vert="horz" wrap="square" lIns="95250" tIns="95250" rIns="95250" bIns="95250" numCol="1" spcCol="1270" anchor="ctr" anchorCtr="0">
+        <a:bodyPr spcFirstLastPara="0" vert="horz" wrap="square" lIns="121920" tIns="121920" rIns="121920" bIns="121920" numCol="1" spcCol="1270" anchor="ctr" anchorCtr="0">
           <a:noAutofit/>
         </a:bodyPr>
         <a:lstStyle/>
         <a:p>
-          <a:pPr marL="0" lvl="0" indent="0" algn="l" defTabSz="1111250">
+          <a:pPr marL="0" lvl="0" indent="0" algn="l" defTabSz="1422400">
             <a:lnSpc>
               <a:spcPct val="90000"/>
             </a:lnSpc>
@@ -2619,14 +3267,21 @@
             <a:buNone/>
           </a:pPr>
           <a:r>
-            <a:rPr lang="en-US" sz="2500" kern="1200"/>
-            <a:t>Mainly usernames and passwords, allowing user to store and access saved Notes</a:t>
+            <a:rPr lang="en-US" sz="3200" kern="1200" dirty="0"/>
+            <a:t>From there we had work out (At least to somewhat working</a:t>
           </a:r>
+          <a:r>
+            <a:rPr lang="en-US" sz="3200" kern="1200" dirty="0">
+              <a:latin typeface="Trebuchet MS" panose="020B0603020202020204"/>
+            </a:rPr>
+            <a:t>)</a:t>
+          </a:r>
+          <a:endParaRPr lang="en-US" sz="3200" kern="1200" dirty="0"/>
         </a:p>
       </dsp:txBody>
       <dsp:txXfrm>
-        <a:off x="64789" y="4289245"/>
-        <a:ext cx="6131522" cy="1197640"/>
+        <a:off x="106005" y="2819844"/>
+        <a:ext cx="5839263" cy="1959510"/>
       </dsp:txXfrm>
     </dsp:sp>
   </dsp:spTree>
@@ -2634,6 +3289,238 @@
 </file>
 
 <file path=ppt/diagrams/drawing2.xml><?xml version="1.0" encoding="utf-8"?>
+<dsp:drawing xmlns:dgm="http://schemas.openxmlformats.org/drawingml/2006/diagram" xmlns:dsp="http://schemas.microsoft.com/office/drawing/2008/diagram" xmlns:a="http://schemas.openxmlformats.org/drawingml/2006/main">
+  <dsp:spTree>
+    <dsp:nvGrpSpPr>
+      <dsp:cNvPr id="0" name=""/>
+      <dsp:cNvGrpSpPr/>
+    </dsp:nvGrpSpPr>
+    <dsp:grpSpPr/>
+    <dsp:sp modelId="{14562387-CD70-4A0C-9683-9EA8BC8FD62F}">
+      <dsp:nvSpPr>
+        <dsp:cNvPr id="0" name=""/>
+        <dsp:cNvSpPr/>
+      </dsp:nvSpPr>
+      <dsp:spPr>
+        <a:xfrm>
+          <a:off x="0" y="305040"/>
+          <a:ext cx="4991101" cy="1821360"/>
+        </a:xfrm>
+        <a:prstGeom prst="roundRect">
+          <a:avLst/>
+        </a:prstGeom>
+        <a:gradFill rotWithShape="0">
+          <a:gsLst>
+            <a:gs pos="0">
+              <a:schemeClr val="accent2">
+                <a:hueOff val="0"/>
+                <a:satOff val="0"/>
+                <a:lumOff val="0"/>
+                <a:alphaOff val="0"/>
+                <a:tint val="94000"/>
+                <a:satMod val="103000"/>
+                <a:lumMod val="102000"/>
+              </a:schemeClr>
+            </a:gs>
+            <a:gs pos="50000">
+              <a:schemeClr val="accent2">
+                <a:hueOff val="0"/>
+                <a:satOff val="0"/>
+                <a:lumOff val="0"/>
+                <a:alphaOff val="0"/>
+                <a:shade val="100000"/>
+                <a:satMod val="110000"/>
+                <a:lumMod val="100000"/>
+              </a:schemeClr>
+            </a:gs>
+            <a:gs pos="100000">
+              <a:schemeClr val="accent2">
+                <a:hueOff val="0"/>
+                <a:satOff val="0"/>
+                <a:lumOff val="0"/>
+                <a:alphaOff val="0"/>
+                <a:shade val="78000"/>
+                <a:satMod val="120000"/>
+                <a:lumMod val="99000"/>
+              </a:schemeClr>
+            </a:gs>
+          </a:gsLst>
+          <a:lin ang="5400000" scaled="0"/>
+        </a:gradFill>
+        <a:ln>
+          <a:noFill/>
+        </a:ln>
+        <a:effectLst>
+          <a:outerShdw blurRad="57150" dist="19050" dir="5400000" algn="ctr" rotWithShape="0">
+            <a:srgbClr val="000000">
+              <a:alpha val="63000"/>
+            </a:srgbClr>
+          </a:outerShdw>
+        </a:effectLst>
+      </dsp:spPr>
+      <dsp:style>
+        <a:lnRef idx="0">
+          <a:scrgbClr r="0" g="0" b="0"/>
+        </a:lnRef>
+        <a:fillRef idx="3">
+          <a:scrgbClr r="0" g="0" b="0"/>
+        </a:fillRef>
+        <a:effectRef idx="3">
+          <a:scrgbClr r="0" g="0" b="0"/>
+        </a:effectRef>
+        <a:fontRef idx="minor">
+          <a:schemeClr val="lt1"/>
+        </a:fontRef>
+      </dsp:style>
+      <dsp:txBody>
+        <a:bodyPr spcFirstLastPara="0" vert="horz" wrap="square" lIns="102870" tIns="102870" rIns="102870" bIns="102870" numCol="1" spcCol="1270" anchor="ctr" anchorCtr="0">
+          <a:noAutofit/>
+        </a:bodyPr>
+        <a:lstStyle/>
+        <a:p>
+          <a:pPr marL="0" lvl="0" indent="0" algn="l" defTabSz="1200150" rtl="0">
+            <a:lnSpc>
+              <a:spcPct val="90000"/>
+            </a:lnSpc>
+            <a:spcBef>
+              <a:spcPct val="0"/>
+            </a:spcBef>
+            <a:spcAft>
+              <a:spcPct val="35000"/>
+            </a:spcAft>
+            <a:buNone/>
+          </a:pPr>
+          <a:r>
+            <a:rPr lang="en-US" sz="2700" kern="1200" dirty="0"/>
+            <a:t>We </a:t>
+          </a:r>
+          <a:r>
+            <a:rPr lang="en-US" sz="2700" kern="1200" dirty="0">
+              <a:latin typeface="Trebuchet MS" panose="020B0603020202020204"/>
+            </a:rPr>
+            <a:t>for this phase have it at least store user data (usernames, emails, etc.)</a:t>
+          </a:r>
+          <a:endParaRPr lang="en-US" sz="2700" kern="1200" dirty="0"/>
+        </a:p>
+      </dsp:txBody>
+      <dsp:txXfrm>
+        <a:off x="88911" y="393951"/>
+        <a:ext cx="4813279" cy="1643538"/>
+      </dsp:txXfrm>
+    </dsp:sp>
+    <dsp:sp modelId="{1C1CA9E1-A109-41A8-8687-6B32AF001D7B}">
+      <dsp:nvSpPr>
+        <dsp:cNvPr id="0" name=""/>
+        <dsp:cNvSpPr/>
+      </dsp:nvSpPr>
+      <dsp:spPr>
+        <a:xfrm>
+          <a:off x="0" y="2204161"/>
+          <a:ext cx="4991101" cy="1821360"/>
+        </a:xfrm>
+        <a:prstGeom prst="roundRect">
+          <a:avLst/>
+        </a:prstGeom>
+        <a:gradFill rotWithShape="0">
+          <a:gsLst>
+            <a:gs pos="0">
+              <a:schemeClr val="accent2">
+                <a:hueOff val="5542319"/>
+                <a:satOff val="-953"/>
+                <a:lumOff val="-9804"/>
+                <a:alphaOff val="0"/>
+                <a:tint val="94000"/>
+                <a:satMod val="103000"/>
+                <a:lumMod val="102000"/>
+              </a:schemeClr>
+            </a:gs>
+            <a:gs pos="50000">
+              <a:schemeClr val="accent2">
+                <a:hueOff val="5542319"/>
+                <a:satOff val="-953"/>
+                <a:lumOff val="-9804"/>
+                <a:alphaOff val="0"/>
+                <a:shade val="100000"/>
+                <a:satMod val="110000"/>
+                <a:lumMod val="100000"/>
+              </a:schemeClr>
+            </a:gs>
+            <a:gs pos="100000">
+              <a:schemeClr val="accent2">
+                <a:hueOff val="5542319"/>
+                <a:satOff val="-953"/>
+                <a:lumOff val="-9804"/>
+                <a:alphaOff val="0"/>
+                <a:shade val="78000"/>
+                <a:satMod val="120000"/>
+                <a:lumMod val="99000"/>
+              </a:schemeClr>
+            </a:gs>
+          </a:gsLst>
+          <a:lin ang="5400000" scaled="0"/>
+        </a:gradFill>
+        <a:ln>
+          <a:noFill/>
+        </a:ln>
+        <a:effectLst>
+          <a:outerShdw blurRad="57150" dist="19050" dir="5400000" algn="ctr" rotWithShape="0">
+            <a:srgbClr val="000000">
+              <a:alpha val="63000"/>
+            </a:srgbClr>
+          </a:outerShdw>
+        </a:effectLst>
+      </dsp:spPr>
+      <dsp:style>
+        <a:lnRef idx="0">
+          <a:scrgbClr r="0" g="0" b="0"/>
+        </a:lnRef>
+        <a:fillRef idx="3">
+          <a:scrgbClr r="0" g="0" b="0"/>
+        </a:fillRef>
+        <a:effectRef idx="3">
+          <a:scrgbClr r="0" g="0" b="0"/>
+        </a:effectRef>
+        <a:fontRef idx="minor">
+          <a:schemeClr val="lt1"/>
+        </a:fontRef>
+      </dsp:style>
+      <dsp:txBody>
+        <a:bodyPr spcFirstLastPara="0" vert="horz" wrap="square" lIns="102870" tIns="102870" rIns="102870" bIns="102870" numCol="1" spcCol="1270" anchor="ctr" anchorCtr="0">
+          <a:noAutofit/>
+        </a:bodyPr>
+        <a:lstStyle/>
+        <a:p>
+          <a:pPr marL="0" lvl="0" indent="0" algn="l" defTabSz="1200150" rtl="0">
+            <a:lnSpc>
+              <a:spcPct val="90000"/>
+            </a:lnSpc>
+            <a:spcBef>
+              <a:spcPct val="0"/>
+            </a:spcBef>
+            <a:spcAft>
+              <a:spcPct val="35000"/>
+            </a:spcAft>
+            <a:buNone/>
+          </a:pPr>
+          <a:r>
+            <a:rPr lang="en-US" sz="2700" kern="1200" dirty="0">
+              <a:latin typeface="Trebuchet MS" panose="020B0603020202020204"/>
+            </a:rPr>
+            <a:t>We also started looking over documents for implementing Python Cryptodome to encrypt the data</a:t>
+          </a:r>
+          <a:endParaRPr lang="en-US" sz="2700" kern="1200" dirty="0"/>
+        </a:p>
+      </dsp:txBody>
+      <dsp:txXfrm>
+        <a:off x="88911" y="2293072"/>
+        <a:ext cx="4813279" cy="1643538"/>
+      </dsp:txXfrm>
+    </dsp:sp>
+  </dsp:spTree>
+</dsp:drawing>
+</file>
+
+<file path=ppt/diagrams/drawing3.xml><?xml version="1.0" encoding="utf-8"?>
 <dsp:drawing xmlns:dgm="http://schemas.openxmlformats.org/drawingml/2006/diagram" xmlns:dsp="http://schemas.microsoft.com/office/drawing/2008/diagram" xmlns:a="http://schemas.openxmlformats.org/drawingml/2006/main">
   <dsp:spTree>
     <dsp:nvGrpSpPr>
@@ -2776,8 +3663,14 @@
             <a:buNone/>
           </a:pPr>
           <a:r>
-            <a:rPr lang="en-US" sz="2600" kern="1200"/>
-            <a:t>I added all documents templates to the GitHub</a:t>
+            <a:rPr lang="en-US" sz="2600" kern="1200" dirty="0">
+              <a:latin typeface="Trebuchet MS" panose="020B0603020202020204"/>
+            </a:rPr>
+            <a:t>We</a:t>
+          </a:r>
+          <a:r>
+            <a:rPr lang="en-US" sz="2600" kern="1200" dirty="0"/>
+            <a:t> added all documents templates to the GitHub</a:t>
           </a:r>
         </a:p>
       </dsp:txBody>
@@ -2921,7 +3814,7 @@
             <a:buNone/>
           </a:pPr>
           <a:r>
-            <a:rPr lang="en-US" sz="2600" kern="1200"/>
+            <a:rPr lang="en-US" sz="2600" kern="1200" dirty="0"/>
             <a:t>Then we all later started to add pieces what we did and completed parts of the documents</a:t>
           </a:r>
         </a:p>
@@ -3066,8 +3959,18 @@
             <a:buNone/>
           </a:pPr>
           <a:r>
-            <a:rPr lang="en-US" sz="2600" kern="1200"/>
-            <a:t>The Gant Chart, Duration Estimate, Milestone list, and System Design Documents</a:t>
+            <a:rPr lang="en-US" sz="2600" kern="1200" dirty="0"/>
+            <a:t>The </a:t>
+          </a:r>
+          <a:r>
+            <a:rPr lang="en-US" sz="2600" kern="1200" dirty="0">
+              <a:latin typeface="Trebuchet MS" panose="020B0603020202020204"/>
+            </a:rPr>
+            <a:t>Gantt</a:t>
+          </a:r>
+          <a:r>
+            <a:rPr lang="en-US" sz="2600" kern="1200" dirty="0"/>
+            <a:t> Chart, Duration Estimate, Milestone list, and System Design Documents</a:t>
           </a:r>
         </a:p>
       </dsp:txBody>
@@ -3211,7 +4114,7 @@
             <a:buNone/>
           </a:pPr>
           <a:r>
-            <a:rPr lang="en-US" sz="2600" kern="1200"/>
+            <a:rPr lang="en-US" sz="2600" kern="1200" dirty="0"/>
             <a:t>Adding dates for task dates, Milestones, and each separate category on the System Design Document</a:t>
           </a:r>
         </a:p>
@@ -3393,6 +4296,173 @@
 </file>
 
 <file path=ppt/diagrams/layout2.xml><?xml version="1.0" encoding="utf-8"?>
+<dgm:layoutDef xmlns:dgm="http://schemas.openxmlformats.org/drawingml/2006/diagram" xmlns:a="http://schemas.openxmlformats.org/drawingml/2006/main" uniqueId="urn:microsoft.com/office/officeart/2005/8/layout/vList2">
+  <dgm:title val=""/>
+  <dgm:desc val=""/>
+  <dgm:catLst>
+    <dgm:cat type="list" pri="3000"/>
+    <dgm:cat type="convert" pri="1000"/>
+  </dgm:catLst>
+  <dgm:sampData>
+    <dgm:dataModel>
+      <dgm:ptLst>
+        <dgm:pt modelId="0" type="doc"/>
+        <dgm:pt modelId="1">
+          <dgm:prSet phldr="1"/>
+        </dgm:pt>
+        <dgm:pt modelId="11">
+          <dgm:prSet phldr="1"/>
+        </dgm:pt>
+        <dgm:pt modelId="2">
+          <dgm:prSet phldr="1"/>
+        </dgm:pt>
+        <dgm:pt modelId="21">
+          <dgm:prSet phldr="1"/>
+        </dgm:pt>
+      </dgm:ptLst>
+      <dgm:cxnLst>
+        <dgm:cxn modelId="4" srcId="0" destId="1" srcOrd="0" destOrd="0"/>
+        <dgm:cxn modelId="5" srcId="0" destId="2" srcOrd="1" destOrd="0"/>
+        <dgm:cxn modelId="12" srcId="1" destId="11" srcOrd="0" destOrd="0"/>
+        <dgm:cxn modelId="23" srcId="2" destId="21" srcOrd="0" destOrd="0"/>
+      </dgm:cxnLst>
+      <dgm:bg/>
+      <dgm:whole/>
+    </dgm:dataModel>
+  </dgm:sampData>
+  <dgm:styleData>
+    <dgm:dataModel>
+      <dgm:ptLst>
+        <dgm:pt modelId="0" type="doc"/>
+        <dgm:pt modelId="1"/>
+        <dgm:pt modelId="2"/>
+      </dgm:ptLst>
+      <dgm:cxnLst>
+        <dgm:cxn modelId="3" srcId="0" destId="1" srcOrd="0" destOrd="0"/>
+        <dgm:cxn modelId="4" srcId="0" destId="2" srcOrd="1" destOrd="0"/>
+      </dgm:cxnLst>
+      <dgm:bg/>
+      <dgm:whole/>
+    </dgm:dataModel>
+  </dgm:styleData>
+  <dgm:clrData>
+    <dgm:dataModel>
+      <dgm:ptLst>
+        <dgm:pt modelId="0" type="doc"/>
+        <dgm:pt modelId="1"/>
+        <dgm:pt modelId="2"/>
+        <dgm:pt modelId="3"/>
+        <dgm:pt modelId="4"/>
+      </dgm:ptLst>
+      <dgm:cxnLst>
+        <dgm:cxn modelId="5" srcId="0" destId="1" srcOrd="0" destOrd="0"/>
+        <dgm:cxn modelId="6" srcId="0" destId="2" srcOrd="1" destOrd="0"/>
+        <dgm:cxn modelId="7" srcId="0" destId="3" srcOrd="2" destOrd="0"/>
+        <dgm:cxn modelId="8" srcId="0" destId="4" srcOrd="3" destOrd="0"/>
+      </dgm:cxnLst>
+      <dgm:bg/>
+      <dgm:whole/>
+    </dgm:dataModel>
+  </dgm:clrData>
+  <dgm:layoutNode name="linear">
+    <dgm:varLst>
+      <dgm:animLvl val="lvl"/>
+      <dgm:resizeHandles val="exact"/>
+    </dgm:varLst>
+    <dgm:alg type="lin">
+      <dgm:param type="linDir" val="fromT"/>
+      <dgm:param type="vertAlign" val="mid"/>
+    </dgm:alg>
+    <dgm:shape xmlns:r="http://schemas.openxmlformats.org/officeDocument/2006/relationships" r:blip="">
+      <dgm:adjLst/>
+    </dgm:shape>
+    <dgm:presOf/>
+    <dgm:constrLst>
+      <dgm:constr type="w" for="ch" forName="parentText" refType="w"/>
+      <dgm:constr type="h" for="ch" forName="parentText" refType="primFontSz" refFor="ch" refForName="parentText" fact="0.52"/>
+      <dgm:constr type="w" for="ch" forName="childText" refType="w"/>
+      <dgm:constr type="h" for="ch" forName="childText" refType="primFontSz" refFor="ch" refForName="parentText" fact="0.46"/>
+      <dgm:constr type="h" for="ch" forName="parentText" op="equ"/>
+      <dgm:constr type="primFontSz" for="ch" forName="parentText" op="equ" val="65"/>
+      <dgm:constr type="primFontSz" for="ch" forName="childText" refType="primFontSz" refFor="ch" refForName="parentText" op="equ"/>
+      <dgm:constr type="h" for="ch" forName="spacer" refType="primFontSz" refFor="ch" refForName="parentText" fact="0.08"/>
+    </dgm:constrLst>
+    <dgm:ruleLst>
+      <dgm:rule type="primFontSz" for="ch" forName="parentText" val="5" fact="NaN" max="NaN"/>
+    </dgm:ruleLst>
+    <dgm:forEach name="Name0" axis="ch" ptType="node">
+      <dgm:layoutNode name="parentText" styleLbl="node1">
+        <dgm:varLst>
+          <dgm:chMax val="0"/>
+          <dgm:bulletEnabled val="1"/>
+        </dgm:varLst>
+        <dgm:alg type="tx">
+          <dgm:param type="parTxLTRAlign" val="l"/>
+          <dgm:param type="parTxRTLAlign" val="r"/>
+        </dgm:alg>
+        <dgm:shape xmlns:r="http://schemas.openxmlformats.org/officeDocument/2006/relationships" type="roundRect" r:blip="">
+          <dgm:adjLst/>
+        </dgm:shape>
+        <dgm:presOf axis="self"/>
+        <dgm:constrLst>
+          <dgm:constr type="tMarg" refType="primFontSz" fact="0.3"/>
+          <dgm:constr type="bMarg" refType="primFontSz" fact="0.3"/>
+          <dgm:constr type="lMarg" refType="primFontSz" fact="0.3"/>
+          <dgm:constr type="rMarg" refType="primFontSz" fact="0.3"/>
+        </dgm:constrLst>
+        <dgm:ruleLst>
+          <dgm:rule type="h" val="INF" fact="NaN" max="NaN"/>
+        </dgm:ruleLst>
+      </dgm:layoutNode>
+      <dgm:choose name="Name1">
+        <dgm:if name="Name2" axis="ch" ptType="node" func="cnt" op="gte" val="1">
+          <dgm:layoutNode name="childText" styleLbl="revTx">
+            <dgm:varLst>
+              <dgm:bulletEnabled val="1"/>
+            </dgm:varLst>
+            <dgm:alg type="tx">
+              <dgm:param type="stBulletLvl" val="1"/>
+              <dgm:param type="lnSpAfChP" val="20"/>
+            </dgm:alg>
+            <dgm:shape xmlns:r="http://schemas.openxmlformats.org/officeDocument/2006/relationships" type="rect" r:blip="">
+              <dgm:adjLst/>
+            </dgm:shape>
+            <dgm:presOf axis="des" ptType="node"/>
+            <dgm:constrLst>
+              <dgm:constr type="tMarg" refType="primFontSz" fact="0.1"/>
+              <dgm:constr type="bMarg" refType="primFontSz" fact="0.1"/>
+              <dgm:constr type="lMarg" refType="w" fact="0.09"/>
+            </dgm:constrLst>
+            <dgm:ruleLst>
+              <dgm:rule type="h" val="INF" fact="NaN" max="NaN"/>
+            </dgm:ruleLst>
+          </dgm:layoutNode>
+        </dgm:if>
+        <dgm:else name="Name3">
+          <dgm:choose name="Name4">
+            <dgm:if name="Name5" axis="par ch" ptType="doc node" func="cnt" op="gte" val="2">
+              <dgm:forEach name="Name6" axis="followSib" ptType="sibTrans" cnt="1">
+                <dgm:layoutNode name="spacer">
+                  <dgm:alg type="sp"/>
+                  <dgm:shape xmlns:r="http://schemas.openxmlformats.org/officeDocument/2006/relationships" r:blip="">
+                    <dgm:adjLst/>
+                  </dgm:shape>
+                  <dgm:presOf/>
+                  <dgm:constrLst/>
+                  <dgm:ruleLst/>
+                </dgm:layoutNode>
+              </dgm:forEach>
+            </dgm:if>
+            <dgm:else name="Name7"/>
+          </dgm:choose>
+        </dgm:else>
+      </dgm:choose>
+    </dgm:forEach>
+  </dgm:layoutNode>
+</dgm:layoutDef>
+</file>
+
+<file path=ppt/diagrams/layout3.xml><?xml version="1.0" encoding="utf-8"?>
 <dgm:layoutDef xmlns:dgm="http://schemas.openxmlformats.org/drawingml/2006/diagram" xmlns:a="http://schemas.openxmlformats.org/drawingml/2006/main" uniqueId="urn:microsoft.com/office/officeart/2008/layout/LinedList">
   <dgm:title val=""/>
   <dgm:desc val=""/>
@@ -4893,6 +5963,1040 @@
 </file>
 
 <file path=ppt/diagrams/quickStyle2.xml><?xml version="1.0" encoding="utf-8"?>
+<dgm:styleDef xmlns:dgm="http://schemas.openxmlformats.org/drawingml/2006/diagram" xmlns:a="http://schemas.openxmlformats.org/drawingml/2006/main" uniqueId="urn:microsoft.com/office/officeart/2005/8/quickstyle/simple5">
+  <dgm:title val=""/>
+  <dgm:desc val=""/>
+  <dgm:catLst>
+    <dgm:cat type="simple" pri="10500"/>
+  </dgm:catLst>
+  <dgm:scene3d>
+    <a:camera prst="orthographicFront"/>
+    <a:lightRig rig="threePt" dir="t"/>
+  </dgm:scene3d>
+  <dgm:styleLbl name="node0">
+    <dgm:scene3d>
+      <a:camera prst="orthographicFront"/>
+      <a:lightRig rig="threePt" dir="t"/>
+    </dgm:scene3d>
+    <dgm:sp3d/>
+    <dgm:txPr/>
+    <dgm:style>
+      <a:lnRef idx="0">
+        <a:scrgbClr r="0" g="0" b="0"/>
+      </a:lnRef>
+      <a:fillRef idx="3">
+        <a:scrgbClr r="0" g="0" b="0"/>
+      </a:fillRef>
+      <a:effectRef idx="3">
+        <a:scrgbClr r="0" g="0" b="0"/>
+      </a:effectRef>
+      <a:fontRef idx="minor">
+        <a:schemeClr val="lt1"/>
+      </a:fontRef>
+    </dgm:style>
+  </dgm:styleLbl>
+  <dgm:styleLbl name="lnNode1">
+    <dgm:scene3d>
+      <a:camera prst="orthographicFront"/>
+      <a:lightRig rig="threePt" dir="t"/>
+    </dgm:scene3d>
+    <dgm:sp3d/>
+    <dgm:txPr/>
+    <dgm:style>
+      <a:lnRef idx="0">
+        <a:scrgbClr r="0" g="0" b="0"/>
+      </a:lnRef>
+      <a:fillRef idx="3">
+        <a:scrgbClr r="0" g="0" b="0"/>
+      </a:fillRef>
+      <a:effectRef idx="3">
+        <a:scrgbClr r="0" g="0" b="0"/>
+      </a:effectRef>
+      <a:fontRef idx="minor">
+        <a:schemeClr val="lt1"/>
+      </a:fontRef>
+    </dgm:style>
+  </dgm:styleLbl>
+  <dgm:styleLbl name="vennNode1">
+    <dgm:scene3d>
+      <a:camera prst="orthographicFront"/>
+      <a:lightRig rig="threePt" dir="t"/>
+    </dgm:scene3d>
+    <dgm:sp3d/>
+    <dgm:txPr/>
+    <dgm:style>
+      <a:lnRef idx="0">
+        <a:scrgbClr r="0" g="0" b="0"/>
+      </a:lnRef>
+      <a:fillRef idx="3">
+        <a:scrgbClr r="0" g="0" b="0"/>
+      </a:fillRef>
+      <a:effectRef idx="3">
+        <a:scrgbClr r="0" g="0" b="0"/>
+      </a:effectRef>
+      <a:fontRef idx="minor">
+        <a:schemeClr val="tx1"/>
+      </a:fontRef>
+    </dgm:style>
+  </dgm:styleLbl>
+  <dgm:styleLbl name="alignNode1">
+    <dgm:scene3d>
+      <a:camera prst="orthographicFront"/>
+      <a:lightRig rig="threePt" dir="t"/>
+    </dgm:scene3d>
+    <dgm:sp3d/>
+    <dgm:txPr/>
+    <dgm:style>
+      <a:lnRef idx="1">
+        <a:scrgbClr r="0" g="0" b="0"/>
+      </a:lnRef>
+      <a:fillRef idx="3">
+        <a:scrgbClr r="0" g="0" b="0"/>
+      </a:fillRef>
+      <a:effectRef idx="3">
+        <a:scrgbClr r="0" g="0" b="0"/>
+      </a:effectRef>
+      <a:fontRef idx="minor">
+        <a:schemeClr val="lt1"/>
+      </a:fontRef>
+    </dgm:style>
+  </dgm:styleLbl>
+  <dgm:styleLbl name="node1">
+    <dgm:scene3d>
+      <a:camera prst="orthographicFront"/>
+      <a:lightRig rig="threePt" dir="t"/>
+    </dgm:scene3d>
+    <dgm:sp3d/>
+    <dgm:txPr/>
+    <dgm:style>
+      <a:lnRef idx="0">
+        <a:scrgbClr r="0" g="0" b="0"/>
+      </a:lnRef>
+      <a:fillRef idx="3">
+        <a:scrgbClr r="0" g="0" b="0"/>
+      </a:fillRef>
+      <a:effectRef idx="3">
+        <a:scrgbClr r="0" g="0" b="0"/>
+      </a:effectRef>
+      <a:fontRef idx="minor">
+        <a:schemeClr val="lt1"/>
+      </a:fontRef>
+    </dgm:style>
+  </dgm:styleLbl>
+  <dgm:styleLbl name="node2">
+    <dgm:scene3d>
+      <a:camera prst="orthographicFront"/>
+      <a:lightRig rig="threePt" dir="t"/>
+    </dgm:scene3d>
+    <dgm:sp3d/>
+    <dgm:txPr/>
+    <dgm:style>
+      <a:lnRef idx="0">
+        <a:scrgbClr r="0" g="0" b="0"/>
+      </a:lnRef>
+      <a:fillRef idx="3">
+        <a:scrgbClr r="0" g="0" b="0"/>
+      </a:fillRef>
+      <a:effectRef idx="3">
+        <a:scrgbClr r="0" g="0" b="0"/>
+      </a:effectRef>
+      <a:fontRef idx="minor">
+        <a:schemeClr val="lt1"/>
+      </a:fontRef>
+    </dgm:style>
+  </dgm:styleLbl>
+  <dgm:styleLbl name="node3">
+    <dgm:scene3d>
+      <a:camera prst="orthographicFront"/>
+      <a:lightRig rig="threePt" dir="t"/>
+    </dgm:scene3d>
+    <dgm:sp3d/>
+    <dgm:txPr/>
+    <dgm:style>
+      <a:lnRef idx="0">
+        <a:scrgbClr r="0" g="0" b="0"/>
+      </a:lnRef>
+      <a:fillRef idx="3">
+        <a:scrgbClr r="0" g="0" b="0"/>
+      </a:fillRef>
+      <a:effectRef idx="3">
+        <a:scrgbClr r="0" g="0" b="0"/>
+      </a:effectRef>
+      <a:fontRef idx="minor">
+        <a:schemeClr val="lt1"/>
+      </a:fontRef>
+    </dgm:style>
+  </dgm:styleLbl>
+  <dgm:styleLbl name="node4">
+    <dgm:scene3d>
+      <a:camera prst="orthographicFront"/>
+      <a:lightRig rig="threePt" dir="t"/>
+    </dgm:scene3d>
+    <dgm:sp3d/>
+    <dgm:txPr/>
+    <dgm:style>
+      <a:lnRef idx="0">
+        <a:scrgbClr r="0" g="0" b="0"/>
+      </a:lnRef>
+      <a:fillRef idx="3">
+        <a:scrgbClr r="0" g="0" b="0"/>
+      </a:fillRef>
+      <a:effectRef idx="3">
+        <a:scrgbClr r="0" g="0" b="0"/>
+      </a:effectRef>
+      <a:fontRef idx="minor">
+        <a:schemeClr val="lt1"/>
+      </a:fontRef>
+    </dgm:style>
+  </dgm:styleLbl>
+  <dgm:styleLbl name="fgImgPlace1">
+    <dgm:scene3d>
+      <a:camera prst="orthographicFront"/>
+      <a:lightRig rig="threePt" dir="t"/>
+    </dgm:scene3d>
+    <dgm:sp3d/>
+    <dgm:txPr/>
+    <dgm:style>
+      <a:lnRef idx="0">
+        <a:scrgbClr r="0" g="0" b="0"/>
+      </a:lnRef>
+      <a:fillRef idx="1">
+        <a:scrgbClr r="0" g="0" b="0"/>
+      </a:fillRef>
+      <a:effectRef idx="3">
+        <a:scrgbClr r="0" g="0" b="0"/>
+      </a:effectRef>
+      <a:fontRef idx="minor"/>
+    </dgm:style>
+  </dgm:styleLbl>
+  <dgm:styleLbl name="alignImgPlace1">
+    <dgm:scene3d>
+      <a:camera prst="orthographicFront"/>
+      <a:lightRig rig="threePt" dir="t"/>
+    </dgm:scene3d>
+    <dgm:sp3d/>
+    <dgm:txPr/>
+    <dgm:style>
+      <a:lnRef idx="0">
+        <a:scrgbClr r="0" g="0" b="0"/>
+      </a:lnRef>
+      <a:fillRef idx="1">
+        <a:scrgbClr r="0" g="0" b="0"/>
+      </a:fillRef>
+      <a:effectRef idx="3">
+        <a:scrgbClr r="0" g="0" b="0"/>
+      </a:effectRef>
+      <a:fontRef idx="minor"/>
+    </dgm:style>
+  </dgm:styleLbl>
+  <dgm:styleLbl name="bgImgPlace1">
+    <dgm:scene3d>
+      <a:camera prst="orthographicFront"/>
+      <a:lightRig rig="threePt" dir="t"/>
+    </dgm:scene3d>
+    <dgm:sp3d/>
+    <dgm:txPr/>
+    <dgm:style>
+      <a:lnRef idx="0">
+        <a:scrgbClr r="0" g="0" b="0"/>
+      </a:lnRef>
+      <a:fillRef idx="1">
+        <a:scrgbClr r="0" g="0" b="0"/>
+      </a:fillRef>
+      <a:effectRef idx="3">
+        <a:scrgbClr r="0" g="0" b="0"/>
+      </a:effectRef>
+      <a:fontRef idx="minor"/>
+    </dgm:style>
+  </dgm:styleLbl>
+  <dgm:styleLbl name="sibTrans2D1">
+    <dgm:scene3d>
+      <a:camera prst="orthographicFront"/>
+      <a:lightRig rig="threePt" dir="t"/>
+    </dgm:scene3d>
+    <dgm:sp3d/>
+    <dgm:txPr/>
+    <dgm:style>
+      <a:lnRef idx="0">
+        <a:scrgbClr r="0" g="0" b="0"/>
+      </a:lnRef>
+      <a:fillRef idx="3">
+        <a:scrgbClr r="0" g="0" b="0"/>
+      </a:fillRef>
+      <a:effectRef idx="3">
+        <a:scrgbClr r="0" g="0" b="0"/>
+      </a:effectRef>
+      <a:fontRef idx="minor">
+        <a:schemeClr val="lt1"/>
+      </a:fontRef>
+    </dgm:style>
+  </dgm:styleLbl>
+  <dgm:styleLbl name="fgSibTrans2D1">
+    <dgm:scene3d>
+      <a:camera prst="orthographicFront"/>
+      <a:lightRig rig="threePt" dir="t"/>
+    </dgm:scene3d>
+    <dgm:sp3d/>
+    <dgm:txPr/>
+    <dgm:style>
+      <a:lnRef idx="0">
+        <a:scrgbClr r="0" g="0" b="0"/>
+      </a:lnRef>
+      <a:fillRef idx="3">
+        <a:scrgbClr r="0" g="0" b="0"/>
+      </a:fillRef>
+      <a:effectRef idx="3">
+        <a:scrgbClr r="0" g="0" b="0"/>
+      </a:effectRef>
+      <a:fontRef idx="minor">
+        <a:schemeClr val="lt1"/>
+      </a:fontRef>
+    </dgm:style>
+  </dgm:styleLbl>
+  <dgm:styleLbl name="bgSibTrans2D1">
+    <dgm:scene3d>
+      <a:camera prst="orthographicFront"/>
+      <a:lightRig rig="threePt" dir="t"/>
+    </dgm:scene3d>
+    <dgm:sp3d/>
+    <dgm:txPr/>
+    <dgm:style>
+      <a:lnRef idx="0">
+        <a:scrgbClr r="0" g="0" b="0"/>
+      </a:lnRef>
+      <a:fillRef idx="3">
+        <a:scrgbClr r="0" g="0" b="0"/>
+      </a:fillRef>
+      <a:effectRef idx="3">
+        <a:scrgbClr r="0" g="0" b="0"/>
+      </a:effectRef>
+      <a:fontRef idx="minor">
+        <a:schemeClr val="lt1"/>
+      </a:fontRef>
+    </dgm:style>
+  </dgm:styleLbl>
+  <dgm:styleLbl name="sibTrans1D1">
+    <dgm:scene3d>
+      <a:camera prst="orthographicFront"/>
+      <a:lightRig rig="threePt" dir="t"/>
+    </dgm:scene3d>
+    <dgm:sp3d/>
+    <dgm:txPr/>
+    <dgm:style>
+      <a:lnRef idx="1">
+        <a:scrgbClr r="0" g="0" b="0"/>
+      </a:lnRef>
+      <a:fillRef idx="0">
+        <a:scrgbClr r="0" g="0" b="0"/>
+      </a:fillRef>
+      <a:effectRef idx="0">
+        <a:scrgbClr r="0" g="0" b="0"/>
+      </a:effectRef>
+      <a:fontRef idx="minor"/>
+    </dgm:style>
+  </dgm:styleLbl>
+  <dgm:styleLbl name="callout">
+    <dgm:scene3d>
+      <a:camera prst="orthographicFront"/>
+      <a:lightRig rig="threePt" dir="t"/>
+    </dgm:scene3d>
+    <dgm:sp3d/>
+    <dgm:txPr/>
+    <dgm:style>
+      <a:lnRef idx="1">
+        <a:scrgbClr r="0" g="0" b="0"/>
+      </a:lnRef>
+      <a:fillRef idx="0">
+        <a:scrgbClr r="0" g="0" b="0"/>
+      </a:fillRef>
+      <a:effectRef idx="1">
+        <a:scrgbClr r="0" g="0" b="0"/>
+      </a:effectRef>
+      <a:fontRef idx="minor"/>
+    </dgm:style>
+  </dgm:styleLbl>
+  <dgm:styleLbl name="asst0">
+    <dgm:scene3d>
+      <a:camera prst="orthographicFront"/>
+      <a:lightRig rig="threePt" dir="t"/>
+    </dgm:scene3d>
+    <dgm:sp3d/>
+    <dgm:txPr/>
+    <dgm:style>
+      <a:lnRef idx="0">
+        <a:scrgbClr r="0" g="0" b="0"/>
+      </a:lnRef>
+      <a:fillRef idx="3">
+        <a:scrgbClr r="0" g="0" b="0"/>
+      </a:fillRef>
+      <a:effectRef idx="3">
+        <a:scrgbClr r="0" g="0" b="0"/>
+      </a:effectRef>
+      <a:fontRef idx="minor">
+        <a:schemeClr val="lt1"/>
+      </a:fontRef>
+    </dgm:style>
+  </dgm:styleLbl>
+  <dgm:styleLbl name="asst1">
+    <dgm:scene3d>
+      <a:camera prst="orthographicFront"/>
+      <a:lightRig rig="threePt" dir="t"/>
+    </dgm:scene3d>
+    <dgm:sp3d/>
+    <dgm:txPr/>
+    <dgm:style>
+      <a:lnRef idx="0">
+        <a:scrgbClr r="0" g="0" b="0"/>
+      </a:lnRef>
+      <a:fillRef idx="3">
+        <a:scrgbClr r="0" g="0" b="0"/>
+      </a:fillRef>
+      <a:effectRef idx="3">
+        <a:scrgbClr r="0" g="0" b="0"/>
+      </a:effectRef>
+      <a:fontRef idx="minor">
+        <a:schemeClr val="lt1"/>
+      </a:fontRef>
+    </dgm:style>
+  </dgm:styleLbl>
+  <dgm:styleLbl name="asst2">
+    <dgm:scene3d>
+      <a:camera prst="orthographicFront"/>
+      <a:lightRig rig="threePt" dir="t"/>
+    </dgm:scene3d>
+    <dgm:sp3d/>
+    <dgm:txPr/>
+    <dgm:style>
+      <a:lnRef idx="0">
+        <a:scrgbClr r="0" g="0" b="0"/>
+      </a:lnRef>
+      <a:fillRef idx="3">
+        <a:scrgbClr r="0" g="0" b="0"/>
+      </a:fillRef>
+      <a:effectRef idx="3">
+        <a:scrgbClr r="0" g="0" b="0"/>
+      </a:effectRef>
+      <a:fontRef idx="minor">
+        <a:schemeClr val="lt1"/>
+      </a:fontRef>
+    </dgm:style>
+  </dgm:styleLbl>
+  <dgm:styleLbl name="asst3">
+    <dgm:scene3d>
+      <a:camera prst="orthographicFront"/>
+      <a:lightRig rig="threePt" dir="t"/>
+    </dgm:scene3d>
+    <dgm:sp3d/>
+    <dgm:txPr/>
+    <dgm:style>
+      <a:lnRef idx="0">
+        <a:scrgbClr r="0" g="0" b="0"/>
+      </a:lnRef>
+      <a:fillRef idx="3">
+        <a:scrgbClr r="0" g="0" b="0"/>
+      </a:fillRef>
+      <a:effectRef idx="3">
+        <a:scrgbClr r="0" g="0" b="0"/>
+      </a:effectRef>
+      <a:fontRef idx="minor">
+        <a:schemeClr val="lt1"/>
+      </a:fontRef>
+    </dgm:style>
+  </dgm:styleLbl>
+  <dgm:styleLbl name="asst4">
+    <dgm:scene3d>
+      <a:camera prst="orthographicFront"/>
+      <a:lightRig rig="threePt" dir="t"/>
+    </dgm:scene3d>
+    <dgm:sp3d/>
+    <dgm:txPr/>
+    <dgm:style>
+      <a:lnRef idx="0">
+        <a:scrgbClr r="0" g="0" b="0"/>
+      </a:lnRef>
+      <a:fillRef idx="3">
+        <a:scrgbClr r="0" g="0" b="0"/>
+      </a:fillRef>
+      <a:effectRef idx="3">
+        <a:scrgbClr r="0" g="0" b="0"/>
+      </a:effectRef>
+      <a:fontRef idx="minor">
+        <a:schemeClr val="lt1"/>
+      </a:fontRef>
+    </dgm:style>
+  </dgm:styleLbl>
+  <dgm:styleLbl name="parChTrans2D1">
+    <dgm:scene3d>
+      <a:camera prst="orthographicFront"/>
+      <a:lightRig rig="threePt" dir="t"/>
+    </dgm:scene3d>
+    <dgm:sp3d/>
+    <dgm:txPr/>
+    <dgm:style>
+      <a:lnRef idx="0">
+        <a:scrgbClr r="0" g="0" b="0"/>
+      </a:lnRef>
+      <a:fillRef idx="3">
+        <a:scrgbClr r="0" g="0" b="0"/>
+      </a:fillRef>
+      <a:effectRef idx="3">
+        <a:scrgbClr r="0" g="0" b="0"/>
+      </a:effectRef>
+      <a:fontRef idx="minor">
+        <a:schemeClr val="lt1"/>
+      </a:fontRef>
+    </dgm:style>
+  </dgm:styleLbl>
+  <dgm:styleLbl name="parChTrans2D2">
+    <dgm:scene3d>
+      <a:camera prst="orthographicFront"/>
+      <a:lightRig rig="threePt" dir="t"/>
+    </dgm:scene3d>
+    <dgm:sp3d/>
+    <dgm:txPr/>
+    <dgm:style>
+      <a:lnRef idx="0">
+        <a:scrgbClr r="0" g="0" b="0"/>
+      </a:lnRef>
+      <a:fillRef idx="3">
+        <a:scrgbClr r="0" g="0" b="0"/>
+      </a:fillRef>
+      <a:effectRef idx="3">
+        <a:scrgbClr r="0" g="0" b="0"/>
+      </a:effectRef>
+      <a:fontRef idx="minor">
+        <a:schemeClr val="lt1"/>
+      </a:fontRef>
+    </dgm:style>
+  </dgm:styleLbl>
+  <dgm:styleLbl name="parChTrans2D3">
+    <dgm:scene3d>
+      <a:camera prst="orthographicFront"/>
+      <a:lightRig rig="threePt" dir="t"/>
+    </dgm:scene3d>
+    <dgm:sp3d/>
+    <dgm:txPr/>
+    <dgm:style>
+      <a:lnRef idx="0">
+        <a:scrgbClr r="0" g="0" b="0"/>
+      </a:lnRef>
+      <a:fillRef idx="3">
+        <a:scrgbClr r="0" g="0" b="0"/>
+      </a:fillRef>
+      <a:effectRef idx="3">
+        <a:scrgbClr r="0" g="0" b="0"/>
+      </a:effectRef>
+      <a:fontRef idx="minor">
+        <a:schemeClr val="lt1"/>
+      </a:fontRef>
+    </dgm:style>
+  </dgm:styleLbl>
+  <dgm:styleLbl name="parChTrans2D4">
+    <dgm:scene3d>
+      <a:camera prst="orthographicFront"/>
+      <a:lightRig rig="threePt" dir="t"/>
+    </dgm:scene3d>
+    <dgm:sp3d/>
+    <dgm:txPr/>
+    <dgm:style>
+      <a:lnRef idx="0">
+        <a:scrgbClr r="0" g="0" b="0"/>
+      </a:lnRef>
+      <a:fillRef idx="3">
+        <a:scrgbClr r="0" g="0" b="0"/>
+      </a:fillRef>
+      <a:effectRef idx="3">
+        <a:scrgbClr r="0" g="0" b="0"/>
+      </a:effectRef>
+      <a:fontRef idx="minor">
+        <a:schemeClr val="lt1"/>
+      </a:fontRef>
+    </dgm:style>
+  </dgm:styleLbl>
+  <dgm:styleLbl name="parChTrans1D1">
+    <dgm:scene3d>
+      <a:camera prst="orthographicFront"/>
+      <a:lightRig rig="threePt" dir="t"/>
+    </dgm:scene3d>
+    <dgm:sp3d/>
+    <dgm:txPr/>
+    <dgm:style>
+      <a:lnRef idx="2">
+        <a:scrgbClr r="0" g="0" b="0"/>
+      </a:lnRef>
+      <a:fillRef idx="0">
+        <a:scrgbClr r="0" g="0" b="0"/>
+      </a:fillRef>
+      <a:effectRef idx="0">
+        <a:scrgbClr r="0" g="0" b="0"/>
+      </a:effectRef>
+      <a:fontRef idx="minor"/>
+    </dgm:style>
+  </dgm:styleLbl>
+  <dgm:styleLbl name="parChTrans1D2">
+    <dgm:scene3d>
+      <a:camera prst="orthographicFront"/>
+      <a:lightRig rig="threePt" dir="t"/>
+    </dgm:scene3d>
+    <dgm:sp3d/>
+    <dgm:txPr/>
+    <dgm:style>
+      <a:lnRef idx="2">
+        <a:scrgbClr r="0" g="0" b="0"/>
+      </a:lnRef>
+      <a:fillRef idx="0">
+        <a:scrgbClr r="0" g="0" b="0"/>
+      </a:fillRef>
+      <a:effectRef idx="0">
+        <a:scrgbClr r="0" g="0" b="0"/>
+      </a:effectRef>
+      <a:fontRef idx="minor"/>
+    </dgm:style>
+  </dgm:styleLbl>
+  <dgm:styleLbl name="parChTrans1D3">
+    <dgm:scene3d>
+      <a:camera prst="orthographicFront"/>
+      <a:lightRig rig="threePt" dir="t"/>
+    </dgm:scene3d>
+    <dgm:sp3d/>
+    <dgm:txPr/>
+    <dgm:style>
+      <a:lnRef idx="2">
+        <a:scrgbClr r="0" g="0" b="0"/>
+      </a:lnRef>
+      <a:fillRef idx="0">
+        <a:scrgbClr r="0" g="0" b="0"/>
+      </a:fillRef>
+      <a:effectRef idx="0">
+        <a:scrgbClr r="0" g="0" b="0"/>
+      </a:effectRef>
+      <a:fontRef idx="minor"/>
+    </dgm:style>
+  </dgm:styleLbl>
+  <dgm:styleLbl name="parChTrans1D4">
+    <dgm:scene3d>
+      <a:camera prst="orthographicFront"/>
+      <a:lightRig rig="threePt" dir="t"/>
+    </dgm:scene3d>
+    <dgm:sp3d/>
+    <dgm:txPr/>
+    <dgm:style>
+      <a:lnRef idx="2">
+        <a:scrgbClr r="0" g="0" b="0"/>
+      </a:lnRef>
+      <a:fillRef idx="0">
+        <a:scrgbClr r="0" g="0" b="0"/>
+      </a:fillRef>
+      <a:effectRef idx="0">
+        <a:scrgbClr r="0" g="0" b="0"/>
+      </a:effectRef>
+      <a:fontRef idx="minor"/>
+    </dgm:style>
+  </dgm:styleLbl>
+  <dgm:styleLbl name="fgAcc1">
+    <dgm:scene3d>
+      <a:camera prst="orthographicFront"/>
+      <a:lightRig rig="threePt" dir="t"/>
+    </dgm:scene3d>
+    <dgm:sp3d/>
+    <dgm:txPr/>
+    <dgm:style>
+      <a:lnRef idx="1">
+        <a:scrgbClr r="0" g="0" b="0"/>
+      </a:lnRef>
+      <a:fillRef idx="1">
+        <a:scrgbClr r="0" g="0" b="0"/>
+      </a:fillRef>
+      <a:effectRef idx="2">
+        <a:scrgbClr r="0" g="0" b="0"/>
+      </a:effectRef>
+      <a:fontRef idx="minor"/>
+    </dgm:style>
+  </dgm:styleLbl>
+  <dgm:styleLbl name="conFgAcc1">
+    <dgm:scene3d>
+      <a:camera prst="orthographicFront"/>
+      <a:lightRig rig="threePt" dir="t"/>
+    </dgm:scene3d>
+    <dgm:sp3d/>
+    <dgm:txPr/>
+    <dgm:style>
+      <a:lnRef idx="1">
+        <a:scrgbClr r="0" g="0" b="0"/>
+      </a:lnRef>
+      <a:fillRef idx="1">
+        <a:scrgbClr r="0" g="0" b="0"/>
+      </a:fillRef>
+      <a:effectRef idx="2">
+        <a:scrgbClr r="0" g="0" b="0"/>
+      </a:effectRef>
+      <a:fontRef idx="minor"/>
+    </dgm:style>
+  </dgm:styleLbl>
+  <dgm:styleLbl name="alignAcc1">
+    <dgm:scene3d>
+      <a:camera prst="orthographicFront"/>
+      <a:lightRig rig="threePt" dir="t"/>
+    </dgm:scene3d>
+    <dgm:sp3d/>
+    <dgm:txPr/>
+    <dgm:style>
+      <a:lnRef idx="1">
+        <a:scrgbClr r="0" g="0" b="0"/>
+      </a:lnRef>
+      <a:fillRef idx="1">
+        <a:scrgbClr r="0" g="0" b="0"/>
+      </a:fillRef>
+      <a:effectRef idx="2">
+        <a:scrgbClr r="0" g="0" b="0"/>
+      </a:effectRef>
+      <a:fontRef idx="minor"/>
+    </dgm:style>
+  </dgm:styleLbl>
+  <dgm:styleLbl name="trAlignAcc1">
+    <dgm:scene3d>
+      <a:camera prst="orthographicFront"/>
+      <a:lightRig rig="threePt" dir="t"/>
+    </dgm:scene3d>
+    <dgm:sp3d/>
+    <dgm:txPr/>
+    <dgm:style>
+      <a:lnRef idx="1">
+        <a:scrgbClr r="0" g="0" b="0"/>
+      </a:lnRef>
+      <a:fillRef idx="1">
+        <a:scrgbClr r="0" g="0" b="0"/>
+      </a:fillRef>
+      <a:effectRef idx="0">
+        <a:scrgbClr r="0" g="0" b="0"/>
+      </a:effectRef>
+      <a:fontRef idx="minor"/>
+    </dgm:style>
+  </dgm:styleLbl>
+  <dgm:styleLbl name="bgAcc1">
+    <dgm:scene3d>
+      <a:camera prst="orthographicFront"/>
+      <a:lightRig rig="threePt" dir="t"/>
+    </dgm:scene3d>
+    <dgm:sp3d/>
+    <dgm:txPr/>
+    <dgm:style>
+      <a:lnRef idx="1">
+        <a:scrgbClr r="0" g="0" b="0"/>
+      </a:lnRef>
+      <a:fillRef idx="1">
+        <a:scrgbClr r="0" g="0" b="0"/>
+      </a:fillRef>
+      <a:effectRef idx="2">
+        <a:scrgbClr r="0" g="0" b="0"/>
+      </a:effectRef>
+      <a:fontRef idx="minor"/>
+    </dgm:style>
+  </dgm:styleLbl>
+  <dgm:styleLbl name="solidFgAcc1">
+    <dgm:scene3d>
+      <a:camera prst="orthographicFront"/>
+      <a:lightRig rig="threePt" dir="t"/>
+    </dgm:scene3d>
+    <dgm:sp3d/>
+    <dgm:txPr/>
+    <dgm:style>
+      <a:lnRef idx="1">
+        <a:scrgbClr r="0" g="0" b="0"/>
+      </a:lnRef>
+      <a:fillRef idx="1">
+        <a:scrgbClr r="0" g="0" b="0"/>
+      </a:fillRef>
+      <a:effectRef idx="2">
+        <a:scrgbClr r="0" g="0" b="0"/>
+      </a:effectRef>
+      <a:fontRef idx="minor"/>
+    </dgm:style>
+  </dgm:styleLbl>
+  <dgm:styleLbl name="solidAlignAcc1">
+    <dgm:scene3d>
+      <a:camera prst="orthographicFront"/>
+      <a:lightRig rig="threePt" dir="t"/>
+    </dgm:scene3d>
+    <dgm:sp3d/>
+    <dgm:txPr/>
+    <dgm:style>
+      <a:lnRef idx="1">
+        <a:scrgbClr r="0" g="0" b="0"/>
+      </a:lnRef>
+      <a:fillRef idx="1">
+        <a:scrgbClr r="0" g="0" b="0"/>
+      </a:fillRef>
+      <a:effectRef idx="3">
+        <a:scrgbClr r="0" g="0" b="0"/>
+      </a:effectRef>
+      <a:fontRef idx="minor"/>
+    </dgm:style>
+  </dgm:styleLbl>
+  <dgm:styleLbl name="solidBgAcc1">
+    <dgm:scene3d>
+      <a:camera prst="orthographicFront"/>
+      <a:lightRig rig="threePt" dir="t"/>
+    </dgm:scene3d>
+    <dgm:sp3d/>
+    <dgm:txPr/>
+    <dgm:style>
+      <a:lnRef idx="1">
+        <a:scrgbClr r="0" g="0" b="0"/>
+      </a:lnRef>
+      <a:fillRef idx="1">
+        <a:scrgbClr r="0" g="0" b="0"/>
+      </a:fillRef>
+      <a:effectRef idx="3">
+        <a:scrgbClr r="0" g="0" b="0"/>
+      </a:effectRef>
+      <a:fontRef idx="minor"/>
+    </dgm:style>
+  </dgm:styleLbl>
+  <dgm:styleLbl name="fgAccFollowNode1">
+    <dgm:scene3d>
+      <a:camera prst="orthographicFront"/>
+      <a:lightRig rig="threePt" dir="t"/>
+    </dgm:scene3d>
+    <dgm:sp3d/>
+    <dgm:txPr/>
+    <dgm:style>
+      <a:lnRef idx="1">
+        <a:scrgbClr r="0" g="0" b="0"/>
+      </a:lnRef>
+      <a:fillRef idx="1">
+        <a:scrgbClr r="0" g="0" b="0"/>
+      </a:fillRef>
+      <a:effectRef idx="2">
+        <a:scrgbClr r="0" g="0" b="0"/>
+      </a:effectRef>
+      <a:fontRef idx="minor"/>
+    </dgm:style>
+  </dgm:styleLbl>
+  <dgm:styleLbl name="alignAccFollowNode1">
+    <dgm:scene3d>
+      <a:camera prst="orthographicFront"/>
+      <a:lightRig rig="threePt" dir="t"/>
+    </dgm:scene3d>
+    <dgm:sp3d/>
+    <dgm:txPr/>
+    <dgm:style>
+      <a:lnRef idx="1">
+        <a:scrgbClr r="0" g="0" b="0"/>
+      </a:lnRef>
+      <a:fillRef idx="1">
+        <a:scrgbClr r="0" g="0" b="0"/>
+      </a:fillRef>
+      <a:effectRef idx="2">
+        <a:scrgbClr r="0" g="0" b="0"/>
+      </a:effectRef>
+      <a:fontRef idx="minor"/>
+    </dgm:style>
+  </dgm:styleLbl>
+  <dgm:styleLbl name="bgAccFollowNode1">
+    <dgm:scene3d>
+      <a:camera prst="orthographicFront"/>
+      <a:lightRig rig="threePt" dir="t"/>
+    </dgm:scene3d>
+    <dgm:sp3d/>
+    <dgm:txPr/>
+    <dgm:style>
+      <a:lnRef idx="1">
+        <a:scrgbClr r="0" g="0" b="0"/>
+      </a:lnRef>
+      <a:fillRef idx="1">
+        <a:scrgbClr r="0" g="0" b="0"/>
+      </a:fillRef>
+      <a:effectRef idx="2">
+        <a:scrgbClr r="0" g="0" b="0"/>
+      </a:effectRef>
+      <a:fontRef idx="minor"/>
+    </dgm:style>
+  </dgm:styleLbl>
+  <dgm:styleLbl name="fgAcc0">
+    <dgm:scene3d>
+      <a:camera prst="orthographicFront"/>
+      <a:lightRig rig="threePt" dir="t"/>
+    </dgm:scene3d>
+    <dgm:sp3d/>
+    <dgm:txPr/>
+    <dgm:style>
+      <a:lnRef idx="1">
+        <a:scrgbClr r="0" g="0" b="0"/>
+      </a:lnRef>
+      <a:fillRef idx="1">
+        <a:scrgbClr r="0" g="0" b="0"/>
+      </a:fillRef>
+      <a:effectRef idx="2">
+        <a:scrgbClr r="0" g="0" b="0"/>
+      </a:effectRef>
+      <a:fontRef idx="minor"/>
+    </dgm:style>
+  </dgm:styleLbl>
+  <dgm:styleLbl name="fgAcc2">
+    <dgm:scene3d>
+      <a:camera prst="orthographicFront"/>
+      <a:lightRig rig="threePt" dir="t"/>
+    </dgm:scene3d>
+    <dgm:sp3d/>
+    <dgm:txPr/>
+    <dgm:style>
+      <a:lnRef idx="1">
+        <a:scrgbClr r="0" g="0" b="0"/>
+      </a:lnRef>
+      <a:fillRef idx="1">
+        <a:scrgbClr r="0" g="0" b="0"/>
+      </a:fillRef>
+      <a:effectRef idx="2">
+        <a:scrgbClr r="0" g="0" b="0"/>
+      </a:effectRef>
+      <a:fontRef idx="minor"/>
+    </dgm:style>
+  </dgm:styleLbl>
+  <dgm:styleLbl name="fgAcc3">
+    <dgm:scene3d>
+      <a:camera prst="orthographicFront"/>
+      <a:lightRig rig="threePt" dir="t"/>
+    </dgm:scene3d>
+    <dgm:sp3d/>
+    <dgm:txPr/>
+    <dgm:style>
+      <a:lnRef idx="1">
+        <a:scrgbClr r="0" g="0" b="0"/>
+      </a:lnRef>
+      <a:fillRef idx="1">
+        <a:scrgbClr r="0" g="0" b="0"/>
+      </a:fillRef>
+      <a:effectRef idx="2">
+        <a:scrgbClr r="0" g="0" b="0"/>
+      </a:effectRef>
+      <a:fontRef idx="minor"/>
+    </dgm:style>
+  </dgm:styleLbl>
+  <dgm:styleLbl name="fgAcc4">
+    <dgm:scene3d>
+      <a:camera prst="orthographicFront"/>
+      <a:lightRig rig="threePt" dir="t"/>
+    </dgm:scene3d>
+    <dgm:sp3d/>
+    <dgm:txPr/>
+    <dgm:style>
+      <a:lnRef idx="1">
+        <a:scrgbClr r="0" g="0" b="0"/>
+      </a:lnRef>
+      <a:fillRef idx="1">
+        <a:scrgbClr r="0" g="0" b="0"/>
+      </a:fillRef>
+      <a:effectRef idx="2">
+        <a:scrgbClr r="0" g="0" b="0"/>
+      </a:effectRef>
+      <a:fontRef idx="minor"/>
+    </dgm:style>
+  </dgm:styleLbl>
+  <dgm:styleLbl name="bgShp">
+    <dgm:scene3d>
+      <a:camera prst="orthographicFront"/>
+      <a:lightRig rig="threePt" dir="t"/>
+    </dgm:scene3d>
+    <dgm:sp3d/>
+    <dgm:txPr/>
+    <dgm:style>
+      <a:lnRef idx="0">
+        <a:scrgbClr r="0" g="0" b="0"/>
+      </a:lnRef>
+      <a:fillRef idx="1">
+        <a:scrgbClr r="0" g="0" b="0"/>
+      </a:fillRef>
+      <a:effectRef idx="2">
+        <a:scrgbClr r="0" g="0" b="0"/>
+      </a:effectRef>
+      <a:fontRef idx="minor"/>
+    </dgm:style>
+  </dgm:styleLbl>
+  <dgm:styleLbl name="dkBgShp">
+    <dgm:scene3d>
+      <a:camera prst="orthographicFront"/>
+      <a:lightRig rig="threePt" dir="t"/>
+    </dgm:scene3d>
+    <dgm:sp3d/>
+    <dgm:txPr/>
+    <dgm:style>
+      <a:lnRef idx="0">
+        <a:scrgbClr r="0" g="0" b="0"/>
+      </a:lnRef>
+      <a:fillRef idx="1">
+        <a:scrgbClr r="0" g="0" b="0"/>
+      </a:fillRef>
+      <a:effectRef idx="3">
+        <a:scrgbClr r="0" g="0" b="0"/>
+      </a:effectRef>
+      <a:fontRef idx="minor"/>
+    </dgm:style>
+  </dgm:styleLbl>
+  <dgm:styleLbl name="trBgShp">
+    <dgm:scene3d>
+      <a:camera prst="orthographicFront"/>
+      <a:lightRig rig="threePt" dir="t"/>
+    </dgm:scene3d>
+    <dgm:sp3d/>
+    <dgm:txPr/>
+    <dgm:style>
+      <a:lnRef idx="0">
+        <a:scrgbClr r="0" g="0" b="0"/>
+      </a:lnRef>
+      <a:fillRef idx="1">
+        <a:scrgbClr r="0" g="0" b="0"/>
+      </a:fillRef>
+      <a:effectRef idx="0">
+        <a:scrgbClr r="0" g="0" b="0"/>
+      </a:effectRef>
+      <a:fontRef idx="minor"/>
+    </dgm:style>
+  </dgm:styleLbl>
+  <dgm:styleLbl name="fgShp">
+    <dgm:scene3d>
+      <a:camera prst="orthographicFront"/>
+      <a:lightRig rig="threePt" dir="t"/>
+    </dgm:scene3d>
+    <dgm:sp3d/>
+    <dgm:txPr/>
+    <dgm:style>
+      <a:lnRef idx="0">
+        <a:scrgbClr r="0" g="0" b="0"/>
+      </a:lnRef>
+      <a:fillRef idx="3">
+        <a:scrgbClr r="0" g="0" b="0"/>
+      </a:fillRef>
+      <a:effectRef idx="3">
+        <a:scrgbClr r="0" g="0" b="0"/>
+      </a:effectRef>
+      <a:fontRef idx="minor"/>
+    </dgm:style>
+  </dgm:styleLbl>
+  <dgm:styleLbl name="revTx">
+    <dgm:scene3d>
+      <a:camera prst="orthographicFront"/>
+      <a:lightRig rig="threePt" dir="t"/>
+    </dgm:scene3d>
+    <dgm:sp3d/>
+    <dgm:txPr/>
+    <dgm:style>
+      <a:lnRef idx="0">
+        <a:scrgbClr r="0" g="0" b="0"/>
+      </a:lnRef>
+      <a:fillRef idx="0">
+        <a:scrgbClr r="0" g="0" b="0"/>
+      </a:fillRef>
+      <a:effectRef idx="0">
+        <a:scrgbClr r="0" g="0" b="0"/>
+      </a:effectRef>
+      <a:fontRef idx="minor"/>
+    </dgm:style>
+  </dgm:styleLbl>
+</dgm:styleDef>
+</file>
+
+<file path=ppt/diagrams/quickStyle3.xml><?xml version="1.0" encoding="utf-8"?>
 <dgm:styleDef xmlns:dgm="http://schemas.openxmlformats.org/drawingml/2006/diagram" xmlns:a="http://schemas.openxmlformats.org/drawingml/2006/main" uniqueId="urn:microsoft.com/office/officeart/2005/8/quickstyle/simple5">
   <dgm:title val=""/>
   <dgm:desc val=""/>
@@ -14027,13 +16131,7 @@
   <p:cSld>
     <p:spTree>
       <p:nvGrpSpPr>
-        <p:cNvPr id="1" name="">
-          <a:extLst>
-            <a:ext uri="{FF2B5EF4-FFF2-40B4-BE49-F238E27FC236}">
-              <a16:creationId xmlns:a16="http://schemas.microsoft.com/office/drawing/2014/main" id="{9020D76A-6C66-7788-5DE2-A2D41ED5AD6C}"/>
-            </a:ext>
-          </a:extLst>
-        </p:cNvPr>
+        <p:cNvPr id="1" name=""/>
         <p:cNvGrpSpPr/>
         <p:nvPr/>
       </p:nvGrpSpPr>
@@ -14050,7 +16148,7 @@
           <p:cNvPr id="2" name="Title 1">
             <a:extLst>
               <a:ext uri="{FF2B5EF4-FFF2-40B4-BE49-F238E27FC236}">
-                <a16:creationId xmlns:a16="http://schemas.microsoft.com/office/drawing/2014/main" id="{739A6764-8360-C29F-4FB1-A5F76EBD6A54}"/>
+                <a16:creationId xmlns:a16="http://schemas.microsoft.com/office/drawing/2014/main" id="{D9EF4328-B15B-CFE4-AE38-E4734ABDEF3C}"/>
               </a:ext>
             </a:extLst>
           </p:cNvPr>
@@ -14075,7 +16173,7 @@
           <p:cNvPr id="3" name="Content Placeholder 2">
             <a:extLst>
               <a:ext uri="{FF2B5EF4-FFF2-40B4-BE49-F238E27FC236}">
-                <a16:creationId xmlns:a16="http://schemas.microsoft.com/office/drawing/2014/main" id="{A2A0A08C-E935-2CF1-EA8C-03544D078FDA}"/>
+                <a16:creationId xmlns:a16="http://schemas.microsoft.com/office/drawing/2014/main" id="{9DE2E564-0C32-49D9-AEAE-7E70C6CC2891}"/>
               </a:ext>
             </a:extLst>
           </p:cNvPr>
@@ -14098,7 +16196,7 @@
     </p:spTree>
     <p:extLst>
       <p:ext uri="{BB962C8B-B14F-4D97-AF65-F5344CB8AC3E}">
-        <p14:creationId xmlns:p14="http://schemas.microsoft.com/office/powerpoint/2010/main" val="3473066507"/>
+        <p14:creationId xmlns:p14="http://schemas.microsoft.com/office/powerpoint/2010/main" val="1071739831"/>
       </p:ext>
     </p:extLst>
   </p:cSld>
@@ -14113,13 +16211,7 @@
   <p:cSld>
     <p:spTree>
       <p:nvGrpSpPr>
-        <p:cNvPr id="1" name="">
-          <a:extLst>
-            <a:ext uri="{FF2B5EF4-FFF2-40B4-BE49-F238E27FC236}">
-              <a16:creationId xmlns:a16="http://schemas.microsoft.com/office/drawing/2014/main" id="{DD784495-9434-F90C-45BC-5835B35FB8E4}"/>
-            </a:ext>
-          </a:extLst>
-        </p:cNvPr>
+        <p:cNvPr id="1" name=""/>
         <p:cNvGrpSpPr/>
         <p:nvPr/>
       </p:nvGrpSpPr>
@@ -14136,7 +16228,7 @@
           <p:cNvPr id="2" name="Title 1">
             <a:extLst>
               <a:ext uri="{FF2B5EF4-FFF2-40B4-BE49-F238E27FC236}">
-                <a16:creationId xmlns:a16="http://schemas.microsoft.com/office/drawing/2014/main" id="{0AF8D977-2CE2-ECB1-725E-C665024F0A40}"/>
+                <a16:creationId xmlns:a16="http://schemas.microsoft.com/office/drawing/2014/main" id="{52F67A1D-2245-8412-803F-87985DA65995}"/>
               </a:ext>
             </a:extLst>
           </p:cNvPr>
@@ -14161,7 +16253,7 @@
           <p:cNvPr id="3" name="Content Placeholder 2">
             <a:extLst>
               <a:ext uri="{FF2B5EF4-FFF2-40B4-BE49-F238E27FC236}">
-                <a16:creationId xmlns:a16="http://schemas.microsoft.com/office/drawing/2014/main" id="{03495A9D-2596-838A-D1A8-626E6B0A1BC3}"/>
+                <a16:creationId xmlns:a16="http://schemas.microsoft.com/office/drawing/2014/main" id="{B114D519-D14F-6145-E3C0-860780A111D1}"/>
               </a:ext>
             </a:extLst>
           </p:cNvPr>
@@ -14184,7 +16276,7 @@
     </p:spTree>
     <p:extLst>
       <p:ext uri="{BB962C8B-B14F-4D97-AF65-F5344CB8AC3E}">
-        <p14:creationId xmlns:p14="http://schemas.microsoft.com/office/powerpoint/2010/main" val="2927362872"/>
+        <p14:creationId xmlns:p14="http://schemas.microsoft.com/office/powerpoint/2010/main" val="187836874"/>
       </p:ext>
     </p:extLst>
   </p:cSld>
@@ -15067,8 +17159,8 @@
           <a:p>
             <a:pPr algn="r"/>
             <a:r>
-              <a:rPr lang="en-US" sz="4400"/>
-              <a:t>Then the Back-end</a:t>
+              <a:rPr lang="en-US" sz="4400" dirty="0"/>
+              <a:t>The Back-end</a:t>
             </a:r>
           </a:p>
         </p:txBody>
@@ -15089,14 +17181,14 @@
             <p:ph idx="1"/>
             <p:extLst>
               <p:ext uri="{D42A27DB-BD31-4B8C-83A1-F6EECF244321}">
-                <p14:modId xmlns:p14="http://schemas.microsoft.com/office/powerpoint/2010/main" val="3208476817"/>
+                <p14:modId xmlns:p14="http://schemas.microsoft.com/office/powerpoint/2010/main" val="696376011"/>
               </p:ext>
             </p:extLst>
           </p:nvPr>
         </p:nvGraphicFramePr>
         <p:xfrm>
-          <a:off x="5284788" y="639763"/>
-          <a:ext cx="6261100" cy="5578475"/>
+          <a:off x="5560875" y="1037329"/>
+          <a:ext cx="6051274" cy="5335518"/>
         </p:xfrm>
         <a:graphic>
           <a:graphicData uri="http://schemas.openxmlformats.org/drawingml/2006/diagram">
@@ -15118,6 +17210,129 @@
 </file>
 
 <file path=ppt/slides/slide4.xml><?xml version="1.0" encoding="utf-8"?>
+<p:sld xmlns:a="http://schemas.openxmlformats.org/drawingml/2006/main" xmlns:r="http://schemas.openxmlformats.org/officeDocument/2006/relationships" xmlns:p="http://schemas.openxmlformats.org/presentationml/2006/main">
+  <p:cSld>
+    <p:spTree>
+      <p:nvGrpSpPr>
+        <p:cNvPr id="1" name="">
+          <a:extLst>
+            <a:ext uri="{FF2B5EF4-FFF2-40B4-BE49-F238E27FC236}">
+              <a16:creationId xmlns:a16="http://schemas.microsoft.com/office/drawing/2014/main" id="{F0271F6F-8CB1-DCB0-8E62-306CD644C3DC}"/>
+            </a:ext>
+          </a:extLst>
+        </p:cNvPr>
+        <p:cNvGrpSpPr/>
+        <p:nvPr/>
+      </p:nvGrpSpPr>
+      <p:grpSpPr>
+        <a:xfrm>
+          <a:off x="0" y="0"/>
+          <a:ext cx="0" cy="0"/>
+          <a:chOff x="0" y="0"/>
+          <a:chExt cx="0" cy="0"/>
+        </a:xfrm>
+      </p:grpSpPr>
+      <p:sp>
+        <p:nvSpPr>
+          <p:cNvPr id="2" name="Title 1">
+            <a:extLst>
+              <a:ext uri="{FF2B5EF4-FFF2-40B4-BE49-F238E27FC236}">
+                <a16:creationId xmlns:a16="http://schemas.microsoft.com/office/drawing/2014/main" id="{DC641FC7-98AA-A1D7-34B9-C1EDDDCD6C4D}"/>
+              </a:ext>
+            </a:extLst>
+          </p:cNvPr>
+          <p:cNvSpPr>
+            <a:spLocks noGrp="1"/>
+          </p:cNvSpPr>
+          <p:nvPr>
+            <p:ph type="title"/>
+          </p:nvPr>
+        </p:nvSpPr>
+        <p:spPr/>
+        <p:txBody>
+          <a:bodyPr/>
+          <a:lstStyle/>
+          <a:p>
+            <a:r>
+              <a:rPr lang="en-US" dirty="0"/>
+              <a:t>The Back-end</a:t>
+            </a:r>
+          </a:p>
+        </p:txBody>
+      </p:sp>
+      <p:pic>
+        <p:nvPicPr>
+          <p:cNvPr id="81" name="Content Placeholder 80">
+            <a:extLst>
+              <a:ext uri="{FF2B5EF4-FFF2-40B4-BE49-F238E27FC236}">
+                <a16:creationId xmlns:a16="http://schemas.microsoft.com/office/drawing/2014/main" id="{2209B3BD-1816-5FAC-E24D-29CD2FECFFF3}"/>
+              </a:ext>
+            </a:extLst>
+          </p:cNvPr>
+          <p:cNvPicPr>
+            <a:picLocks noGrp="1" noChangeAspect="1"/>
+          </p:cNvPicPr>
+          <p:nvPr>
+            <p:ph idx="1"/>
+          </p:nvPr>
+        </p:nvPicPr>
+        <p:blipFill>
+          <a:blip r:embed="rId2"/>
+          <a:stretch>
+            <a:fillRect/>
+          </a:stretch>
+        </p:blipFill>
+        <p:spPr>
+          <a:xfrm>
+            <a:off x="5059533" y="2392091"/>
+            <a:ext cx="7128133" cy="3974794"/>
+          </a:xfrm>
+        </p:spPr>
+      </p:pic>
+      <p:graphicFrame>
+        <p:nvGraphicFramePr>
+          <p:cNvPr id="57" name="Content Placeholder 2">
+            <a:extLst>
+              <a:ext uri="{FF2B5EF4-FFF2-40B4-BE49-F238E27FC236}">
+                <a16:creationId xmlns:a16="http://schemas.microsoft.com/office/drawing/2014/main" id="{0B2724DB-F876-856A-A606-D6EDAE582620}"/>
+              </a:ext>
+            </a:extLst>
+          </p:cNvPr>
+          <p:cNvGraphicFramePr>
+            <a:graphicFrameLocks/>
+          </p:cNvGraphicFramePr>
+          <p:nvPr>
+            <p:extLst>
+              <p:ext uri="{D42A27DB-BD31-4B8C-83A1-F6EECF244321}">
+                <p14:modId xmlns:p14="http://schemas.microsoft.com/office/powerpoint/2010/main" val="1604523525"/>
+              </p:ext>
+            </p:extLst>
+          </p:nvPr>
+        </p:nvGraphicFramePr>
+        <p:xfrm>
+          <a:off x="83310" y="2218981"/>
+          <a:ext cx="4991101" cy="4330563"/>
+        </p:xfrm>
+        <a:graphic>
+          <a:graphicData uri="http://schemas.openxmlformats.org/drawingml/2006/diagram">
+            <dgm:relIds xmlns:dgm="http://schemas.openxmlformats.org/drawingml/2006/diagram" xmlns:r="http://schemas.openxmlformats.org/officeDocument/2006/relationships" r:dm="rId3" r:lo="rId4" r:qs="rId5" r:cs="rId6"/>
+          </a:graphicData>
+        </a:graphic>
+      </p:graphicFrame>
+    </p:spTree>
+    <p:extLst>
+      <p:ext uri="{BB962C8B-B14F-4D97-AF65-F5344CB8AC3E}">
+        <p14:creationId xmlns:p14="http://schemas.microsoft.com/office/powerpoint/2010/main" val="1436774238"/>
+      </p:ext>
+    </p:extLst>
+  </p:cSld>
+  <p:clrMapOvr>
+    <a:masterClrMapping/>
+  </p:clrMapOvr>
+</p:sld>
+</file>
+
+<file path=ppt/slides/slide5.xml><?xml version="1.0" encoding="utf-8"?>
 <p:sld xmlns:a="http://schemas.openxmlformats.org/drawingml/2006/main" xmlns:r="http://schemas.openxmlformats.org/officeDocument/2006/relationships" xmlns:p="http://schemas.openxmlformats.org/presentationml/2006/main">
   <p:cSld>
     <p:bg>
@@ -15481,8 +17696,8 @@
           <a:p>
             <a:pPr algn="r"/>
             <a:r>
-              <a:rPr lang="en-US" sz="4400"/>
-              <a:t>Lastly Paperwork</a:t>
+              <a:rPr lang="en-US" sz="4400" dirty="0"/>
+              <a:t>Paperwork</a:t>
             </a:r>
           </a:p>
         </p:txBody>
@@ -15531,7 +17746,7 @@
 </p:sld>
 </file>
 
-<file path=ppt/slides/slide5.xml><?xml version="1.0" encoding="utf-8"?>
+<file path=ppt/slides/slide6.xml><?xml version="1.0" encoding="utf-8"?>
 <p:sld xmlns:a="http://schemas.openxmlformats.org/drawingml/2006/main" xmlns:r="http://schemas.openxmlformats.org/officeDocument/2006/relationships" xmlns:p="http://schemas.openxmlformats.org/presentationml/2006/main">
   <p:cSld>
     <p:spTree>
@@ -15576,51 +17791,37 @@
           <a:lstStyle/>
           <a:p>
             <a:r>
-              <a:rPr lang="en-US"/>
-              <a:t>Architecture </a:t>
-            </a:r>
-            <a:r>
               <a:rPr lang="en-US" dirty="0"/>
-              <a:t>diagram</a:t>
+              <a:t>Front-end architecture diagram</a:t>
             </a:r>
           </a:p>
         </p:txBody>
       </p:sp>
-      <p:pic>
-        <p:nvPicPr>
-          <p:cNvPr id="7" name="Content Placeholder 6" descr="A diagram of a computer&#10;&#10;Description automatically generated">
+      <p:sp>
+        <p:nvSpPr>
+          <p:cNvPr id="3" name="Content Placeholder 2">
             <a:extLst>
               <a:ext uri="{FF2B5EF4-FFF2-40B4-BE49-F238E27FC236}">
-                <a16:creationId xmlns:a16="http://schemas.microsoft.com/office/drawing/2014/main" id="{7DE6F67B-2143-D923-9C43-635DA1686158}"/>
+                <a16:creationId xmlns:a16="http://schemas.microsoft.com/office/drawing/2014/main" id="{6B007754-9A68-5F9B-CF3C-54E3BB06F781}"/>
               </a:ext>
             </a:extLst>
           </p:cNvPr>
-          <p:cNvPicPr>
-            <a:picLocks noGrp="1" noChangeAspect="1"/>
-          </p:cNvPicPr>
+          <p:cNvSpPr>
+            <a:spLocks noGrp="1"/>
+          </p:cNvSpPr>
           <p:nvPr>
             <p:ph idx="1"/>
           </p:nvPr>
-        </p:nvPicPr>
-        <p:blipFill>
-          <a:blip r:embed="rId2">
-            <a:extLst>
-              <a:ext uri="{28A0092B-C50C-407E-A947-70E740481C1C}">
-                <a14:useLocalDpi xmlns:a14="http://schemas.microsoft.com/office/drawing/2010/main" val="0"/>
-              </a:ext>
-            </a:extLst>
-          </a:blip>
-          <a:stretch>
-            <a:fillRect/>
-          </a:stretch>
-        </p:blipFill>
-        <p:spPr>
-          <a:xfrm>
-            <a:off x="2630184" y="1979760"/>
-            <a:ext cx="6554913" cy="4878240"/>
-          </a:xfrm>
-        </p:spPr>
-      </p:pic>
+        </p:nvSpPr>
+        <p:spPr/>
+        <p:txBody>
+          <a:bodyPr/>
+          <a:lstStyle/>
+          <a:p>
+            <a:endParaRPr lang="en-US"/>
+          </a:p>
+        </p:txBody>
+      </p:sp>
     </p:spTree>
     <p:extLst>
       <p:ext uri="{BB962C8B-B14F-4D97-AF65-F5344CB8AC3E}">
@@ -15634,7 +17835,7 @@
 </p:sld>
 </file>
 
-<file path=ppt/slides/slide6.xml><?xml version="1.0" encoding="utf-8"?>
+<file path=ppt/slides/slide7.xml><?xml version="1.0" encoding="utf-8"?>
 <p:sld xmlns:a="http://schemas.openxmlformats.org/drawingml/2006/main" xmlns:r="http://schemas.openxmlformats.org/officeDocument/2006/relationships" xmlns:p="http://schemas.openxmlformats.org/presentationml/2006/main">
   <p:cSld>
     <p:spTree>
@@ -15708,10 +17909,12 @@
         </p:nvSpPr>
         <p:spPr/>
         <p:txBody>
-          <a:bodyPr/>
+          <a:bodyPr vert="horz" lIns="91440" tIns="45720" rIns="91440" bIns="45720" rtlCol="0" anchor="t">
+            <a:normAutofit/>
+          </a:bodyPr>
           <a:lstStyle/>
           <a:p>
-            <a:endParaRPr lang="en-US"/>
+            <a:endParaRPr lang="en-US" dirty="0"/>
           </a:p>
         </p:txBody>
       </p:sp>
@@ -15719,92 +17922,6 @@
     <p:extLst>
       <p:ext uri="{BB962C8B-B14F-4D97-AF65-F5344CB8AC3E}">
         <p14:creationId xmlns:p14="http://schemas.microsoft.com/office/powerpoint/2010/main" val="22475552"/>
-      </p:ext>
-    </p:extLst>
-  </p:cSld>
-  <p:clrMapOvr>
-    <a:masterClrMapping/>
-  </p:clrMapOvr>
-</p:sld>
-</file>
-
-<file path=ppt/slides/slide7.xml><?xml version="1.0" encoding="utf-8"?>
-<p:sld xmlns:a="http://schemas.openxmlformats.org/drawingml/2006/main" xmlns:r="http://schemas.openxmlformats.org/officeDocument/2006/relationships" xmlns:p="http://schemas.openxmlformats.org/presentationml/2006/main">
-  <p:cSld>
-    <p:spTree>
-      <p:nvGrpSpPr>
-        <p:cNvPr id="1" name="">
-          <a:extLst>
-            <a:ext uri="{FF2B5EF4-FFF2-40B4-BE49-F238E27FC236}">
-              <a16:creationId xmlns:a16="http://schemas.microsoft.com/office/drawing/2014/main" id="{F0271F6F-8CB1-DCB0-8E62-306CD644C3DC}"/>
-            </a:ext>
-          </a:extLst>
-        </p:cNvPr>
-        <p:cNvGrpSpPr/>
-        <p:nvPr/>
-      </p:nvGrpSpPr>
-      <p:grpSpPr>
-        <a:xfrm>
-          <a:off x="0" y="0"/>
-          <a:ext cx="0" cy="0"/>
-          <a:chOff x="0" y="0"/>
-          <a:chExt cx="0" cy="0"/>
-        </a:xfrm>
-      </p:grpSpPr>
-      <p:sp>
-        <p:nvSpPr>
-          <p:cNvPr id="2" name="Title 1">
-            <a:extLst>
-              <a:ext uri="{FF2B5EF4-FFF2-40B4-BE49-F238E27FC236}">
-                <a16:creationId xmlns:a16="http://schemas.microsoft.com/office/drawing/2014/main" id="{DC641FC7-98AA-A1D7-34B9-C1EDDDCD6C4D}"/>
-              </a:ext>
-            </a:extLst>
-          </p:cNvPr>
-          <p:cNvSpPr>
-            <a:spLocks noGrp="1"/>
-          </p:cNvSpPr>
-          <p:nvPr>
-            <p:ph type="title"/>
-          </p:nvPr>
-        </p:nvSpPr>
-        <p:spPr/>
-        <p:txBody>
-          <a:bodyPr/>
-          <a:lstStyle/>
-          <a:p>
-            <a:endParaRPr lang="en-US"/>
-          </a:p>
-        </p:txBody>
-      </p:sp>
-      <p:sp>
-        <p:nvSpPr>
-          <p:cNvPr id="3" name="Content Placeholder 2">
-            <a:extLst>
-              <a:ext uri="{FF2B5EF4-FFF2-40B4-BE49-F238E27FC236}">
-                <a16:creationId xmlns:a16="http://schemas.microsoft.com/office/drawing/2014/main" id="{8D72101E-D307-8A25-8F0A-9B34E296B925}"/>
-              </a:ext>
-            </a:extLst>
-          </p:cNvPr>
-          <p:cNvSpPr>
-            <a:spLocks noGrp="1"/>
-          </p:cNvSpPr>
-          <p:nvPr>
-            <p:ph idx="1"/>
-          </p:nvPr>
-        </p:nvSpPr>
-        <p:spPr/>
-        <p:txBody>
-          <a:bodyPr/>
-          <a:lstStyle/>
-          <a:p>
-            <a:endParaRPr lang="en-US"/>
-          </a:p>
-        </p:txBody>
-      </p:sp>
-    </p:spTree>
-    <p:extLst>
-      <p:ext uri="{BB962C8B-B14F-4D97-AF65-F5344CB8AC3E}">
-        <p14:creationId xmlns:p14="http://schemas.microsoft.com/office/powerpoint/2010/main" val="1436774238"/>
       </p:ext>
     </p:extLst>
   </p:cSld>

--- a/Phase 2 Documentation/Team_2_Presentation_2.pptx
+++ b/Phase 2 Documentation/Team_2_Presentation_2.pptx
@@ -17792,36 +17792,46 @@
           <a:p>
             <a:r>
               <a:rPr lang="en-US" dirty="0"/>
-              <a:t>Front-end architecture diagram</a:t>
+              <a:t>Architecture diagram</a:t>
             </a:r>
           </a:p>
         </p:txBody>
       </p:sp>
-      <p:sp>
-        <p:nvSpPr>
-          <p:cNvPr id="3" name="Content Placeholder 2">
+      <p:pic>
+        <p:nvPicPr>
+          <p:cNvPr id="5" name="Content Placeholder 4" descr="A diagram of a computer&#10;&#10;Description automatically generated">
             <a:extLst>
               <a:ext uri="{FF2B5EF4-FFF2-40B4-BE49-F238E27FC236}">
-                <a16:creationId xmlns:a16="http://schemas.microsoft.com/office/drawing/2014/main" id="{6B007754-9A68-5F9B-CF3C-54E3BB06F781}"/>
+                <a16:creationId xmlns:a16="http://schemas.microsoft.com/office/drawing/2014/main" id="{AB030C5F-EB57-5A9F-26EB-65EFB076EC99}"/>
               </a:ext>
             </a:extLst>
           </p:cNvPr>
-          <p:cNvSpPr>
-            <a:spLocks noGrp="1"/>
-          </p:cNvSpPr>
+          <p:cNvPicPr>
+            <a:picLocks noGrp="1" noChangeAspect="1"/>
+          </p:cNvPicPr>
           <p:nvPr>
             <p:ph idx="1"/>
           </p:nvPr>
-        </p:nvSpPr>
-        <p:spPr/>
-        <p:txBody>
-          <a:bodyPr/>
-          <a:lstStyle/>
-          <a:p>
-            <a:endParaRPr lang="en-US"/>
-          </a:p>
-        </p:txBody>
-      </p:sp>
+        </p:nvPicPr>
+        <p:blipFill>
+          <a:blip r:embed="rId2">
+            <a:extLst>
+              <a:ext uri="{28A0092B-C50C-407E-A947-70E740481C1C}">
+                <a14:useLocalDpi xmlns:a14="http://schemas.microsoft.com/office/drawing/2010/main" val="0"/>
+              </a:ext>
+            </a:extLst>
+          </a:blip>
+          <a:stretch>
+            <a:fillRect/>
+          </a:stretch>
+        </p:blipFill>
+        <p:spPr>
+          <a:xfrm>
+            <a:off x="3472665" y="1968710"/>
+            <a:ext cx="4551452" cy="4895182"/>
+          </a:xfrm>
+        </p:spPr>
+      </p:pic>
     </p:spTree>
     <p:extLst>
       <p:ext uri="{BB962C8B-B14F-4D97-AF65-F5344CB8AC3E}">

--- a/Phase 2 Documentation/Team_2_Presentation_2.pptx
+++ b/Phase 2 Documentation/Team_2_Presentation_2.pptx
@@ -9,10 +9,10 @@
     <p:sldId id="257" r:id="rId3"/>
     <p:sldId id="259" r:id="rId4"/>
     <p:sldId id="263" r:id="rId5"/>
-    <p:sldId id="260" r:id="rId6"/>
-    <p:sldId id="261" r:id="rId7"/>
-    <p:sldId id="262" r:id="rId8"/>
-    <p:sldId id="264" r:id="rId9"/>
+    <p:sldId id="264" r:id="rId6"/>
+    <p:sldId id="260" r:id="rId7"/>
+    <p:sldId id="261" r:id="rId8"/>
+    <p:sldId id="262" r:id="rId9"/>
     <p:sldId id="265" r:id="rId10"/>
     <p:sldId id="266" r:id="rId11"/>
     <p:sldId id="267" r:id="rId12"/>
@@ -126,7 +126,7 @@
 <file path=ppt/revisionInfo.xml><?xml version="1.0" encoding="utf-8"?>
 <p1510:revInfo xmlns:a="http://schemas.openxmlformats.org/drawingml/2006/main" xmlns:r="http://schemas.openxmlformats.org/officeDocument/2006/relationships" xmlns:p1510="http://schemas.microsoft.com/office/powerpoint/2015/10/main">
   <p1510:revLst>
-    <p1510:client id="{D50F4C2D-8F48-A9C6-76E5-92CC1112D8FA}" v="129" dt="2025-03-10T02:15:21.067"/>
+    <p1510:client id="{D50F4C2D-8F48-A9C6-76E5-92CC1112D8FA}" v="383" dt="2025-03-10T02:36:37.140"/>
   </p1510:revLst>
 </p1510:revInfo>
 </file>
@@ -17335,6 +17335,132 @@
 <file path=ppt/slides/slide5.xml><?xml version="1.0" encoding="utf-8"?>
 <p:sld xmlns:a="http://schemas.openxmlformats.org/drawingml/2006/main" xmlns:r="http://schemas.openxmlformats.org/officeDocument/2006/relationships" xmlns:p="http://schemas.openxmlformats.org/presentationml/2006/main">
   <p:cSld>
+    <p:spTree>
+      <p:nvGrpSpPr>
+        <p:cNvPr id="1" name="">
+          <a:extLst>
+            <a:ext uri="{FF2B5EF4-FFF2-40B4-BE49-F238E27FC236}">
+              <a16:creationId xmlns:a16="http://schemas.microsoft.com/office/drawing/2014/main" id="{D6B0628F-AB30-F585-C52D-A3AF6C3D1AAB}"/>
+            </a:ext>
+          </a:extLst>
+        </p:cNvPr>
+        <p:cNvGrpSpPr/>
+        <p:nvPr/>
+      </p:nvGrpSpPr>
+      <p:grpSpPr>
+        <a:xfrm>
+          <a:off x="0" y="0"/>
+          <a:ext cx="0" cy="0"/>
+          <a:chOff x="0" y="0"/>
+          <a:chExt cx="0" cy="0"/>
+        </a:xfrm>
+      </p:grpSpPr>
+      <p:sp>
+        <p:nvSpPr>
+          <p:cNvPr id="2" name="Title 1">
+            <a:extLst>
+              <a:ext uri="{FF2B5EF4-FFF2-40B4-BE49-F238E27FC236}">
+                <a16:creationId xmlns:a16="http://schemas.microsoft.com/office/drawing/2014/main" id="{6B625FA5-3963-D4E9-147B-68DDDC92EDCB}"/>
+              </a:ext>
+            </a:extLst>
+          </p:cNvPr>
+          <p:cNvSpPr>
+            <a:spLocks noGrp="1"/>
+          </p:cNvSpPr>
+          <p:nvPr>
+            <p:ph type="title"/>
+          </p:nvPr>
+        </p:nvSpPr>
+        <p:spPr/>
+        <p:txBody>
+          <a:bodyPr/>
+          <a:lstStyle/>
+          <a:p>
+            <a:r>
+              <a:rPr lang="en-US" dirty="0"/>
+              <a:t>The Back-end</a:t>
+            </a:r>
+          </a:p>
+        </p:txBody>
+      </p:sp>
+      <p:sp>
+        <p:nvSpPr>
+          <p:cNvPr id="3" name="Content Placeholder 2">
+            <a:extLst>
+              <a:ext uri="{FF2B5EF4-FFF2-40B4-BE49-F238E27FC236}">
+                <a16:creationId xmlns:a16="http://schemas.microsoft.com/office/drawing/2014/main" id="{9ADF27FD-A125-97E9-E843-33B3A326EDDD}"/>
+              </a:ext>
+            </a:extLst>
+          </p:cNvPr>
+          <p:cNvSpPr>
+            <a:spLocks noGrp="1"/>
+          </p:cNvSpPr>
+          <p:nvPr>
+            <p:ph idx="1"/>
+          </p:nvPr>
+        </p:nvSpPr>
+        <p:spPr/>
+        <p:txBody>
+          <a:bodyPr vert="horz" lIns="91440" tIns="45720" rIns="91440" bIns="45720" rtlCol="0" anchor="t">
+            <a:normAutofit/>
+          </a:bodyPr>
+          <a:lstStyle/>
+          <a:p>
+            <a:pPr>
+              <a:lnSpc>
+                <a:spcPct val="100000"/>
+              </a:lnSpc>
+            </a:pPr>
+            <a:r>
+              <a:rPr lang="en-US" dirty="0"/>
+              <a:t>Our other focus on the back-end is our database encryption</a:t>
+            </a:r>
+          </a:p>
+          <a:p>
+            <a:pPr marL="0" indent="0">
+              <a:lnSpc>
+                <a:spcPct val="100000"/>
+              </a:lnSpc>
+              <a:buNone/>
+            </a:pPr>
+            <a:endParaRPr lang="en-US" dirty="0"/>
+          </a:p>
+          <a:p>
+            <a:pPr>
+              <a:lnSpc>
+                <a:spcPct val="100000"/>
+              </a:lnSpc>
+            </a:pPr>
+            <a:r>
+              <a:rPr lang="en-US" dirty="0"/>
+              <a:t>Python has libraries for use of .env files for storing sensitive </a:t>
+            </a:r>
+            <a:r>
+              <a:rPr lang="en-US"/>
+              <a:t>variables for our AES encryption</a:t>
+            </a:r>
+          </a:p>
+          <a:p>
+            <a:endParaRPr lang="en-US" dirty="0"/>
+          </a:p>
+        </p:txBody>
+      </p:sp>
+    </p:spTree>
+    <p:extLst>
+      <p:ext uri="{BB962C8B-B14F-4D97-AF65-F5344CB8AC3E}">
+        <p14:creationId xmlns:p14="http://schemas.microsoft.com/office/powerpoint/2010/main" val="2780799861"/>
+      </p:ext>
+    </p:extLst>
+  </p:cSld>
+  <p:clrMapOvr>
+    <a:masterClrMapping/>
+  </p:clrMapOvr>
+</p:sld>
+</file>
+
+<file path=ppt/slides/slide6.xml><?xml version="1.0" encoding="utf-8"?>
+<p:sld xmlns:a="http://schemas.openxmlformats.org/drawingml/2006/main" xmlns:r="http://schemas.openxmlformats.org/officeDocument/2006/relationships" xmlns:p="http://schemas.openxmlformats.org/presentationml/2006/main">
+  <p:cSld>
     <p:bg>
       <p:bgPr>
         <a:gradFill rotWithShape="1">
@@ -17746,7 +17872,7 @@
 </p:sld>
 </file>
 
-<file path=ppt/slides/slide6.xml><?xml version="1.0" encoding="utf-8"?>
+<file path=ppt/slides/slide7.xml><?xml version="1.0" encoding="utf-8"?>
 <p:sld xmlns:a="http://schemas.openxmlformats.org/drawingml/2006/main" xmlns:r="http://schemas.openxmlformats.org/officeDocument/2006/relationships" xmlns:p="http://schemas.openxmlformats.org/presentationml/2006/main">
   <p:cSld>
     <p:spTree>
@@ -17835,7 +17961,7 @@
 </p:sld>
 </file>
 
-<file path=ppt/slides/slide7.xml><?xml version="1.0" encoding="utf-8"?>
+<file path=ppt/slides/slide8.xml><?xml version="1.0" encoding="utf-8"?>
 <p:sld xmlns:a="http://schemas.openxmlformats.org/drawingml/2006/main" xmlns:r="http://schemas.openxmlformats.org/officeDocument/2006/relationships" xmlns:p="http://schemas.openxmlformats.org/presentationml/2006/main">
   <p:cSld>
     <p:spTree>
@@ -17922,92 +18048,6 @@
     <p:extLst>
       <p:ext uri="{BB962C8B-B14F-4D97-AF65-F5344CB8AC3E}">
         <p14:creationId xmlns:p14="http://schemas.microsoft.com/office/powerpoint/2010/main" val="22475552"/>
-      </p:ext>
-    </p:extLst>
-  </p:cSld>
-  <p:clrMapOvr>
-    <a:masterClrMapping/>
-  </p:clrMapOvr>
-</p:sld>
-</file>
-
-<file path=ppt/slides/slide8.xml><?xml version="1.0" encoding="utf-8"?>
-<p:sld xmlns:a="http://schemas.openxmlformats.org/drawingml/2006/main" xmlns:r="http://schemas.openxmlformats.org/officeDocument/2006/relationships" xmlns:p="http://schemas.openxmlformats.org/presentationml/2006/main">
-  <p:cSld>
-    <p:spTree>
-      <p:nvGrpSpPr>
-        <p:cNvPr id="1" name="">
-          <a:extLst>
-            <a:ext uri="{FF2B5EF4-FFF2-40B4-BE49-F238E27FC236}">
-              <a16:creationId xmlns:a16="http://schemas.microsoft.com/office/drawing/2014/main" id="{D6B0628F-AB30-F585-C52D-A3AF6C3D1AAB}"/>
-            </a:ext>
-          </a:extLst>
-        </p:cNvPr>
-        <p:cNvGrpSpPr/>
-        <p:nvPr/>
-      </p:nvGrpSpPr>
-      <p:grpSpPr>
-        <a:xfrm>
-          <a:off x="0" y="0"/>
-          <a:ext cx="0" cy="0"/>
-          <a:chOff x="0" y="0"/>
-          <a:chExt cx="0" cy="0"/>
-        </a:xfrm>
-      </p:grpSpPr>
-      <p:sp>
-        <p:nvSpPr>
-          <p:cNvPr id="2" name="Title 1">
-            <a:extLst>
-              <a:ext uri="{FF2B5EF4-FFF2-40B4-BE49-F238E27FC236}">
-                <a16:creationId xmlns:a16="http://schemas.microsoft.com/office/drawing/2014/main" id="{6B625FA5-3963-D4E9-147B-68DDDC92EDCB}"/>
-              </a:ext>
-            </a:extLst>
-          </p:cNvPr>
-          <p:cNvSpPr>
-            <a:spLocks noGrp="1"/>
-          </p:cNvSpPr>
-          <p:nvPr>
-            <p:ph type="title"/>
-          </p:nvPr>
-        </p:nvSpPr>
-        <p:spPr/>
-        <p:txBody>
-          <a:bodyPr/>
-          <a:lstStyle/>
-          <a:p>
-            <a:endParaRPr lang="en-US"/>
-          </a:p>
-        </p:txBody>
-      </p:sp>
-      <p:sp>
-        <p:nvSpPr>
-          <p:cNvPr id="3" name="Content Placeholder 2">
-            <a:extLst>
-              <a:ext uri="{FF2B5EF4-FFF2-40B4-BE49-F238E27FC236}">
-                <a16:creationId xmlns:a16="http://schemas.microsoft.com/office/drawing/2014/main" id="{9ADF27FD-A125-97E9-E843-33B3A326EDDD}"/>
-              </a:ext>
-            </a:extLst>
-          </p:cNvPr>
-          <p:cNvSpPr>
-            <a:spLocks noGrp="1"/>
-          </p:cNvSpPr>
-          <p:nvPr>
-            <p:ph idx="1"/>
-          </p:nvPr>
-        </p:nvSpPr>
-        <p:spPr/>
-        <p:txBody>
-          <a:bodyPr/>
-          <a:lstStyle/>
-          <a:p>
-            <a:endParaRPr lang="en-US"/>
-          </a:p>
-        </p:txBody>
-      </p:sp>
-    </p:spTree>
-    <p:extLst>
-      <p:ext uri="{BB962C8B-B14F-4D97-AF65-F5344CB8AC3E}">
-        <p14:creationId xmlns:p14="http://schemas.microsoft.com/office/powerpoint/2010/main" val="2780799861"/>
       </p:ext>
     </p:extLst>
   </p:cSld>

--- a/Phase 2 Documentation/Team_2_Presentation_2.pptx
+++ b/Phase 2 Documentation/Team_2_Presentation_2.pptx
@@ -9,10 +9,10 @@
     <p:sldId id="257" r:id="rId3"/>
     <p:sldId id="259" r:id="rId4"/>
     <p:sldId id="263" r:id="rId5"/>
-    <p:sldId id="260" r:id="rId6"/>
-    <p:sldId id="261" r:id="rId7"/>
-    <p:sldId id="262" r:id="rId8"/>
-    <p:sldId id="264" r:id="rId9"/>
+    <p:sldId id="264" r:id="rId6"/>
+    <p:sldId id="260" r:id="rId7"/>
+    <p:sldId id="261" r:id="rId8"/>
+    <p:sldId id="262" r:id="rId9"/>
     <p:sldId id="265" r:id="rId10"/>
     <p:sldId id="266" r:id="rId11"/>
     <p:sldId id="267" r:id="rId12"/>
@@ -127,6 +127,7 @@
 <p1510:revInfo xmlns:a="http://schemas.openxmlformats.org/drawingml/2006/main" xmlns:r="http://schemas.openxmlformats.org/officeDocument/2006/relationships" xmlns:p1510="http://schemas.microsoft.com/office/powerpoint/2015/10/main">
   <p1510:revLst>
     <p1510:client id="{D50F4C2D-8F48-A9C6-76E5-92CC1112D8FA}" v="129" dt="2025-03-10T02:15:21.067"/>
+    <p1510:client id="{F22E6362-1DF3-85D2-D4CD-3EDF03247B0C}" v="367" dt="2025-03-10T02:48:43.566"/>
   </p1510:revLst>
 </p1510:revInfo>
 </file>
@@ -17335,6 +17336,112 @@
 <file path=ppt/slides/slide5.xml><?xml version="1.0" encoding="utf-8"?>
 <p:sld xmlns:a="http://schemas.openxmlformats.org/drawingml/2006/main" xmlns:r="http://schemas.openxmlformats.org/officeDocument/2006/relationships" xmlns:p="http://schemas.openxmlformats.org/presentationml/2006/main">
   <p:cSld>
+    <p:spTree>
+      <p:nvGrpSpPr>
+        <p:cNvPr id="1" name="">
+          <a:extLst>
+            <a:ext uri="{FF2B5EF4-FFF2-40B4-BE49-F238E27FC236}">
+              <a16:creationId xmlns:a16="http://schemas.microsoft.com/office/drawing/2014/main" id="{D6B0628F-AB30-F585-C52D-A3AF6C3D1AAB}"/>
+            </a:ext>
+          </a:extLst>
+        </p:cNvPr>
+        <p:cNvGrpSpPr/>
+        <p:nvPr/>
+      </p:nvGrpSpPr>
+      <p:grpSpPr>
+        <a:xfrm>
+          <a:off x="0" y="0"/>
+          <a:ext cx="0" cy="0"/>
+          <a:chOff x="0" y="0"/>
+          <a:chExt cx="0" cy="0"/>
+        </a:xfrm>
+      </p:grpSpPr>
+      <p:sp>
+        <p:nvSpPr>
+          <p:cNvPr id="2" name="Title 1">
+            <a:extLst>
+              <a:ext uri="{FF2B5EF4-FFF2-40B4-BE49-F238E27FC236}">
+                <a16:creationId xmlns:a16="http://schemas.microsoft.com/office/drawing/2014/main" id="{6B625FA5-3963-D4E9-147B-68DDDC92EDCB}"/>
+              </a:ext>
+            </a:extLst>
+          </p:cNvPr>
+          <p:cNvSpPr>
+            <a:spLocks noGrp="1"/>
+          </p:cNvSpPr>
+          <p:nvPr>
+            <p:ph type="title"/>
+          </p:nvPr>
+        </p:nvSpPr>
+        <p:spPr/>
+        <p:txBody>
+          <a:bodyPr/>
+          <a:lstStyle/>
+          <a:p>
+            <a:r>
+              <a:rPr lang="en-US" dirty="0"/>
+              <a:t>Back-end Security</a:t>
+            </a:r>
+          </a:p>
+        </p:txBody>
+      </p:sp>
+      <p:sp>
+        <p:nvSpPr>
+          <p:cNvPr id="3" name="Content Placeholder 2">
+            <a:extLst>
+              <a:ext uri="{FF2B5EF4-FFF2-40B4-BE49-F238E27FC236}">
+                <a16:creationId xmlns:a16="http://schemas.microsoft.com/office/drawing/2014/main" id="{9ADF27FD-A125-97E9-E843-33B3A326EDDD}"/>
+              </a:ext>
+            </a:extLst>
+          </p:cNvPr>
+          <p:cNvSpPr>
+            <a:spLocks noGrp="1"/>
+          </p:cNvSpPr>
+          <p:nvPr>
+            <p:ph idx="1"/>
+          </p:nvPr>
+        </p:nvSpPr>
+        <p:spPr/>
+        <p:txBody>
+          <a:bodyPr vert="horz" lIns="91440" tIns="45720" rIns="91440" bIns="45720" rtlCol="0" anchor="t">
+            <a:normAutofit/>
+          </a:bodyPr>
+          <a:lstStyle/>
+          <a:p>
+            <a:r>
+              <a:rPr lang="en-US" dirty="0"/>
+              <a:t>Our other focus is reinforcing our encryption of the database</a:t>
+            </a:r>
+          </a:p>
+          <a:p>
+            <a:pPr marL="0" indent="0">
+              <a:buNone/>
+            </a:pPr>
+            <a:endParaRPr lang="en-US" dirty="0"/>
+          </a:p>
+          <a:p>
+            <a:r>
+              <a:rPr lang="en-US" dirty="0"/>
+              <a:t>Python has libraries that allow us to easily use .env files to hide sensitive variables for our AES while keeping them available to the program</a:t>
+            </a:r>
+          </a:p>
+        </p:txBody>
+      </p:sp>
+    </p:spTree>
+    <p:extLst>
+      <p:ext uri="{BB962C8B-B14F-4D97-AF65-F5344CB8AC3E}">
+        <p14:creationId xmlns:p14="http://schemas.microsoft.com/office/powerpoint/2010/main" val="2780799861"/>
+      </p:ext>
+    </p:extLst>
+  </p:cSld>
+  <p:clrMapOvr>
+    <a:masterClrMapping/>
+  </p:clrMapOvr>
+</p:sld>
+</file>
+
+<file path=ppt/slides/slide6.xml><?xml version="1.0" encoding="utf-8"?>
+<p:sld xmlns:a="http://schemas.openxmlformats.org/drawingml/2006/main" xmlns:r="http://schemas.openxmlformats.org/officeDocument/2006/relationships" xmlns:p="http://schemas.openxmlformats.org/presentationml/2006/main">
+  <p:cSld>
     <p:bg>
       <p:bgPr>
         <a:gradFill rotWithShape="1">
@@ -17746,7 +17853,7 @@
 </p:sld>
 </file>
 
-<file path=ppt/slides/slide6.xml><?xml version="1.0" encoding="utf-8"?>
+<file path=ppt/slides/slide7.xml><?xml version="1.0" encoding="utf-8"?>
 <p:sld xmlns:a="http://schemas.openxmlformats.org/drawingml/2006/main" xmlns:r="http://schemas.openxmlformats.org/officeDocument/2006/relationships" xmlns:p="http://schemas.openxmlformats.org/presentationml/2006/main">
   <p:cSld>
     <p:spTree>
@@ -17845,7 +17952,7 @@
 </p:sld>
 </file>
 
-<file path=ppt/slides/slide7.xml><?xml version="1.0" encoding="utf-8"?>
+<file path=ppt/slides/slide8.xml><?xml version="1.0" encoding="utf-8"?>
 <p:sld xmlns:a="http://schemas.openxmlformats.org/drawingml/2006/main" xmlns:r="http://schemas.openxmlformats.org/officeDocument/2006/relationships" xmlns:p="http://schemas.openxmlformats.org/presentationml/2006/main">
   <p:cSld>
     <p:spTree>
@@ -17932,92 +18039,6 @@
     <p:extLst>
       <p:ext uri="{BB962C8B-B14F-4D97-AF65-F5344CB8AC3E}">
         <p14:creationId xmlns:p14="http://schemas.microsoft.com/office/powerpoint/2010/main" val="22475552"/>
-      </p:ext>
-    </p:extLst>
-  </p:cSld>
-  <p:clrMapOvr>
-    <a:masterClrMapping/>
-  </p:clrMapOvr>
-</p:sld>
-</file>
-
-<file path=ppt/slides/slide8.xml><?xml version="1.0" encoding="utf-8"?>
-<p:sld xmlns:a="http://schemas.openxmlformats.org/drawingml/2006/main" xmlns:r="http://schemas.openxmlformats.org/officeDocument/2006/relationships" xmlns:p="http://schemas.openxmlformats.org/presentationml/2006/main">
-  <p:cSld>
-    <p:spTree>
-      <p:nvGrpSpPr>
-        <p:cNvPr id="1" name="">
-          <a:extLst>
-            <a:ext uri="{FF2B5EF4-FFF2-40B4-BE49-F238E27FC236}">
-              <a16:creationId xmlns:a16="http://schemas.microsoft.com/office/drawing/2014/main" id="{D6B0628F-AB30-F585-C52D-A3AF6C3D1AAB}"/>
-            </a:ext>
-          </a:extLst>
-        </p:cNvPr>
-        <p:cNvGrpSpPr/>
-        <p:nvPr/>
-      </p:nvGrpSpPr>
-      <p:grpSpPr>
-        <a:xfrm>
-          <a:off x="0" y="0"/>
-          <a:ext cx="0" cy="0"/>
-          <a:chOff x="0" y="0"/>
-          <a:chExt cx="0" cy="0"/>
-        </a:xfrm>
-      </p:grpSpPr>
-      <p:sp>
-        <p:nvSpPr>
-          <p:cNvPr id="2" name="Title 1">
-            <a:extLst>
-              <a:ext uri="{FF2B5EF4-FFF2-40B4-BE49-F238E27FC236}">
-                <a16:creationId xmlns:a16="http://schemas.microsoft.com/office/drawing/2014/main" id="{6B625FA5-3963-D4E9-147B-68DDDC92EDCB}"/>
-              </a:ext>
-            </a:extLst>
-          </p:cNvPr>
-          <p:cNvSpPr>
-            <a:spLocks noGrp="1"/>
-          </p:cNvSpPr>
-          <p:nvPr>
-            <p:ph type="title"/>
-          </p:nvPr>
-        </p:nvSpPr>
-        <p:spPr/>
-        <p:txBody>
-          <a:bodyPr/>
-          <a:lstStyle/>
-          <a:p>
-            <a:endParaRPr lang="en-US"/>
-          </a:p>
-        </p:txBody>
-      </p:sp>
-      <p:sp>
-        <p:nvSpPr>
-          <p:cNvPr id="3" name="Content Placeholder 2">
-            <a:extLst>
-              <a:ext uri="{FF2B5EF4-FFF2-40B4-BE49-F238E27FC236}">
-                <a16:creationId xmlns:a16="http://schemas.microsoft.com/office/drawing/2014/main" id="{9ADF27FD-A125-97E9-E843-33B3A326EDDD}"/>
-              </a:ext>
-            </a:extLst>
-          </p:cNvPr>
-          <p:cNvSpPr>
-            <a:spLocks noGrp="1"/>
-          </p:cNvSpPr>
-          <p:nvPr>
-            <p:ph idx="1"/>
-          </p:nvPr>
-        </p:nvSpPr>
-        <p:spPr/>
-        <p:txBody>
-          <a:bodyPr/>
-          <a:lstStyle/>
-          <a:p>
-            <a:endParaRPr lang="en-US"/>
-          </a:p>
-        </p:txBody>
-      </p:sp>
-    </p:spTree>
-    <p:extLst>
-      <p:ext uri="{BB962C8B-B14F-4D97-AF65-F5344CB8AC3E}">
-        <p14:creationId xmlns:p14="http://schemas.microsoft.com/office/powerpoint/2010/main" val="2780799861"/>
       </p:ext>
     </p:extLst>
   </p:cSld>

--- a/Phase 2 Documentation/Team_2_Presentation_2.pptx
+++ b/Phase 2 Documentation/Team_2_Presentation_2.pptx
@@ -16083,7 +16083,10 @@
           <a:bodyPr/>
           <a:lstStyle/>
           <a:p>
-            <a:endParaRPr lang="en-US"/>
+            <a:r>
+              <a:rPr lang="en-US" dirty="0"/>
+              <a:t>Questions?</a:t>
+            </a:r>
           </a:p>
         </p:txBody>
       </p:sp>
@@ -17349,7 +17352,16 @@
           </a:bodyPr>
           <a:lstStyle/>
           <a:p>
-            <a:endParaRPr lang="en-US" dirty="0"/>
+            <a:r>
+              <a:rPr lang="en-US" dirty="0"/>
+              <a:t>Google Drive’s API</a:t>
+            </a:r>
+          </a:p>
+          <a:p>
+            <a:r>
+              <a:rPr lang="en-US" dirty="0"/>
+              <a:t>Google’s Login API</a:t>
+            </a:r>
           </a:p>
         </p:txBody>
       </p:sp>

--- a/Phase 2 Documentation/Team_2_Presentation_2.pptx
+++ b/Phase 2 Documentation/Team_2_Presentation_2.pptx
@@ -7,9 +7,9 @@
   <p:sldIdLst>
     <p:sldId id="256" r:id="rId2"/>
     <p:sldId id="257" r:id="rId3"/>
-    <p:sldId id="260" r:id="rId4"/>
-    <p:sldId id="261" r:id="rId5"/>
-    <p:sldId id="265" r:id="rId6"/>
+    <p:sldId id="265" r:id="rId4"/>
+    <p:sldId id="260" r:id="rId5"/>
+    <p:sldId id="261" r:id="rId6"/>
     <p:sldId id="262" r:id="rId7"/>
     <p:sldId id="259" r:id="rId8"/>
     <p:sldId id="263" r:id="rId9"/>
@@ -16640,6 +16640,142 @@
 <file path=ppt/slides/slide3.xml><?xml version="1.0" encoding="utf-8"?>
 <p:sld xmlns:a="http://schemas.openxmlformats.org/drawingml/2006/main" xmlns:r="http://schemas.openxmlformats.org/officeDocument/2006/relationships" xmlns:p="http://schemas.openxmlformats.org/presentationml/2006/main">
   <p:cSld>
+    <p:spTree>
+      <p:nvGrpSpPr>
+        <p:cNvPr id="1" name="">
+          <a:extLst>
+            <a:ext uri="{FF2B5EF4-FFF2-40B4-BE49-F238E27FC236}">
+              <a16:creationId xmlns:a16="http://schemas.microsoft.com/office/drawing/2014/main" id="{CC27D892-C42E-E633-F475-930F3F6A0D49}"/>
+            </a:ext>
+          </a:extLst>
+        </p:cNvPr>
+        <p:cNvGrpSpPr/>
+        <p:nvPr/>
+      </p:nvGrpSpPr>
+      <p:grpSpPr>
+        <a:xfrm>
+          <a:off x="0" y="0"/>
+          <a:ext cx="0" cy="0"/>
+          <a:chOff x="0" y="0"/>
+          <a:chExt cx="0" cy="0"/>
+        </a:xfrm>
+      </p:grpSpPr>
+      <p:sp>
+        <p:nvSpPr>
+          <p:cNvPr id="2" name="Title 1">
+            <a:extLst>
+              <a:ext uri="{FF2B5EF4-FFF2-40B4-BE49-F238E27FC236}">
+                <a16:creationId xmlns:a16="http://schemas.microsoft.com/office/drawing/2014/main" id="{591B2511-AC71-BC7A-D4A3-D7F0CE6603F6}"/>
+              </a:ext>
+            </a:extLst>
+          </p:cNvPr>
+          <p:cNvSpPr>
+            <a:spLocks noGrp="1"/>
+          </p:cNvSpPr>
+          <p:nvPr>
+            <p:ph type="title"/>
+          </p:nvPr>
+        </p:nvSpPr>
+        <p:spPr/>
+        <p:txBody>
+          <a:bodyPr/>
+          <a:lstStyle/>
+          <a:p>
+            <a:r>
+              <a:rPr lang="en-US" dirty="0"/>
+              <a:t>Current Front-end</a:t>
+            </a:r>
+          </a:p>
+        </p:txBody>
+      </p:sp>
+      <p:pic>
+        <p:nvPicPr>
+          <p:cNvPr id="6" name="Picture 5" descr="A screenshot of a computer&#10;&#10;AI-generated content may be incorrect.">
+            <a:extLst>
+              <a:ext uri="{FF2B5EF4-FFF2-40B4-BE49-F238E27FC236}">
+                <a16:creationId xmlns:a16="http://schemas.microsoft.com/office/drawing/2014/main" id="{F33971A1-55D1-03E6-1CA9-B0CD190C0144}"/>
+              </a:ext>
+            </a:extLst>
+          </p:cNvPr>
+          <p:cNvPicPr>
+            <a:picLocks noChangeAspect="1"/>
+          </p:cNvPicPr>
+          <p:nvPr/>
+        </p:nvPicPr>
+        <p:blipFill>
+          <a:blip r:embed="rId2">
+            <a:extLst>
+              <a:ext uri="{28A0092B-C50C-407E-A947-70E740481C1C}">
+                <a14:useLocalDpi xmlns:a14="http://schemas.microsoft.com/office/drawing/2010/main" val="0"/>
+              </a:ext>
+            </a:extLst>
+          </a:blip>
+          <a:stretch>
+            <a:fillRect/>
+          </a:stretch>
+        </p:blipFill>
+        <p:spPr>
+          <a:xfrm>
+            <a:off x="287129" y="2586157"/>
+            <a:ext cx="5643220" cy="3518615"/>
+          </a:xfrm>
+          <a:prstGeom prst="rect">
+            <a:avLst/>
+          </a:prstGeom>
+        </p:spPr>
+      </p:pic>
+      <p:pic>
+        <p:nvPicPr>
+          <p:cNvPr id="8" name="Picture 7" descr="A screenshot of a computer&#10;&#10;AI-generated content may be incorrect.">
+            <a:extLst>
+              <a:ext uri="{FF2B5EF4-FFF2-40B4-BE49-F238E27FC236}">
+                <a16:creationId xmlns:a16="http://schemas.microsoft.com/office/drawing/2014/main" id="{69B920AB-4556-B5B7-C57F-2E64D9013DF5}"/>
+              </a:ext>
+            </a:extLst>
+          </p:cNvPr>
+          <p:cNvPicPr>
+            <a:picLocks noChangeAspect="1"/>
+          </p:cNvPicPr>
+          <p:nvPr/>
+        </p:nvPicPr>
+        <p:blipFill>
+          <a:blip r:embed="rId3">
+            <a:extLst>
+              <a:ext uri="{28A0092B-C50C-407E-A947-70E740481C1C}">
+                <a14:useLocalDpi xmlns:a14="http://schemas.microsoft.com/office/drawing/2010/main" val="0"/>
+              </a:ext>
+            </a:extLst>
+          </a:blip>
+          <a:stretch>
+            <a:fillRect/>
+          </a:stretch>
+        </p:blipFill>
+        <p:spPr>
+          <a:xfrm>
+            <a:off x="6261652" y="2586157"/>
+            <a:ext cx="5643219" cy="3518615"/>
+          </a:xfrm>
+          <a:prstGeom prst="rect">
+            <a:avLst/>
+          </a:prstGeom>
+        </p:spPr>
+      </p:pic>
+    </p:spTree>
+    <p:extLst>
+      <p:ext uri="{BB962C8B-B14F-4D97-AF65-F5344CB8AC3E}">
+        <p14:creationId xmlns:p14="http://schemas.microsoft.com/office/powerpoint/2010/main" val="40109320"/>
+      </p:ext>
+    </p:extLst>
+  </p:cSld>
+  <p:clrMapOvr>
+    <a:masterClrMapping/>
+  </p:clrMapOvr>
+</p:sld>
+</file>
+
+<file path=ppt/slides/slide4.xml><?xml version="1.0" encoding="utf-8"?>
+<p:sld xmlns:a="http://schemas.openxmlformats.org/drawingml/2006/main" xmlns:r="http://schemas.openxmlformats.org/officeDocument/2006/relationships" xmlns:p="http://schemas.openxmlformats.org/presentationml/2006/main">
+  <p:cSld>
     <p:bg>
       <p:bgPr>
         <a:gradFill rotWithShape="1">
@@ -17051,7 +17187,7 @@
 </p:sld>
 </file>
 
-<file path=ppt/slides/slide4.xml><?xml version="1.0" encoding="utf-8"?>
+<file path=ppt/slides/slide5.xml><?xml version="1.0" encoding="utf-8"?>
 <p:sld xmlns:a="http://schemas.openxmlformats.org/drawingml/2006/main" xmlns:r="http://schemas.openxmlformats.org/officeDocument/2006/relationships" xmlns:p="http://schemas.openxmlformats.org/presentationml/2006/main">
   <p:cSld>
     <p:spTree>
@@ -17141,129 +17277,6 @@
     <p:extLst>
       <p:ext uri="{BB962C8B-B14F-4D97-AF65-F5344CB8AC3E}">
         <p14:creationId xmlns:p14="http://schemas.microsoft.com/office/powerpoint/2010/main" val="3731972070"/>
-      </p:ext>
-    </p:extLst>
-  </p:cSld>
-  <p:clrMapOvr>
-    <a:masterClrMapping/>
-  </p:clrMapOvr>
-</p:sld>
-</file>
-
-<file path=ppt/slides/slide5.xml><?xml version="1.0" encoding="utf-8"?>
-<p:sld xmlns:a="http://schemas.openxmlformats.org/drawingml/2006/main" xmlns:r="http://schemas.openxmlformats.org/officeDocument/2006/relationships" xmlns:p="http://schemas.openxmlformats.org/presentationml/2006/main">
-  <p:cSld>
-    <p:spTree>
-      <p:nvGrpSpPr>
-        <p:cNvPr id="1" name="">
-          <a:extLst>
-            <a:ext uri="{FF2B5EF4-FFF2-40B4-BE49-F238E27FC236}">
-              <a16:creationId xmlns:a16="http://schemas.microsoft.com/office/drawing/2014/main" id="{CC27D892-C42E-E633-F475-930F3F6A0D49}"/>
-            </a:ext>
-          </a:extLst>
-        </p:cNvPr>
-        <p:cNvGrpSpPr/>
-        <p:nvPr/>
-      </p:nvGrpSpPr>
-      <p:grpSpPr>
-        <a:xfrm>
-          <a:off x="0" y="0"/>
-          <a:ext cx="0" cy="0"/>
-          <a:chOff x="0" y="0"/>
-          <a:chExt cx="0" cy="0"/>
-        </a:xfrm>
-      </p:grpSpPr>
-      <p:sp>
-        <p:nvSpPr>
-          <p:cNvPr id="2" name="Title 1">
-            <a:extLst>
-              <a:ext uri="{FF2B5EF4-FFF2-40B4-BE49-F238E27FC236}">
-                <a16:creationId xmlns:a16="http://schemas.microsoft.com/office/drawing/2014/main" id="{591B2511-AC71-BC7A-D4A3-D7F0CE6603F6}"/>
-              </a:ext>
-            </a:extLst>
-          </p:cNvPr>
-          <p:cNvSpPr>
-            <a:spLocks noGrp="1"/>
-          </p:cNvSpPr>
-          <p:nvPr>
-            <p:ph type="title"/>
-          </p:nvPr>
-        </p:nvSpPr>
-        <p:spPr/>
-        <p:txBody>
-          <a:bodyPr/>
-          <a:lstStyle/>
-          <a:p>
-            <a:r>
-              <a:rPr lang="en-US" dirty="0"/>
-              <a:t>Refined Front-end</a:t>
-            </a:r>
-          </a:p>
-        </p:txBody>
-      </p:sp>
-      <p:pic>
-        <p:nvPicPr>
-          <p:cNvPr id="4" name="Content Placeholder 3" descr="A screenshot of a computer&#10;&#10;AI-generated content may be incorrect.">
-            <a:extLst>
-              <a:ext uri="{FF2B5EF4-FFF2-40B4-BE49-F238E27FC236}">
-                <a16:creationId xmlns:a16="http://schemas.microsoft.com/office/drawing/2014/main" id="{993C91D9-0133-FBC4-7D4A-683C4868CB51}"/>
-              </a:ext>
-            </a:extLst>
-          </p:cNvPr>
-          <p:cNvPicPr>
-            <a:picLocks noGrp="1" noChangeAspect="1"/>
-          </p:cNvPicPr>
-          <p:nvPr>
-            <p:ph idx="1"/>
-          </p:nvPr>
-        </p:nvPicPr>
-        <p:blipFill>
-          <a:blip r:embed="rId2"/>
-          <a:stretch>
-            <a:fillRect/>
-          </a:stretch>
-        </p:blipFill>
-        <p:spPr>
-          <a:xfrm>
-            <a:off x="221220" y="2811744"/>
-            <a:ext cx="5871717" cy="3510968"/>
-          </a:xfrm>
-        </p:spPr>
-      </p:pic>
-      <p:pic>
-        <p:nvPicPr>
-          <p:cNvPr id="5" name="Picture 4" descr="A screenshot of a computer&#10;&#10;AI-generated content may be incorrect.">
-            <a:extLst>
-              <a:ext uri="{FF2B5EF4-FFF2-40B4-BE49-F238E27FC236}">
-                <a16:creationId xmlns:a16="http://schemas.microsoft.com/office/drawing/2014/main" id="{B2BCAEF1-7767-1962-C831-31B89D968C8B}"/>
-              </a:ext>
-            </a:extLst>
-          </p:cNvPr>
-          <p:cNvPicPr>
-            <a:picLocks noChangeAspect="1"/>
-          </p:cNvPicPr>
-          <p:nvPr/>
-        </p:nvPicPr>
-        <p:blipFill>
-          <a:blip r:embed="rId3"/>
-          <a:stretch>
-            <a:fillRect/>
-          </a:stretch>
-        </p:blipFill>
-        <p:spPr>
-          <a:xfrm>
-            <a:off x="6261652" y="2813639"/>
-            <a:ext cx="5643219" cy="3516720"/>
-          </a:xfrm>
-          <a:prstGeom prst="rect">
-            <a:avLst/>
-          </a:prstGeom>
-        </p:spPr>
-      </p:pic>
-    </p:spTree>
-    <p:extLst>
-      <p:ext uri="{BB962C8B-B14F-4D97-AF65-F5344CB8AC3E}">
-        <p14:creationId xmlns:p14="http://schemas.microsoft.com/office/powerpoint/2010/main" val="40109320"/>
       </p:ext>
     </p:extLst>
   </p:cSld>

--- a/Phase 2 Documentation/Team_2_Presentation_2.pptx
+++ b/Phase 2 Documentation/Team_2_Presentation_2.pptx
@@ -8303,7 +8303,7 @@
           <a:p>
             <a:fld id="{40BFA2F5-D8EE-4C13-8817-1BE250F639AB}" type="datetimeFigureOut">
               <a:rPr lang="en-US" smtClean="0"/>
-              <a:t>3/9/2025</a:t>
+              <a:t>3/10/2025</a:t>
             </a:fld>
             <a:endParaRPr lang="en-US"/>
           </a:p>
@@ -8717,7 +8717,7 @@
           <a:p>
             <a:fld id="{40BFA2F5-D8EE-4C13-8817-1BE250F639AB}" type="datetimeFigureOut">
               <a:rPr lang="en-US" smtClean="0"/>
-              <a:t>3/9/2025</a:t>
+              <a:t>3/10/2025</a:t>
             </a:fld>
             <a:endParaRPr lang="en-US"/>
           </a:p>
@@ -9053,7 +9053,7 @@
           <a:p>
             <a:fld id="{40BFA2F5-D8EE-4C13-8817-1BE250F639AB}" type="datetimeFigureOut">
               <a:rPr lang="en-US" smtClean="0"/>
-              <a:t>3/9/2025</a:t>
+              <a:t>3/10/2025</a:t>
             </a:fld>
             <a:endParaRPr lang="en-US"/>
           </a:p>
@@ -9458,7 +9458,7 @@
           <a:p>
             <a:fld id="{40BFA2F5-D8EE-4C13-8817-1BE250F639AB}" type="datetimeFigureOut">
               <a:rPr lang="en-US" smtClean="0"/>
-              <a:t>3/9/2025</a:t>
+              <a:t>3/10/2025</a:t>
             </a:fld>
             <a:endParaRPr lang="en-US"/>
           </a:p>
@@ -10026,7 +10026,7 @@
           <a:p>
             <a:fld id="{40BFA2F5-D8EE-4C13-8817-1BE250F639AB}" type="datetimeFigureOut">
               <a:rPr lang="en-US" smtClean="0"/>
-              <a:t>3/9/2025</a:t>
+              <a:t>3/10/2025</a:t>
             </a:fld>
             <a:endParaRPr lang="en-US"/>
           </a:p>
@@ -10707,7 +10707,7 @@
           <a:p>
             <a:fld id="{40BFA2F5-D8EE-4C13-8817-1BE250F639AB}" type="datetimeFigureOut">
               <a:rPr lang="en-US" smtClean="0"/>
-              <a:t>3/9/2025</a:t>
+              <a:t>3/10/2025</a:t>
             </a:fld>
             <a:endParaRPr lang="en-US"/>
           </a:p>
@@ -11620,7 +11620,7 @@
           <a:p>
             <a:fld id="{40BFA2F5-D8EE-4C13-8817-1BE250F639AB}" type="datetimeFigureOut">
               <a:rPr lang="en-US" smtClean="0"/>
-              <a:t>3/9/2025</a:t>
+              <a:t>3/10/2025</a:t>
             </a:fld>
             <a:endParaRPr lang="en-US"/>
           </a:p>
@@ -11933,7 +11933,7 @@
           <a:p>
             <a:fld id="{40BFA2F5-D8EE-4C13-8817-1BE250F639AB}" type="datetimeFigureOut">
               <a:rPr lang="en-US" smtClean="0"/>
-              <a:t>3/9/2025</a:t>
+              <a:t>3/10/2025</a:t>
             </a:fld>
             <a:endParaRPr lang="en-US"/>
           </a:p>
@@ -12197,7 +12197,7 @@
           <a:p>
             <a:fld id="{40BFA2F5-D8EE-4C13-8817-1BE250F639AB}" type="datetimeFigureOut">
               <a:rPr lang="en-US" smtClean="0"/>
-              <a:t>3/9/2025</a:t>
+              <a:t>3/10/2025</a:t>
             </a:fld>
             <a:endParaRPr lang="en-US"/>
           </a:p>
@@ -12520,7 +12520,7 @@
           <a:p>
             <a:fld id="{40BFA2F5-D8EE-4C13-8817-1BE250F639AB}" type="datetimeFigureOut">
               <a:rPr lang="en-US" smtClean="0"/>
-              <a:t>3/9/2025</a:t>
+              <a:t>3/10/2025</a:t>
             </a:fld>
             <a:endParaRPr lang="en-US"/>
           </a:p>
@@ -12909,7 +12909,7 @@
           <a:p>
             <a:fld id="{40BFA2F5-D8EE-4C13-8817-1BE250F639AB}" type="datetimeFigureOut">
               <a:rPr lang="en-US" smtClean="0"/>
-              <a:t>3/9/2025</a:t>
+              <a:t>3/10/2025</a:t>
             </a:fld>
             <a:endParaRPr lang="en-US"/>
           </a:p>
@@ -13285,7 +13285,7 @@
           <a:p>
             <a:fld id="{40BFA2F5-D8EE-4C13-8817-1BE250F639AB}" type="datetimeFigureOut">
               <a:rPr lang="en-US" smtClean="0"/>
-              <a:t>3/9/2025</a:t>
+              <a:t>3/10/2025</a:t>
             </a:fld>
             <a:endParaRPr lang="en-US"/>
           </a:p>
@@ -13791,7 +13791,7 @@
           <a:p>
             <a:fld id="{40BFA2F5-D8EE-4C13-8817-1BE250F639AB}" type="datetimeFigureOut">
               <a:rPr lang="en-US" smtClean="0"/>
-              <a:t>3/9/2025</a:t>
+              <a:t>3/10/2025</a:t>
             </a:fld>
             <a:endParaRPr lang="en-US"/>
           </a:p>
@@ -14048,7 +14048,7 @@
           <a:p>
             <a:fld id="{40BFA2F5-D8EE-4C13-8817-1BE250F639AB}" type="datetimeFigureOut">
               <a:rPr lang="en-US" smtClean="0"/>
-              <a:t>3/9/2025</a:t>
+              <a:t>3/10/2025</a:t>
             </a:fld>
             <a:endParaRPr lang="en-US"/>
           </a:p>
@@ -14211,7 +14211,7 @@
           <a:p>
             <a:fld id="{40BFA2F5-D8EE-4C13-8817-1BE250F639AB}" type="datetimeFigureOut">
               <a:rPr lang="en-US" smtClean="0"/>
-              <a:t>3/9/2025</a:t>
+              <a:t>3/10/2025</a:t>
             </a:fld>
             <a:endParaRPr lang="en-US"/>
           </a:p>
@@ -14601,7 +14601,7 @@
           <a:p>
             <a:fld id="{40BFA2F5-D8EE-4C13-8817-1BE250F639AB}" type="datetimeFigureOut">
               <a:rPr lang="en-US" smtClean="0"/>
-              <a:t>3/9/2025</a:t>
+              <a:t>3/10/2025</a:t>
             </a:fld>
             <a:endParaRPr lang="en-US"/>
           </a:p>
@@ -15010,7 +15010,7 @@
           <a:p>
             <a:fld id="{40BFA2F5-D8EE-4C13-8817-1BE250F639AB}" type="datetimeFigureOut">
               <a:rPr lang="en-US" smtClean="0"/>
-              <a:t>3/9/2025</a:t>
+              <a:t>3/10/2025</a:t>
             </a:fld>
             <a:endParaRPr lang="en-US"/>
           </a:p>
@@ -15254,7 +15254,7 @@
           <a:p>
             <a:fld id="{40BFA2F5-D8EE-4C13-8817-1BE250F639AB}" type="datetimeFigureOut">
               <a:rPr lang="en-US" smtClean="0"/>
-              <a:t>3/9/2025</a:t>
+              <a:t>3/10/2025</a:t>
             </a:fld>
             <a:endParaRPr lang="en-US"/>
           </a:p>
@@ -15934,32 +15934,48 @@
           <a:lstStyle/>
           <a:p>
             <a:r>
-              <a:rPr lang="en-US" sz="2800" i="1">
+              <a:rPr lang="en-US" sz="2800" i="1" dirty="0">
                 <a:solidFill>
                   <a:srgbClr val="FFFFFF"/>
                 </a:solidFill>
               </a:rPr>
-              <a:t>Phase2</a:t>
+              <a:t>Phase 2</a:t>
             </a:r>
           </a:p>
           <a:p>
             <a:r>
-              <a:rPr lang="en-US" sz="2800">
+              <a:rPr lang="en-US" sz="2800" dirty="0">
                 <a:solidFill>
                   <a:srgbClr val="FFFFFF"/>
                 </a:solidFill>
               </a:rPr>
-              <a:t>Team2</a:t>
+              <a:t>Team 2</a:t>
             </a:r>
           </a:p>
           <a:p>
             <a:r>
-              <a:rPr lang="en-US" sz="2800">
+              <a:rPr lang="en-US" sz="2800" dirty="0">
                 <a:solidFill>
                   <a:srgbClr val="FFFFFF"/>
                 </a:solidFill>
               </a:rPr>
-              <a:t>Duncan, Kurejake, Jacob, Grant, Kaden</a:t>
+              <a:t>Duncan, </a:t>
+            </a:r>
+            <a:r>
+              <a:rPr lang="en-US" sz="2800" dirty="0" err="1">
+                <a:solidFill>
+                  <a:srgbClr val="FFFFFF"/>
+                </a:solidFill>
+              </a:rPr>
+              <a:t>Kurejake</a:t>
+            </a:r>
+            <a:r>
+              <a:rPr lang="en-US" sz="2800" dirty="0">
+                <a:solidFill>
+                  <a:srgbClr val="FFFFFF"/>
+                </a:solidFill>
+              </a:rPr>
+              <a:t>, Jacob, Grant, Kaden</a:t>
             </a:r>
           </a:p>
         </p:txBody>
@@ -17367,14 +17383,23 @@
           <a:p>
             <a:r>
               <a:rPr lang="en-US" dirty="0"/>
-              <a:t>Google Drive’s API</a:t>
+              <a:t>Google Drive API</a:t>
             </a:r>
           </a:p>
           <a:p>
             <a:r>
               <a:rPr lang="en-US" dirty="0"/>
-              <a:t>Google’s Login API</a:t>
+              <a:t>Google Sign-In API</a:t>
             </a:r>
+          </a:p>
+          <a:p>
+            <a:r>
+              <a:rPr lang="en-US" dirty="0"/>
+              <a:t>Google Cloud Secret Manager (possible)</a:t>
+            </a:r>
+          </a:p>
+          <a:p>
+            <a:endParaRPr lang="en-US" dirty="0"/>
           </a:p>
         </p:txBody>
       </p:sp>

--- a/Phase 2 Documentation/Team_2_Presentation_2.pptx
+++ b/Phase 2 Documentation/Team_2_Presentation_2.pptx
@@ -14,7 +14,8 @@
     <p:sldId id="259" r:id="rId8"/>
     <p:sldId id="263" r:id="rId9"/>
     <p:sldId id="264" r:id="rId10"/>
-    <p:sldId id="266" r:id="rId11"/>
+    <p:sldId id="267" r:id="rId11"/>
+    <p:sldId id="266" r:id="rId12"/>
   </p:sldIdLst>
   <p:sldSz cx="12192000" cy="6858000"/>
   <p:notesSz cx="6858000" cy="9144000"/>
@@ -16060,6 +16061,99 @@
   <p:cSld>
     <p:spTree>
       <p:nvGrpSpPr>
+        <p:cNvPr id="1" name=""/>
+        <p:cNvGrpSpPr/>
+        <p:nvPr/>
+      </p:nvGrpSpPr>
+      <p:grpSpPr>
+        <a:xfrm>
+          <a:off x="0" y="0"/>
+          <a:ext cx="0" cy="0"/>
+          <a:chOff x="0" y="0"/>
+          <a:chExt cx="0" cy="0"/>
+        </a:xfrm>
+      </p:grpSpPr>
+      <p:sp>
+        <p:nvSpPr>
+          <p:cNvPr id="2" name="Title 1">
+            <a:extLst>
+              <a:ext uri="{FF2B5EF4-FFF2-40B4-BE49-F238E27FC236}">
+                <a16:creationId xmlns:a16="http://schemas.microsoft.com/office/drawing/2014/main" id="{44C988C5-2E60-91F0-9D1B-7CBFE4F15430}"/>
+              </a:ext>
+            </a:extLst>
+          </p:cNvPr>
+          <p:cNvSpPr>
+            <a:spLocks noGrp="1"/>
+          </p:cNvSpPr>
+          <p:nvPr>
+            <p:ph type="title"/>
+          </p:nvPr>
+        </p:nvSpPr>
+        <p:spPr/>
+        <p:txBody>
+          <a:bodyPr/>
+          <a:lstStyle/>
+          <a:p>
+            <a:r>
+              <a:rPr lang="en-US" dirty="0"/>
+              <a:t>User Note Entry Process</a:t>
+            </a:r>
+          </a:p>
+        </p:txBody>
+      </p:sp>
+      <p:pic>
+        <p:nvPicPr>
+          <p:cNvPr id="5" name="Content Placeholder 4" descr="A diagram of a encrypted note&#10;&#10;AI-generated content may be incorrect.">
+            <a:extLst>
+              <a:ext uri="{FF2B5EF4-FFF2-40B4-BE49-F238E27FC236}">
+                <a16:creationId xmlns:a16="http://schemas.microsoft.com/office/drawing/2014/main" id="{34665E4A-D471-75A9-19E7-067CF3BB6670}"/>
+              </a:ext>
+            </a:extLst>
+          </p:cNvPr>
+          <p:cNvPicPr>
+            <a:picLocks noGrp="1" noChangeAspect="1"/>
+          </p:cNvPicPr>
+          <p:nvPr>
+            <p:ph idx="1"/>
+          </p:nvPr>
+        </p:nvPicPr>
+        <p:blipFill>
+          <a:blip r:embed="rId2">
+            <a:extLst>
+              <a:ext uri="{28A0092B-C50C-407E-A947-70E740481C1C}">
+                <a14:useLocalDpi xmlns:a14="http://schemas.microsoft.com/office/drawing/2010/main" val="0"/>
+              </a:ext>
+            </a:extLst>
+          </a:blip>
+          <a:stretch>
+            <a:fillRect/>
+          </a:stretch>
+        </p:blipFill>
+        <p:spPr>
+          <a:xfrm>
+            <a:off x="40443" y="2715624"/>
+            <a:ext cx="12111114" cy="2529039"/>
+          </a:xfrm>
+        </p:spPr>
+      </p:pic>
+    </p:spTree>
+    <p:extLst>
+      <p:ext uri="{BB962C8B-B14F-4D97-AF65-F5344CB8AC3E}">
+        <p14:creationId xmlns:p14="http://schemas.microsoft.com/office/powerpoint/2010/main" val="605322467"/>
+      </p:ext>
+    </p:extLst>
+  </p:cSld>
+  <p:clrMapOvr>
+    <a:masterClrMapping/>
+  </p:clrMapOvr>
+</p:sld>
+</file>
+
+<file path=ppt/slides/slide11.xml><?xml version="1.0" encoding="utf-8"?>
+<p:sld xmlns:a="http://schemas.openxmlformats.org/drawingml/2006/main" xmlns:r="http://schemas.openxmlformats.org/officeDocument/2006/relationships" xmlns:p="http://schemas.openxmlformats.org/presentationml/2006/main">
+  <p:cSld>
+    <p:spTree>
+      <p:nvGrpSpPr>
         <p:cNvPr id="1" name="">
           <a:extLst>
             <a:ext uri="{FF2B5EF4-FFF2-40B4-BE49-F238E27FC236}">

--- a/Phase 2 Documentation/Team_2_Presentation_2.pptx
+++ b/Phase 2 Documentation/Team_2_Presentation_2.pptx
@@ -7,14 +7,15 @@
   <p:sldIdLst>
     <p:sldId id="256" r:id="rId2"/>
     <p:sldId id="257" r:id="rId3"/>
-    <p:sldId id="260" r:id="rId4"/>
-    <p:sldId id="261" r:id="rId5"/>
-    <p:sldId id="265" r:id="rId6"/>
+    <p:sldId id="265" r:id="rId4"/>
+    <p:sldId id="260" r:id="rId5"/>
+    <p:sldId id="261" r:id="rId6"/>
     <p:sldId id="262" r:id="rId7"/>
     <p:sldId id="259" r:id="rId8"/>
     <p:sldId id="263" r:id="rId9"/>
     <p:sldId id="264" r:id="rId10"/>
-    <p:sldId id="266" r:id="rId11"/>
+    <p:sldId id="267" r:id="rId11"/>
+    <p:sldId id="266" r:id="rId12"/>
   </p:sldIdLst>
   <p:sldSz cx="12192000" cy="6858000"/>
   <p:notesSz cx="6858000" cy="9144000"/>
@@ -8303,7 +8304,7 @@
           <a:p>
             <a:fld id="{40BFA2F5-D8EE-4C13-8817-1BE250F639AB}" type="datetimeFigureOut">
               <a:rPr lang="en-US" smtClean="0"/>
-              <a:t>3/9/2025</a:t>
+              <a:t>3/10/2025</a:t>
             </a:fld>
             <a:endParaRPr lang="en-US"/>
           </a:p>
@@ -8717,7 +8718,7 @@
           <a:p>
             <a:fld id="{40BFA2F5-D8EE-4C13-8817-1BE250F639AB}" type="datetimeFigureOut">
               <a:rPr lang="en-US" smtClean="0"/>
-              <a:t>3/9/2025</a:t>
+              <a:t>3/10/2025</a:t>
             </a:fld>
             <a:endParaRPr lang="en-US"/>
           </a:p>
@@ -9053,7 +9054,7 @@
           <a:p>
             <a:fld id="{40BFA2F5-D8EE-4C13-8817-1BE250F639AB}" type="datetimeFigureOut">
               <a:rPr lang="en-US" smtClean="0"/>
-              <a:t>3/9/2025</a:t>
+              <a:t>3/10/2025</a:t>
             </a:fld>
             <a:endParaRPr lang="en-US"/>
           </a:p>
@@ -9458,7 +9459,7 @@
           <a:p>
             <a:fld id="{40BFA2F5-D8EE-4C13-8817-1BE250F639AB}" type="datetimeFigureOut">
               <a:rPr lang="en-US" smtClean="0"/>
-              <a:t>3/9/2025</a:t>
+              <a:t>3/10/2025</a:t>
             </a:fld>
             <a:endParaRPr lang="en-US"/>
           </a:p>
@@ -10026,7 +10027,7 @@
           <a:p>
             <a:fld id="{40BFA2F5-D8EE-4C13-8817-1BE250F639AB}" type="datetimeFigureOut">
               <a:rPr lang="en-US" smtClean="0"/>
-              <a:t>3/9/2025</a:t>
+              <a:t>3/10/2025</a:t>
             </a:fld>
             <a:endParaRPr lang="en-US"/>
           </a:p>
@@ -10707,7 +10708,7 @@
           <a:p>
             <a:fld id="{40BFA2F5-D8EE-4C13-8817-1BE250F639AB}" type="datetimeFigureOut">
               <a:rPr lang="en-US" smtClean="0"/>
-              <a:t>3/9/2025</a:t>
+              <a:t>3/10/2025</a:t>
             </a:fld>
             <a:endParaRPr lang="en-US"/>
           </a:p>
@@ -11620,7 +11621,7 @@
           <a:p>
             <a:fld id="{40BFA2F5-D8EE-4C13-8817-1BE250F639AB}" type="datetimeFigureOut">
               <a:rPr lang="en-US" smtClean="0"/>
-              <a:t>3/9/2025</a:t>
+              <a:t>3/10/2025</a:t>
             </a:fld>
             <a:endParaRPr lang="en-US"/>
           </a:p>
@@ -11933,7 +11934,7 @@
           <a:p>
             <a:fld id="{40BFA2F5-D8EE-4C13-8817-1BE250F639AB}" type="datetimeFigureOut">
               <a:rPr lang="en-US" smtClean="0"/>
-              <a:t>3/9/2025</a:t>
+              <a:t>3/10/2025</a:t>
             </a:fld>
             <a:endParaRPr lang="en-US"/>
           </a:p>
@@ -12197,7 +12198,7 @@
           <a:p>
             <a:fld id="{40BFA2F5-D8EE-4C13-8817-1BE250F639AB}" type="datetimeFigureOut">
               <a:rPr lang="en-US" smtClean="0"/>
-              <a:t>3/9/2025</a:t>
+              <a:t>3/10/2025</a:t>
             </a:fld>
             <a:endParaRPr lang="en-US"/>
           </a:p>
@@ -12520,7 +12521,7 @@
           <a:p>
             <a:fld id="{40BFA2F5-D8EE-4C13-8817-1BE250F639AB}" type="datetimeFigureOut">
               <a:rPr lang="en-US" smtClean="0"/>
-              <a:t>3/9/2025</a:t>
+              <a:t>3/10/2025</a:t>
             </a:fld>
             <a:endParaRPr lang="en-US"/>
           </a:p>
@@ -12909,7 +12910,7 @@
           <a:p>
             <a:fld id="{40BFA2F5-D8EE-4C13-8817-1BE250F639AB}" type="datetimeFigureOut">
               <a:rPr lang="en-US" smtClean="0"/>
-              <a:t>3/9/2025</a:t>
+              <a:t>3/10/2025</a:t>
             </a:fld>
             <a:endParaRPr lang="en-US"/>
           </a:p>
@@ -13285,7 +13286,7 @@
           <a:p>
             <a:fld id="{40BFA2F5-D8EE-4C13-8817-1BE250F639AB}" type="datetimeFigureOut">
               <a:rPr lang="en-US" smtClean="0"/>
-              <a:t>3/9/2025</a:t>
+              <a:t>3/10/2025</a:t>
             </a:fld>
             <a:endParaRPr lang="en-US"/>
           </a:p>
@@ -13791,7 +13792,7 @@
           <a:p>
             <a:fld id="{40BFA2F5-D8EE-4C13-8817-1BE250F639AB}" type="datetimeFigureOut">
               <a:rPr lang="en-US" smtClean="0"/>
-              <a:t>3/9/2025</a:t>
+              <a:t>3/10/2025</a:t>
             </a:fld>
             <a:endParaRPr lang="en-US"/>
           </a:p>
@@ -14048,7 +14049,7 @@
           <a:p>
             <a:fld id="{40BFA2F5-D8EE-4C13-8817-1BE250F639AB}" type="datetimeFigureOut">
               <a:rPr lang="en-US" smtClean="0"/>
-              <a:t>3/9/2025</a:t>
+              <a:t>3/10/2025</a:t>
             </a:fld>
             <a:endParaRPr lang="en-US"/>
           </a:p>
@@ -14211,7 +14212,7 @@
           <a:p>
             <a:fld id="{40BFA2F5-D8EE-4C13-8817-1BE250F639AB}" type="datetimeFigureOut">
               <a:rPr lang="en-US" smtClean="0"/>
-              <a:t>3/9/2025</a:t>
+              <a:t>3/10/2025</a:t>
             </a:fld>
             <a:endParaRPr lang="en-US"/>
           </a:p>
@@ -14601,7 +14602,7 @@
           <a:p>
             <a:fld id="{40BFA2F5-D8EE-4C13-8817-1BE250F639AB}" type="datetimeFigureOut">
               <a:rPr lang="en-US" smtClean="0"/>
-              <a:t>3/9/2025</a:t>
+              <a:t>3/10/2025</a:t>
             </a:fld>
             <a:endParaRPr lang="en-US"/>
           </a:p>
@@ -15010,7 +15011,7 @@
           <a:p>
             <a:fld id="{40BFA2F5-D8EE-4C13-8817-1BE250F639AB}" type="datetimeFigureOut">
               <a:rPr lang="en-US" smtClean="0"/>
-              <a:t>3/9/2025</a:t>
+              <a:t>3/10/2025</a:t>
             </a:fld>
             <a:endParaRPr lang="en-US"/>
           </a:p>
@@ -15254,7 +15255,7 @@
           <a:p>
             <a:fld id="{40BFA2F5-D8EE-4C13-8817-1BE250F639AB}" type="datetimeFigureOut">
               <a:rPr lang="en-US" smtClean="0"/>
-              <a:t>3/9/2025</a:t>
+              <a:t>3/10/2025</a:t>
             </a:fld>
             <a:endParaRPr lang="en-US"/>
           </a:p>
@@ -15934,32 +15935,48 @@
           <a:lstStyle/>
           <a:p>
             <a:r>
-              <a:rPr lang="en-US" sz="2800" i="1">
+              <a:rPr lang="en-US" sz="2800" i="1" dirty="0">
                 <a:solidFill>
                   <a:srgbClr val="FFFFFF"/>
                 </a:solidFill>
               </a:rPr>
-              <a:t>Phase2</a:t>
+              <a:t>Phase 2</a:t>
             </a:r>
           </a:p>
           <a:p>
             <a:r>
-              <a:rPr lang="en-US" sz="2800">
+              <a:rPr lang="en-US" sz="2800" dirty="0">
                 <a:solidFill>
                   <a:srgbClr val="FFFFFF"/>
                 </a:solidFill>
               </a:rPr>
-              <a:t>Team2</a:t>
+              <a:t>Team 2</a:t>
             </a:r>
           </a:p>
           <a:p>
             <a:r>
-              <a:rPr lang="en-US" sz="2800">
+              <a:rPr lang="en-US" sz="2800" dirty="0">
                 <a:solidFill>
                   <a:srgbClr val="FFFFFF"/>
                 </a:solidFill>
               </a:rPr>
-              <a:t>Duncan, Kurejake, Jacob, Grant, Kaden</a:t>
+              <a:t>Duncan, </a:t>
+            </a:r>
+            <a:r>
+              <a:rPr lang="en-US" sz="2800" dirty="0" err="1">
+                <a:solidFill>
+                  <a:srgbClr val="FFFFFF"/>
+                </a:solidFill>
+              </a:rPr>
+              <a:t>Kurejake</a:t>
+            </a:r>
+            <a:r>
+              <a:rPr lang="en-US" sz="2800" dirty="0">
+                <a:solidFill>
+                  <a:srgbClr val="FFFFFF"/>
+                </a:solidFill>
+              </a:rPr>
+              <a:t>, Jacob, Grant, Kaden</a:t>
             </a:r>
           </a:p>
         </p:txBody>
@@ -16044,6 +16061,99 @@
   <p:cSld>
     <p:spTree>
       <p:nvGrpSpPr>
+        <p:cNvPr id="1" name=""/>
+        <p:cNvGrpSpPr/>
+        <p:nvPr/>
+      </p:nvGrpSpPr>
+      <p:grpSpPr>
+        <a:xfrm>
+          <a:off x="0" y="0"/>
+          <a:ext cx="0" cy="0"/>
+          <a:chOff x="0" y="0"/>
+          <a:chExt cx="0" cy="0"/>
+        </a:xfrm>
+      </p:grpSpPr>
+      <p:sp>
+        <p:nvSpPr>
+          <p:cNvPr id="2" name="Title 1">
+            <a:extLst>
+              <a:ext uri="{FF2B5EF4-FFF2-40B4-BE49-F238E27FC236}">
+                <a16:creationId xmlns:a16="http://schemas.microsoft.com/office/drawing/2014/main" id="{44C988C5-2E60-91F0-9D1B-7CBFE4F15430}"/>
+              </a:ext>
+            </a:extLst>
+          </p:cNvPr>
+          <p:cNvSpPr>
+            <a:spLocks noGrp="1"/>
+          </p:cNvSpPr>
+          <p:nvPr>
+            <p:ph type="title"/>
+          </p:nvPr>
+        </p:nvSpPr>
+        <p:spPr/>
+        <p:txBody>
+          <a:bodyPr/>
+          <a:lstStyle/>
+          <a:p>
+            <a:r>
+              <a:rPr lang="en-US" dirty="0"/>
+              <a:t>User Note Entry Process</a:t>
+            </a:r>
+          </a:p>
+        </p:txBody>
+      </p:sp>
+      <p:pic>
+        <p:nvPicPr>
+          <p:cNvPr id="5" name="Content Placeholder 4" descr="A diagram of a encrypted note&#10;&#10;AI-generated content may be incorrect.">
+            <a:extLst>
+              <a:ext uri="{FF2B5EF4-FFF2-40B4-BE49-F238E27FC236}">
+                <a16:creationId xmlns:a16="http://schemas.microsoft.com/office/drawing/2014/main" id="{34665E4A-D471-75A9-19E7-067CF3BB6670}"/>
+              </a:ext>
+            </a:extLst>
+          </p:cNvPr>
+          <p:cNvPicPr>
+            <a:picLocks noGrp="1" noChangeAspect="1"/>
+          </p:cNvPicPr>
+          <p:nvPr>
+            <p:ph idx="1"/>
+          </p:nvPr>
+        </p:nvPicPr>
+        <p:blipFill>
+          <a:blip r:embed="rId2">
+            <a:extLst>
+              <a:ext uri="{28A0092B-C50C-407E-A947-70E740481C1C}">
+                <a14:useLocalDpi xmlns:a14="http://schemas.microsoft.com/office/drawing/2010/main" val="0"/>
+              </a:ext>
+            </a:extLst>
+          </a:blip>
+          <a:stretch>
+            <a:fillRect/>
+          </a:stretch>
+        </p:blipFill>
+        <p:spPr>
+          <a:xfrm>
+            <a:off x="40443" y="2715624"/>
+            <a:ext cx="12111114" cy="2529039"/>
+          </a:xfrm>
+        </p:spPr>
+      </p:pic>
+    </p:spTree>
+    <p:extLst>
+      <p:ext uri="{BB962C8B-B14F-4D97-AF65-F5344CB8AC3E}">
+        <p14:creationId xmlns:p14="http://schemas.microsoft.com/office/powerpoint/2010/main" val="605322467"/>
+      </p:ext>
+    </p:extLst>
+  </p:cSld>
+  <p:clrMapOvr>
+    <a:masterClrMapping/>
+  </p:clrMapOvr>
+</p:sld>
+</file>
+
+<file path=ppt/slides/slide11.xml><?xml version="1.0" encoding="utf-8"?>
+<p:sld xmlns:a="http://schemas.openxmlformats.org/drawingml/2006/main" xmlns:r="http://schemas.openxmlformats.org/officeDocument/2006/relationships" xmlns:p="http://schemas.openxmlformats.org/presentationml/2006/main">
+  <p:cSld>
+    <p:spTree>
+      <p:nvGrpSpPr>
         <p:cNvPr id="1" name="">
           <a:extLst>
             <a:ext uri="{FF2B5EF4-FFF2-40B4-BE49-F238E27FC236}">
@@ -16083,7 +16193,10 @@
           <a:bodyPr/>
           <a:lstStyle/>
           <a:p>
-            <a:endParaRPr lang="en-US"/>
+            <a:r>
+              <a:rPr lang="en-US" dirty="0"/>
+              <a:t>Questions?</a:t>
+            </a:r>
           </a:p>
         </p:txBody>
       </p:sp>
@@ -16637,6 +16750,142 @@
 <file path=ppt/slides/slide3.xml><?xml version="1.0" encoding="utf-8"?>
 <p:sld xmlns:a="http://schemas.openxmlformats.org/drawingml/2006/main" xmlns:r="http://schemas.openxmlformats.org/officeDocument/2006/relationships" xmlns:p="http://schemas.openxmlformats.org/presentationml/2006/main">
   <p:cSld>
+    <p:spTree>
+      <p:nvGrpSpPr>
+        <p:cNvPr id="1" name="">
+          <a:extLst>
+            <a:ext uri="{FF2B5EF4-FFF2-40B4-BE49-F238E27FC236}">
+              <a16:creationId xmlns:a16="http://schemas.microsoft.com/office/drawing/2014/main" id="{CC27D892-C42E-E633-F475-930F3F6A0D49}"/>
+            </a:ext>
+          </a:extLst>
+        </p:cNvPr>
+        <p:cNvGrpSpPr/>
+        <p:nvPr/>
+      </p:nvGrpSpPr>
+      <p:grpSpPr>
+        <a:xfrm>
+          <a:off x="0" y="0"/>
+          <a:ext cx="0" cy="0"/>
+          <a:chOff x="0" y="0"/>
+          <a:chExt cx="0" cy="0"/>
+        </a:xfrm>
+      </p:grpSpPr>
+      <p:sp>
+        <p:nvSpPr>
+          <p:cNvPr id="2" name="Title 1">
+            <a:extLst>
+              <a:ext uri="{FF2B5EF4-FFF2-40B4-BE49-F238E27FC236}">
+                <a16:creationId xmlns:a16="http://schemas.microsoft.com/office/drawing/2014/main" id="{591B2511-AC71-BC7A-D4A3-D7F0CE6603F6}"/>
+              </a:ext>
+            </a:extLst>
+          </p:cNvPr>
+          <p:cNvSpPr>
+            <a:spLocks noGrp="1"/>
+          </p:cNvSpPr>
+          <p:nvPr>
+            <p:ph type="title"/>
+          </p:nvPr>
+        </p:nvSpPr>
+        <p:spPr/>
+        <p:txBody>
+          <a:bodyPr/>
+          <a:lstStyle/>
+          <a:p>
+            <a:r>
+              <a:rPr lang="en-US" dirty="0"/>
+              <a:t>Current Front-end</a:t>
+            </a:r>
+          </a:p>
+        </p:txBody>
+      </p:sp>
+      <p:pic>
+        <p:nvPicPr>
+          <p:cNvPr id="6" name="Picture 5" descr="A screenshot of a computer&#10;&#10;AI-generated content may be incorrect.">
+            <a:extLst>
+              <a:ext uri="{FF2B5EF4-FFF2-40B4-BE49-F238E27FC236}">
+                <a16:creationId xmlns:a16="http://schemas.microsoft.com/office/drawing/2014/main" id="{F33971A1-55D1-03E6-1CA9-B0CD190C0144}"/>
+              </a:ext>
+            </a:extLst>
+          </p:cNvPr>
+          <p:cNvPicPr>
+            <a:picLocks noChangeAspect="1"/>
+          </p:cNvPicPr>
+          <p:nvPr/>
+        </p:nvPicPr>
+        <p:blipFill>
+          <a:blip r:embed="rId2">
+            <a:extLst>
+              <a:ext uri="{28A0092B-C50C-407E-A947-70E740481C1C}">
+                <a14:useLocalDpi xmlns:a14="http://schemas.microsoft.com/office/drawing/2010/main" val="0"/>
+              </a:ext>
+            </a:extLst>
+          </a:blip>
+          <a:stretch>
+            <a:fillRect/>
+          </a:stretch>
+        </p:blipFill>
+        <p:spPr>
+          <a:xfrm>
+            <a:off x="287129" y="2586157"/>
+            <a:ext cx="5643220" cy="3518615"/>
+          </a:xfrm>
+          <a:prstGeom prst="rect">
+            <a:avLst/>
+          </a:prstGeom>
+        </p:spPr>
+      </p:pic>
+      <p:pic>
+        <p:nvPicPr>
+          <p:cNvPr id="8" name="Picture 7" descr="A screenshot of a computer&#10;&#10;AI-generated content may be incorrect.">
+            <a:extLst>
+              <a:ext uri="{FF2B5EF4-FFF2-40B4-BE49-F238E27FC236}">
+                <a16:creationId xmlns:a16="http://schemas.microsoft.com/office/drawing/2014/main" id="{69B920AB-4556-B5B7-C57F-2E64D9013DF5}"/>
+              </a:ext>
+            </a:extLst>
+          </p:cNvPr>
+          <p:cNvPicPr>
+            <a:picLocks noChangeAspect="1"/>
+          </p:cNvPicPr>
+          <p:nvPr/>
+        </p:nvPicPr>
+        <p:blipFill>
+          <a:blip r:embed="rId3">
+            <a:extLst>
+              <a:ext uri="{28A0092B-C50C-407E-A947-70E740481C1C}">
+                <a14:useLocalDpi xmlns:a14="http://schemas.microsoft.com/office/drawing/2010/main" val="0"/>
+              </a:ext>
+            </a:extLst>
+          </a:blip>
+          <a:stretch>
+            <a:fillRect/>
+          </a:stretch>
+        </p:blipFill>
+        <p:spPr>
+          <a:xfrm>
+            <a:off x="6261652" y="2586157"/>
+            <a:ext cx="5643219" cy="3518615"/>
+          </a:xfrm>
+          <a:prstGeom prst="rect">
+            <a:avLst/>
+          </a:prstGeom>
+        </p:spPr>
+      </p:pic>
+    </p:spTree>
+    <p:extLst>
+      <p:ext uri="{BB962C8B-B14F-4D97-AF65-F5344CB8AC3E}">
+        <p14:creationId xmlns:p14="http://schemas.microsoft.com/office/powerpoint/2010/main" val="40109320"/>
+      </p:ext>
+    </p:extLst>
+  </p:cSld>
+  <p:clrMapOvr>
+    <a:masterClrMapping/>
+  </p:clrMapOvr>
+</p:sld>
+</file>
+
+<file path=ppt/slides/slide4.xml><?xml version="1.0" encoding="utf-8"?>
+<p:sld xmlns:a="http://schemas.openxmlformats.org/drawingml/2006/main" xmlns:r="http://schemas.openxmlformats.org/officeDocument/2006/relationships" xmlns:p="http://schemas.openxmlformats.org/presentationml/2006/main">
+  <p:cSld>
     <p:bg>
       <p:bgPr>
         <a:gradFill rotWithShape="1">
@@ -17048,7 +17297,7 @@
 </p:sld>
 </file>
 
-<file path=ppt/slides/slide4.xml><?xml version="1.0" encoding="utf-8"?>
+<file path=ppt/slides/slide5.xml><?xml version="1.0" encoding="utf-8"?>
 <p:sld xmlns:a="http://schemas.openxmlformats.org/drawingml/2006/main" xmlns:r="http://schemas.openxmlformats.org/officeDocument/2006/relationships" xmlns:p="http://schemas.openxmlformats.org/presentationml/2006/main">
   <p:cSld>
     <p:spTree>
@@ -17147,129 +17396,6 @@
 </p:sld>
 </file>
 
-<file path=ppt/slides/slide5.xml><?xml version="1.0" encoding="utf-8"?>
-<p:sld xmlns:a="http://schemas.openxmlformats.org/drawingml/2006/main" xmlns:r="http://schemas.openxmlformats.org/officeDocument/2006/relationships" xmlns:p="http://schemas.openxmlformats.org/presentationml/2006/main">
-  <p:cSld>
-    <p:spTree>
-      <p:nvGrpSpPr>
-        <p:cNvPr id="1" name="">
-          <a:extLst>
-            <a:ext uri="{FF2B5EF4-FFF2-40B4-BE49-F238E27FC236}">
-              <a16:creationId xmlns:a16="http://schemas.microsoft.com/office/drawing/2014/main" id="{CC27D892-C42E-E633-F475-930F3F6A0D49}"/>
-            </a:ext>
-          </a:extLst>
-        </p:cNvPr>
-        <p:cNvGrpSpPr/>
-        <p:nvPr/>
-      </p:nvGrpSpPr>
-      <p:grpSpPr>
-        <a:xfrm>
-          <a:off x="0" y="0"/>
-          <a:ext cx="0" cy="0"/>
-          <a:chOff x="0" y="0"/>
-          <a:chExt cx="0" cy="0"/>
-        </a:xfrm>
-      </p:grpSpPr>
-      <p:sp>
-        <p:nvSpPr>
-          <p:cNvPr id="2" name="Title 1">
-            <a:extLst>
-              <a:ext uri="{FF2B5EF4-FFF2-40B4-BE49-F238E27FC236}">
-                <a16:creationId xmlns:a16="http://schemas.microsoft.com/office/drawing/2014/main" id="{591B2511-AC71-BC7A-D4A3-D7F0CE6603F6}"/>
-              </a:ext>
-            </a:extLst>
-          </p:cNvPr>
-          <p:cNvSpPr>
-            <a:spLocks noGrp="1"/>
-          </p:cNvSpPr>
-          <p:nvPr>
-            <p:ph type="title"/>
-          </p:nvPr>
-        </p:nvSpPr>
-        <p:spPr/>
-        <p:txBody>
-          <a:bodyPr/>
-          <a:lstStyle/>
-          <a:p>
-            <a:r>
-              <a:rPr lang="en-US" dirty="0"/>
-              <a:t>Refined Front-end</a:t>
-            </a:r>
-          </a:p>
-        </p:txBody>
-      </p:sp>
-      <p:pic>
-        <p:nvPicPr>
-          <p:cNvPr id="4" name="Content Placeholder 3" descr="A screenshot of a computer&#10;&#10;AI-generated content may be incorrect.">
-            <a:extLst>
-              <a:ext uri="{FF2B5EF4-FFF2-40B4-BE49-F238E27FC236}">
-                <a16:creationId xmlns:a16="http://schemas.microsoft.com/office/drawing/2014/main" id="{993C91D9-0133-FBC4-7D4A-683C4868CB51}"/>
-              </a:ext>
-            </a:extLst>
-          </p:cNvPr>
-          <p:cNvPicPr>
-            <a:picLocks noGrp="1" noChangeAspect="1"/>
-          </p:cNvPicPr>
-          <p:nvPr>
-            <p:ph idx="1"/>
-          </p:nvPr>
-        </p:nvPicPr>
-        <p:blipFill>
-          <a:blip r:embed="rId2"/>
-          <a:stretch>
-            <a:fillRect/>
-          </a:stretch>
-        </p:blipFill>
-        <p:spPr>
-          <a:xfrm>
-            <a:off x="221220" y="2811744"/>
-            <a:ext cx="5871717" cy="3510968"/>
-          </a:xfrm>
-        </p:spPr>
-      </p:pic>
-      <p:pic>
-        <p:nvPicPr>
-          <p:cNvPr id="5" name="Picture 4" descr="A screenshot of a computer&#10;&#10;AI-generated content may be incorrect.">
-            <a:extLst>
-              <a:ext uri="{FF2B5EF4-FFF2-40B4-BE49-F238E27FC236}">
-                <a16:creationId xmlns:a16="http://schemas.microsoft.com/office/drawing/2014/main" id="{B2BCAEF1-7767-1962-C831-31B89D968C8B}"/>
-              </a:ext>
-            </a:extLst>
-          </p:cNvPr>
-          <p:cNvPicPr>
-            <a:picLocks noChangeAspect="1"/>
-          </p:cNvPicPr>
-          <p:nvPr/>
-        </p:nvPicPr>
-        <p:blipFill>
-          <a:blip r:embed="rId3"/>
-          <a:stretch>
-            <a:fillRect/>
-          </a:stretch>
-        </p:blipFill>
-        <p:spPr>
-          <a:xfrm>
-            <a:off x="6261652" y="2813639"/>
-            <a:ext cx="5643219" cy="3516720"/>
-          </a:xfrm>
-          <a:prstGeom prst="rect">
-            <a:avLst/>
-          </a:prstGeom>
-        </p:spPr>
-      </p:pic>
-    </p:spTree>
-    <p:extLst>
-      <p:ext uri="{BB962C8B-B14F-4D97-AF65-F5344CB8AC3E}">
-        <p14:creationId xmlns:p14="http://schemas.microsoft.com/office/powerpoint/2010/main" val="40109320"/>
-      </p:ext>
-    </p:extLst>
-  </p:cSld>
-  <p:clrMapOvr>
-    <a:masterClrMapping/>
-  </p:clrMapOvr>
-</p:sld>
-</file>
-
 <file path=ppt/slides/slide6.xml><?xml version="1.0" encoding="utf-8"?>
 <p:sld xmlns:a="http://schemas.openxmlformats.org/drawingml/2006/main" xmlns:r="http://schemas.openxmlformats.org/officeDocument/2006/relationships" xmlns:p="http://schemas.openxmlformats.org/presentationml/2006/main">
   <p:cSld>
@@ -17348,6 +17474,24 @@
             <a:normAutofit/>
           </a:bodyPr>
           <a:lstStyle/>
+          <a:p>
+            <a:r>
+              <a:rPr lang="en-US" dirty="0"/>
+              <a:t>Google Drive API</a:t>
+            </a:r>
+          </a:p>
+          <a:p>
+            <a:r>
+              <a:rPr lang="en-US" dirty="0"/>
+              <a:t>Google Sign-In API</a:t>
+            </a:r>
+          </a:p>
+          <a:p>
+            <a:r>
+              <a:rPr lang="en-US" dirty="0"/>
+              <a:t>Google Cloud Secret Manager (possible)</a:t>
+            </a:r>
+          </a:p>
           <a:p>
             <a:endParaRPr lang="en-US" dirty="0"/>
           </a:p>

--- a/Phase 2 Documentation/Team_2_Presentation_2.pptx
+++ b/Phase 2 Documentation/Team_2_Presentation_2.pptx
@@ -2481,7 +2481,7 @@
 <dgm:dataModel xmlns:dgm="http://schemas.openxmlformats.org/drawingml/2006/diagram" xmlns:a="http://schemas.openxmlformats.org/drawingml/2006/main">
   <dgm:ptLst>
     <dgm:pt modelId="{2A2534A5-79A8-469B-A0AE-5988A0A1F6D8}" type="doc">
-      <dgm:prSet loTypeId="urn:microsoft.com/office/officeart/2008/layout/LinedList" loCatId="list" qsTypeId="urn:microsoft.com/office/officeart/2005/8/quickstyle/simple5" qsCatId="simple" csTypeId="urn:microsoft.com/office/officeart/2005/8/colors/colorful2" csCatId="colorful"/>
+      <dgm:prSet loTypeId="urn:microsoft.com/office/officeart/2008/layout/LinedList" loCatId="list" qsTypeId="urn:microsoft.com/office/officeart/2005/8/quickstyle/simple5" qsCatId="simple" csTypeId="urn:microsoft.com/office/officeart/2005/8/colors/colorful2" csCatId="colorful" phldr="1"/>
       <dgm:spPr/>
       <dgm:t>
         <a:bodyPr/>
@@ -2506,7 +2506,7 @@
           </a:r>
           <a:r>
             <a:rPr lang="en-US" dirty="0"/>
-            <a:t> added all documents templates to the GitHub</a:t>
+            <a:t> added all documents templates to the GitHub and then renamed them</a:t>
           </a:r>
         </a:p>
       </dgm:t>
@@ -2542,7 +2542,7 @@
         <a:p>
           <a:r>
             <a:rPr lang="en-US" dirty="0"/>
-            <a:t>Then we all later started to add pieces what we did and completed parts of the documents</a:t>
+            <a:t>Then we all later started to add pieces what of we did and completed parts of the documents</a:t>
           </a:r>
         </a:p>
       </dgm:t>
@@ -3202,7 +3202,7 @@
           </a:r>
           <a:r>
             <a:rPr lang="en-US" sz="2600" kern="1200" dirty="0"/>
-            <a:t> added all documents templates to the GitHub</a:t>
+            <a:t> added all documents templates to the GitHub and then renamed them</a:t>
           </a:r>
         </a:p>
       </dsp:txBody>
@@ -3347,7 +3347,7 @@
           </a:pPr>
           <a:r>
             <a:rPr lang="en-US" sz="2600" kern="1200" dirty="0"/>
-            <a:t>Then we all later started to add pieces what we did and completed parts of the documents</a:t>
+            <a:t>Then we all later started to add pieces what of we did and completed parts of the documents</a:t>
           </a:r>
         </a:p>
       </dsp:txBody>
@@ -16772,6 +16772,59 @@
       </p:grpSpPr>
       <p:sp>
         <p:nvSpPr>
+          <p:cNvPr id="9" name="Rectangle 8">
+            <a:extLst>
+              <a:ext uri="{FF2B5EF4-FFF2-40B4-BE49-F238E27FC236}">
+                <a16:creationId xmlns:a16="http://schemas.microsoft.com/office/drawing/2014/main" id="{787CFA08-73BE-FA94-35C9-C319746642E5}"/>
+              </a:ext>
+            </a:extLst>
+          </p:cNvPr>
+          <p:cNvSpPr/>
+          <p:nvPr/>
+        </p:nvSpPr>
+        <p:spPr>
+          <a:xfrm>
+            <a:off x="186612" y="65314"/>
+            <a:ext cx="6083559" cy="1073021"/>
+          </a:xfrm>
+          <a:prstGeom prst="rect">
+            <a:avLst/>
+          </a:prstGeom>
+          <a:effectLst>
+            <a:outerShdw blurRad="50800" dist="38100" dir="2700000" algn="tl" rotWithShape="0">
+              <a:prstClr val="black">
+                <a:alpha val="40000"/>
+              </a:prstClr>
+            </a:outerShdw>
+          </a:effectLst>
+        </p:spPr>
+        <p:style>
+          <a:lnRef idx="2">
+            <a:schemeClr val="dk1">
+              <a:shade val="15000"/>
+            </a:schemeClr>
+          </a:lnRef>
+          <a:fillRef idx="1">
+            <a:schemeClr val="dk1"/>
+          </a:fillRef>
+          <a:effectRef idx="0">
+            <a:schemeClr val="dk1"/>
+          </a:effectRef>
+          <a:fontRef idx="minor">
+            <a:schemeClr val="lt1"/>
+          </a:fontRef>
+        </p:style>
+        <p:txBody>
+          <a:bodyPr rtlCol="0" anchor="ctr"/>
+          <a:lstStyle/>
+          <a:p>
+            <a:pPr algn="ctr"/>
+            <a:endParaRPr lang="en-US"/>
+          </a:p>
+        </p:txBody>
+      </p:sp>
+      <p:sp>
+        <p:nvSpPr>
           <p:cNvPr id="2" name="Title 1">
             <a:extLst>
               <a:ext uri="{FF2B5EF4-FFF2-40B4-BE49-F238E27FC236}">
@@ -16783,17 +16836,22 @@
             <a:spLocks noGrp="1"/>
           </p:cNvSpPr>
           <p:nvPr>
-            <p:ph type="title"/>
+            <p:ph type="title" idx="4294967295"/>
           </p:nvPr>
         </p:nvSpPr>
-        <p:spPr/>
+        <p:spPr>
+          <a:xfrm>
+            <a:off x="212919" y="65314"/>
+            <a:ext cx="9613900" cy="1081088"/>
+          </a:xfrm>
+        </p:spPr>
         <p:txBody>
           <a:bodyPr/>
           <a:lstStyle/>
           <a:p>
             <a:r>
               <a:rPr lang="en-US" dirty="0"/>
-              <a:t>Current Front-end</a:t>
+              <a:t>Current and Past Front-end</a:t>
             </a:r>
           </a:p>
         </p:txBody>
@@ -16826,8 +16884,8 @@
         </p:blipFill>
         <p:spPr>
           <a:xfrm>
-            <a:off x="287129" y="2586157"/>
-            <a:ext cx="5643220" cy="3518615"/>
+            <a:off x="6400628" y="541177"/>
+            <a:ext cx="4631546" cy="2887824"/>
           </a:xfrm>
           <a:prstGeom prst="rect">
             <a:avLst/>
@@ -16862,14 +16920,127 @@
         </p:blipFill>
         <p:spPr>
           <a:xfrm>
-            <a:off x="6261652" y="2586157"/>
-            <a:ext cx="5643219" cy="3518615"/>
+            <a:off x="5660952" y="3429000"/>
+            <a:ext cx="5371221" cy="3349021"/>
           </a:xfrm>
           <a:prstGeom prst="rect">
             <a:avLst/>
           </a:prstGeom>
         </p:spPr>
       </p:pic>
+      <p:pic>
+        <p:nvPicPr>
+          <p:cNvPr id="4" name="Picture 3">
+            <a:extLst>
+              <a:ext uri="{FF2B5EF4-FFF2-40B4-BE49-F238E27FC236}">
+                <a16:creationId xmlns:a16="http://schemas.microsoft.com/office/drawing/2014/main" id="{71D1837B-AD5D-83BA-4247-BE9239738FC6}"/>
+              </a:ext>
+            </a:extLst>
+          </p:cNvPr>
+          <p:cNvPicPr>
+            <a:picLocks noChangeAspect="1"/>
+          </p:cNvPicPr>
+          <p:nvPr/>
+        </p:nvPicPr>
+        <p:blipFill>
+          <a:blip r:embed="rId4"/>
+          <a:stretch>
+            <a:fillRect/>
+          </a:stretch>
+        </p:blipFill>
+        <p:spPr>
+          <a:xfrm>
+            <a:off x="433891" y="1228598"/>
+            <a:ext cx="4949871" cy="2782044"/>
+          </a:xfrm>
+          <a:prstGeom prst="rect">
+            <a:avLst/>
+          </a:prstGeom>
+        </p:spPr>
+      </p:pic>
+      <p:pic>
+        <p:nvPicPr>
+          <p:cNvPr id="7" name="Picture 6">
+            <a:extLst>
+              <a:ext uri="{FF2B5EF4-FFF2-40B4-BE49-F238E27FC236}">
+                <a16:creationId xmlns:a16="http://schemas.microsoft.com/office/drawing/2014/main" id="{1DBC53DB-1832-71C4-D410-488CA7348926}"/>
+              </a:ext>
+            </a:extLst>
+          </p:cNvPr>
+          <p:cNvPicPr>
+            <a:picLocks noChangeAspect="1"/>
+          </p:cNvPicPr>
+          <p:nvPr/>
+        </p:nvPicPr>
+        <p:blipFill>
+          <a:blip r:embed="rId5"/>
+          <a:stretch>
+            <a:fillRect/>
+          </a:stretch>
+        </p:blipFill>
+        <p:spPr>
+          <a:xfrm>
+            <a:off x="433892" y="4010642"/>
+            <a:ext cx="4949871" cy="2782044"/>
+          </a:xfrm>
+          <a:prstGeom prst="rect">
+            <a:avLst/>
+          </a:prstGeom>
+        </p:spPr>
+      </p:pic>
+      <p:sp>
+        <p:nvSpPr>
+          <p:cNvPr id="10" name="Arrow: Left 9">
+            <a:extLst>
+              <a:ext uri="{FF2B5EF4-FFF2-40B4-BE49-F238E27FC236}">
+                <a16:creationId xmlns:a16="http://schemas.microsoft.com/office/drawing/2014/main" id="{043CA8C8-9721-74CA-47C8-2BFEB7CE7E55}"/>
+              </a:ext>
+            </a:extLst>
+          </p:cNvPr>
+          <p:cNvSpPr/>
+          <p:nvPr/>
+        </p:nvSpPr>
+        <p:spPr>
+          <a:xfrm>
+            <a:off x="5490978" y="1946373"/>
+            <a:ext cx="802434" cy="682656"/>
+          </a:xfrm>
+          <a:prstGeom prst="leftArrow">
+            <a:avLst/>
+          </a:prstGeom>
+          <a:effectLst>
+            <a:outerShdw blurRad="50800" dist="38100" dir="2700000" algn="tl" rotWithShape="0">
+              <a:prstClr val="black">
+                <a:alpha val="40000"/>
+              </a:prstClr>
+            </a:outerShdw>
+          </a:effectLst>
+        </p:spPr>
+        <p:style>
+          <a:lnRef idx="2">
+            <a:schemeClr val="dk1">
+              <a:shade val="15000"/>
+            </a:schemeClr>
+          </a:lnRef>
+          <a:fillRef idx="1">
+            <a:schemeClr val="dk1"/>
+          </a:fillRef>
+          <a:effectRef idx="0">
+            <a:schemeClr val="dk1"/>
+          </a:effectRef>
+          <a:fontRef idx="minor">
+            <a:schemeClr val="lt1"/>
+          </a:fontRef>
+        </p:style>
+        <p:txBody>
+          <a:bodyPr rtlCol="0" anchor="ctr"/>
+          <a:lstStyle/>
+          <a:p>
+            <a:pPr algn="ctr"/>
+            <a:endParaRPr lang="en-US"/>
+          </a:p>
+        </p:txBody>
+      </p:sp>
     </p:spTree>
     <p:extLst>
       <p:ext uri="{BB962C8B-B14F-4D97-AF65-F5344CB8AC3E}">
@@ -17269,7 +17440,7 @@
             <p:ph idx="1"/>
             <p:extLst>
               <p:ext uri="{D42A27DB-BD31-4B8C-83A1-F6EECF244321}">
-                <p14:modId xmlns:p14="http://schemas.microsoft.com/office/powerpoint/2010/main" val="3927334732"/>
+                <p14:modId xmlns:p14="http://schemas.microsoft.com/office/powerpoint/2010/main" val="2161123247"/>
               </p:ext>
             </p:extLst>
           </p:nvPr>

--- a/Phase 2 Documentation/Team_2_Presentation_2.pptx
+++ b/Phase 2 Documentation/Team_2_Presentation_2.pptx
@@ -16884,8 +16884,8 @@
         </p:blipFill>
         <p:spPr>
           <a:xfrm>
-            <a:off x="6400628" y="541177"/>
-            <a:ext cx="4631546" cy="2887824"/>
+            <a:off x="659786" y="1242532"/>
+            <a:ext cx="4108128" cy="2561467"/>
           </a:xfrm>
           <a:prstGeom prst="rect">
             <a:avLst/>
@@ -16920,8 +16920,8 @@
         </p:blipFill>
         <p:spPr>
           <a:xfrm>
-            <a:off x="5660952" y="3429000"/>
-            <a:ext cx="5371221" cy="3349021"/>
+            <a:off x="659786" y="4130357"/>
+            <a:ext cx="4108128" cy="2561468"/>
           </a:xfrm>
           <a:prstGeom prst="rect">
             <a:avLst/>
@@ -16950,7 +16950,7 @@
         </p:blipFill>
         <p:spPr>
           <a:xfrm>
-            <a:off x="433891" y="1228598"/>
+            <a:off x="6821978" y="752735"/>
             <a:ext cx="4949871" cy="2782044"/>
           </a:xfrm>
           <a:prstGeom prst="rect">
@@ -16980,7 +16980,7 @@
         </p:blipFill>
         <p:spPr>
           <a:xfrm>
-            <a:off x="433892" y="4010642"/>
+            <a:off x="6821979" y="3534779"/>
             <a:ext cx="4949871" cy="2782044"/>
           </a:xfrm>
           <a:prstGeom prst="rect">
@@ -17001,8 +17001,8 @@
           <p:nvPr/>
         </p:nvSpPr>
         <p:spPr>
-          <a:xfrm>
-            <a:off x="5490978" y="1946373"/>
+          <a:xfrm rot="10800000">
+            <a:off x="5393729" y="3193451"/>
             <a:ext cx="802434" cy="682656"/>
           </a:xfrm>
           <a:prstGeom prst="leftArrow">

--- a/Phase 2 Documentation/Team_2_Presentation_2.pptx
+++ b/Phase 2 Documentation/Team_2_Presentation_2.pptx
@@ -8,13 +8,13 @@
     <p:sldId id="256" r:id="rId2"/>
     <p:sldId id="257" r:id="rId3"/>
     <p:sldId id="265" r:id="rId4"/>
-    <p:sldId id="260" r:id="rId5"/>
-    <p:sldId id="261" r:id="rId6"/>
-    <p:sldId id="262" r:id="rId7"/>
-    <p:sldId id="259" r:id="rId8"/>
-    <p:sldId id="263" r:id="rId9"/>
-    <p:sldId id="264" r:id="rId10"/>
-    <p:sldId id="267" r:id="rId11"/>
+    <p:sldId id="267" r:id="rId5"/>
+    <p:sldId id="260" r:id="rId6"/>
+    <p:sldId id="261" r:id="rId7"/>
+    <p:sldId id="262" r:id="rId8"/>
+    <p:sldId id="259" r:id="rId9"/>
+    <p:sldId id="263" r:id="rId10"/>
+    <p:sldId id="264" r:id="rId11"/>
     <p:sldId id="266" r:id="rId12"/>
   </p:sldIdLst>
   <p:sldSz cx="12192000" cy="6858000"/>
@@ -16061,7 +16061,13 @@
   <p:cSld>
     <p:spTree>
       <p:nvGrpSpPr>
-        <p:cNvPr id="1" name=""/>
+        <p:cNvPr id="1" name="">
+          <a:extLst>
+            <a:ext uri="{FF2B5EF4-FFF2-40B4-BE49-F238E27FC236}">
+              <a16:creationId xmlns:a16="http://schemas.microsoft.com/office/drawing/2014/main" id="{D6B0628F-AB30-F585-C52D-A3AF6C3D1AAB}"/>
+            </a:ext>
+          </a:extLst>
+        </p:cNvPr>
         <p:cNvGrpSpPr/>
         <p:nvPr/>
       </p:nvGrpSpPr>
@@ -16078,7 +16084,7 @@
           <p:cNvPr id="2" name="Title 1">
             <a:extLst>
               <a:ext uri="{FF2B5EF4-FFF2-40B4-BE49-F238E27FC236}">
-                <a16:creationId xmlns:a16="http://schemas.microsoft.com/office/drawing/2014/main" id="{44C988C5-2E60-91F0-9D1B-7CBFE4F15430}"/>
+                <a16:creationId xmlns:a16="http://schemas.microsoft.com/office/drawing/2014/main" id="{6B625FA5-3963-D4E9-147B-68DDDC92EDCB}"/>
               </a:ext>
             </a:extLst>
           </p:cNvPr>
@@ -16096,50 +16102,57 @@
           <a:p>
             <a:r>
               <a:rPr lang="en-US" dirty="0"/>
-              <a:t>User Note Entry Process</a:t>
+              <a:t>Back-end Security</a:t>
             </a:r>
           </a:p>
         </p:txBody>
       </p:sp>
-      <p:pic>
-        <p:nvPicPr>
-          <p:cNvPr id="5" name="Content Placeholder 4" descr="A diagram of a encrypted note&#10;&#10;AI-generated content may be incorrect.">
+      <p:sp>
+        <p:nvSpPr>
+          <p:cNvPr id="3" name="Content Placeholder 2">
             <a:extLst>
               <a:ext uri="{FF2B5EF4-FFF2-40B4-BE49-F238E27FC236}">
-                <a16:creationId xmlns:a16="http://schemas.microsoft.com/office/drawing/2014/main" id="{34665E4A-D471-75A9-19E7-067CF3BB6670}"/>
+                <a16:creationId xmlns:a16="http://schemas.microsoft.com/office/drawing/2014/main" id="{9ADF27FD-A125-97E9-E843-33B3A326EDDD}"/>
               </a:ext>
             </a:extLst>
           </p:cNvPr>
-          <p:cNvPicPr>
-            <a:picLocks noGrp="1" noChangeAspect="1"/>
-          </p:cNvPicPr>
+          <p:cNvSpPr>
+            <a:spLocks noGrp="1"/>
+          </p:cNvSpPr>
           <p:nvPr>
             <p:ph idx="1"/>
           </p:nvPr>
-        </p:nvPicPr>
-        <p:blipFill>
-          <a:blip r:embed="rId2">
-            <a:extLst>
-              <a:ext uri="{28A0092B-C50C-407E-A947-70E740481C1C}">
-                <a14:useLocalDpi xmlns:a14="http://schemas.microsoft.com/office/drawing/2010/main" val="0"/>
-              </a:ext>
-            </a:extLst>
-          </a:blip>
-          <a:stretch>
-            <a:fillRect/>
-          </a:stretch>
-        </p:blipFill>
-        <p:spPr>
-          <a:xfrm>
-            <a:off x="40443" y="2715624"/>
-            <a:ext cx="12111114" cy="2529039"/>
-          </a:xfrm>
-        </p:spPr>
-      </p:pic>
+        </p:nvSpPr>
+        <p:spPr/>
+        <p:txBody>
+          <a:bodyPr vert="horz" lIns="91440" tIns="45720" rIns="91440" bIns="45720" rtlCol="0" anchor="t">
+            <a:normAutofit/>
+          </a:bodyPr>
+          <a:lstStyle/>
+          <a:p>
+            <a:r>
+              <a:rPr lang="en-US" dirty="0"/>
+              <a:t>Our other focus is reinforcing our encryption of the database</a:t>
+            </a:r>
+          </a:p>
+          <a:p>
+            <a:pPr marL="0" indent="0">
+              <a:buNone/>
+            </a:pPr>
+            <a:endParaRPr lang="en-US" dirty="0"/>
+          </a:p>
+          <a:p>
+            <a:r>
+              <a:rPr lang="en-US" dirty="0"/>
+              <a:t>Python has libraries that allow us to easily use .env files to hide sensitive variables for our AES while keeping them available to the program</a:t>
+            </a:r>
+          </a:p>
+        </p:txBody>
+      </p:sp>
     </p:spTree>
     <p:extLst>
       <p:ext uri="{BB962C8B-B14F-4D97-AF65-F5344CB8AC3E}">
-        <p14:creationId xmlns:p14="http://schemas.microsoft.com/office/powerpoint/2010/main" val="605322467"/>
+        <p14:creationId xmlns:p14="http://schemas.microsoft.com/office/powerpoint/2010/main" val="2780799861"/>
       </p:ext>
     </p:extLst>
   </p:cSld>
@@ -16884,8 +16897,8 @@
         </p:blipFill>
         <p:spPr>
           <a:xfrm>
-            <a:off x="6400628" y="541177"/>
-            <a:ext cx="4631546" cy="2887824"/>
+            <a:off x="659786" y="1242532"/>
+            <a:ext cx="4108128" cy="2561467"/>
           </a:xfrm>
           <a:prstGeom prst="rect">
             <a:avLst/>
@@ -16920,8 +16933,8 @@
         </p:blipFill>
         <p:spPr>
           <a:xfrm>
-            <a:off x="5660952" y="3429000"/>
-            <a:ext cx="5371221" cy="3349021"/>
+            <a:off x="659786" y="4130357"/>
+            <a:ext cx="4108128" cy="2561468"/>
           </a:xfrm>
           <a:prstGeom prst="rect">
             <a:avLst/>
@@ -16950,7 +16963,7 @@
         </p:blipFill>
         <p:spPr>
           <a:xfrm>
-            <a:off x="433891" y="1228598"/>
+            <a:off x="6821978" y="752735"/>
             <a:ext cx="4949871" cy="2782044"/>
           </a:xfrm>
           <a:prstGeom prst="rect">
@@ -16980,7 +16993,7 @@
         </p:blipFill>
         <p:spPr>
           <a:xfrm>
-            <a:off x="433892" y="4010642"/>
+            <a:off x="6821979" y="3534779"/>
             <a:ext cx="4949871" cy="2782044"/>
           </a:xfrm>
           <a:prstGeom prst="rect">
@@ -17001,8 +17014,8 @@
           <p:nvPr/>
         </p:nvSpPr>
         <p:spPr>
-          <a:xfrm>
-            <a:off x="5490978" y="1946373"/>
+          <a:xfrm rot="10800000">
+            <a:off x="5393729" y="3193451"/>
             <a:ext cx="802434" cy="682656"/>
           </a:xfrm>
           <a:prstGeom prst="leftArrow">
@@ -17055,6 +17068,99 @@
 </file>
 
 <file path=ppt/slides/slide4.xml><?xml version="1.0" encoding="utf-8"?>
+<p:sld xmlns:a="http://schemas.openxmlformats.org/drawingml/2006/main" xmlns:r="http://schemas.openxmlformats.org/officeDocument/2006/relationships" xmlns:p="http://schemas.openxmlformats.org/presentationml/2006/main">
+  <p:cSld>
+    <p:spTree>
+      <p:nvGrpSpPr>
+        <p:cNvPr id="1" name=""/>
+        <p:cNvGrpSpPr/>
+        <p:nvPr/>
+      </p:nvGrpSpPr>
+      <p:grpSpPr>
+        <a:xfrm>
+          <a:off x="0" y="0"/>
+          <a:ext cx="0" cy="0"/>
+          <a:chOff x="0" y="0"/>
+          <a:chExt cx="0" cy="0"/>
+        </a:xfrm>
+      </p:grpSpPr>
+      <p:sp>
+        <p:nvSpPr>
+          <p:cNvPr id="2" name="Title 1">
+            <a:extLst>
+              <a:ext uri="{FF2B5EF4-FFF2-40B4-BE49-F238E27FC236}">
+                <a16:creationId xmlns:a16="http://schemas.microsoft.com/office/drawing/2014/main" id="{44C988C5-2E60-91F0-9D1B-7CBFE4F15430}"/>
+              </a:ext>
+            </a:extLst>
+          </p:cNvPr>
+          <p:cNvSpPr>
+            <a:spLocks noGrp="1"/>
+          </p:cNvSpPr>
+          <p:nvPr>
+            <p:ph type="title"/>
+          </p:nvPr>
+        </p:nvSpPr>
+        <p:spPr/>
+        <p:txBody>
+          <a:bodyPr/>
+          <a:lstStyle/>
+          <a:p>
+            <a:r>
+              <a:rPr lang="en-US" dirty="0"/>
+              <a:t>User Note Entry Process</a:t>
+            </a:r>
+          </a:p>
+        </p:txBody>
+      </p:sp>
+      <p:pic>
+        <p:nvPicPr>
+          <p:cNvPr id="5" name="Content Placeholder 4" descr="A diagram of a encrypted note&#10;&#10;AI-generated content may be incorrect.">
+            <a:extLst>
+              <a:ext uri="{FF2B5EF4-FFF2-40B4-BE49-F238E27FC236}">
+                <a16:creationId xmlns:a16="http://schemas.microsoft.com/office/drawing/2014/main" id="{34665E4A-D471-75A9-19E7-067CF3BB6670}"/>
+              </a:ext>
+            </a:extLst>
+          </p:cNvPr>
+          <p:cNvPicPr>
+            <a:picLocks noGrp="1" noChangeAspect="1"/>
+          </p:cNvPicPr>
+          <p:nvPr>
+            <p:ph idx="1"/>
+          </p:nvPr>
+        </p:nvPicPr>
+        <p:blipFill>
+          <a:blip r:embed="rId2">
+            <a:extLst>
+              <a:ext uri="{28A0092B-C50C-407E-A947-70E740481C1C}">
+                <a14:useLocalDpi xmlns:a14="http://schemas.microsoft.com/office/drawing/2010/main" val="0"/>
+              </a:ext>
+            </a:extLst>
+          </a:blip>
+          <a:stretch>
+            <a:fillRect/>
+          </a:stretch>
+        </p:blipFill>
+        <p:spPr>
+          <a:xfrm>
+            <a:off x="40443" y="2715624"/>
+            <a:ext cx="12111114" cy="2529039"/>
+          </a:xfrm>
+        </p:spPr>
+      </p:pic>
+    </p:spTree>
+    <p:extLst>
+      <p:ext uri="{BB962C8B-B14F-4D97-AF65-F5344CB8AC3E}">
+        <p14:creationId xmlns:p14="http://schemas.microsoft.com/office/powerpoint/2010/main" val="605322467"/>
+      </p:ext>
+    </p:extLst>
+  </p:cSld>
+  <p:clrMapOvr>
+    <a:masterClrMapping/>
+  </p:clrMapOvr>
+</p:sld>
+</file>
+
+<file path=ppt/slides/slide5.xml><?xml version="1.0" encoding="utf-8"?>
 <p:sld xmlns:a="http://schemas.openxmlformats.org/drawingml/2006/main" xmlns:r="http://schemas.openxmlformats.org/officeDocument/2006/relationships" xmlns:p="http://schemas.openxmlformats.org/presentationml/2006/main">
   <p:cSld>
     <p:bg>
@@ -17468,7 +17574,7 @@
 </p:sld>
 </file>
 
-<file path=ppt/slides/slide5.xml><?xml version="1.0" encoding="utf-8"?>
+<file path=ppt/slides/slide6.xml><?xml version="1.0" encoding="utf-8"?>
 <p:sld xmlns:a="http://schemas.openxmlformats.org/drawingml/2006/main" xmlns:r="http://schemas.openxmlformats.org/officeDocument/2006/relationships" xmlns:p="http://schemas.openxmlformats.org/presentationml/2006/main">
   <p:cSld>
     <p:spTree>
@@ -17567,7 +17673,7 @@
 </p:sld>
 </file>
 
-<file path=ppt/slides/slide6.xml><?xml version="1.0" encoding="utf-8"?>
+<file path=ppt/slides/slide7.xml><?xml version="1.0" encoding="utf-8"?>
 <p:sld xmlns:a="http://schemas.openxmlformats.org/drawingml/2006/main" xmlns:r="http://schemas.openxmlformats.org/officeDocument/2006/relationships" xmlns:p="http://schemas.openxmlformats.org/presentationml/2006/main">
   <p:cSld>
     <p:spTree>
@@ -17681,7 +17787,7 @@
 </p:sld>
 </file>
 
-<file path=ppt/slides/slide7.xml><?xml version="1.0" encoding="utf-8"?>
+<file path=ppt/slides/slide8.xml><?xml version="1.0" encoding="utf-8"?>
 <p:sld xmlns:a="http://schemas.openxmlformats.org/drawingml/2006/main" xmlns:r="http://schemas.openxmlformats.org/officeDocument/2006/relationships" xmlns:p="http://schemas.openxmlformats.org/presentationml/2006/main">
   <p:cSld>
     <p:bg>
@@ -18095,7 +18201,7 @@
 </p:sld>
 </file>
 
-<file path=ppt/slides/slide8.xml><?xml version="1.0" encoding="utf-8"?>
+<file path=ppt/slides/slide9.xml><?xml version="1.0" encoding="utf-8"?>
 <p:sld xmlns:a="http://schemas.openxmlformats.org/drawingml/2006/main" xmlns:r="http://schemas.openxmlformats.org/officeDocument/2006/relationships" xmlns:p="http://schemas.openxmlformats.org/presentationml/2006/main">
   <p:cSld>
     <p:spTree>
@@ -18209,112 +18315,6 @@
     <p:extLst>
       <p:ext uri="{BB962C8B-B14F-4D97-AF65-F5344CB8AC3E}">
         <p14:creationId xmlns:p14="http://schemas.microsoft.com/office/powerpoint/2010/main" val="1436774238"/>
-      </p:ext>
-    </p:extLst>
-  </p:cSld>
-  <p:clrMapOvr>
-    <a:masterClrMapping/>
-  </p:clrMapOvr>
-</p:sld>
-</file>
-
-<file path=ppt/slides/slide9.xml><?xml version="1.0" encoding="utf-8"?>
-<p:sld xmlns:a="http://schemas.openxmlformats.org/drawingml/2006/main" xmlns:r="http://schemas.openxmlformats.org/officeDocument/2006/relationships" xmlns:p="http://schemas.openxmlformats.org/presentationml/2006/main">
-  <p:cSld>
-    <p:spTree>
-      <p:nvGrpSpPr>
-        <p:cNvPr id="1" name="">
-          <a:extLst>
-            <a:ext uri="{FF2B5EF4-FFF2-40B4-BE49-F238E27FC236}">
-              <a16:creationId xmlns:a16="http://schemas.microsoft.com/office/drawing/2014/main" id="{D6B0628F-AB30-F585-C52D-A3AF6C3D1AAB}"/>
-            </a:ext>
-          </a:extLst>
-        </p:cNvPr>
-        <p:cNvGrpSpPr/>
-        <p:nvPr/>
-      </p:nvGrpSpPr>
-      <p:grpSpPr>
-        <a:xfrm>
-          <a:off x="0" y="0"/>
-          <a:ext cx="0" cy="0"/>
-          <a:chOff x="0" y="0"/>
-          <a:chExt cx="0" cy="0"/>
-        </a:xfrm>
-      </p:grpSpPr>
-      <p:sp>
-        <p:nvSpPr>
-          <p:cNvPr id="2" name="Title 1">
-            <a:extLst>
-              <a:ext uri="{FF2B5EF4-FFF2-40B4-BE49-F238E27FC236}">
-                <a16:creationId xmlns:a16="http://schemas.microsoft.com/office/drawing/2014/main" id="{6B625FA5-3963-D4E9-147B-68DDDC92EDCB}"/>
-              </a:ext>
-            </a:extLst>
-          </p:cNvPr>
-          <p:cNvSpPr>
-            <a:spLocks noGrp="1"/>
-          </p:cNvSpPr>
-          <p:nvPr>
-            <p:ph type="title"/>
-          </p:nvPr>
-        </p:nvSpPr>
-        <p:spPr/>
-        <p:txBody>
-          <a:bodyPr/>
-          <a:lstStyle/>
-          <a:p>
-            <a:r>
-              <a:rPr lang="en-US" dirty="0"/>
-              <a:t>Back-end Security</a:t>
-            </a:r>
-          </a:p>
-        </p:txBody>
-      </p:sp>
-      <p:sp>
-        <p:nvSpPr>
-          <p:cNvPr id="3" name="Content Placeholder 2">
-            <a:extLst>
-              <a:ext uri="{FF2B5EF4-FFF2-40B4-BE49-F238E27FC236}">
-                <a16:creationId xmlns:a16="http://schemas.microsoft.com/office/drawing/2014/main" id="{9ADF27FD-A125-97E9-E843-33B3A326EDDD}"/>
-              </a:ext>
-            </a:extLst>
-          </p:cNvPr>
-          <p:cNvSpPr>
-            <a:spLocks noGrp="1"/>
-          </p:cNvSpPr>
-          <p:nvPr>
-            <p:ph idx="1"/>
-          </p:nvPr>
-        </p:nvSpPr>
-        <p:spPr/>
-        <p:txBody>
-          <a:bodyPr vert="horz" lIns="91440" tIns="45720" rIns="91440" bIns="45720" rtlCol="0" anchor="t">
-            <a:normAutofit/>
-          </a:bodyPr>
-          <a:lstStyle/>
-          <a:p>
-            <a:r>
-              <a:rPr lang="en-US" dirty="0"/>
-              <a:t>Our other focus is reinforcing our encryption of the database</a:t>
-            </a:r>
-          </a:p>
-          <a:p>
-            <a:pPr marL="0" indent="0">
-              <a:buNone/>
-            </a:pPr>
-            <a:endParaRPr lang="en-US" dirty="0"/>
-          </a:p>
-          <a:p>
-            <a:r>
-              <a:rPr lang="en-US" dirty="0"/>
-              <a:t>Python has libraries that allow us to easily use .env files to hide sensitive variables for our AES while keeping them available to the program</a:t>
-            </a:r>
-          </a:p>
-        </p:txBody>
-      </p:sp>
-    </p:spTree>
-    <p:extLst>
-      <p:ext uri="{BB962C8B-B14F-4D97-AF65-F5344CB8AC3E}">
-        <p14:creationId xmlns:p14="http://schemas.microsoft.com/office/powerpoint/2010/main" val="2780799861"/>
       </p:ext>
     </p:extLst>
   </p:cSld>
